--- a/JavaLecture/LectureFile/java 2강 연산자_정답.pptx
+++ b/JavaLecture/LectureFile/java 2강 연산자_정답.pptx
@@ -13,12 +13,12 @@
     <p:sldId id="472" r:id="rId4"/>
     <p:sldId id="469" r:id="rId5"/>
     <p:sldId id="467" r:id="rId6"/>
-    <p:sldId id="468" r:id="rId7"/>
-    <p:sldId id="374" r:id="rId8"/>
-    <p:sldId id="463" r:id="rId9"/>
-    <p:sldId id="385" r:id="rId10"/>
-    <p:sldId id="470" r:id="rId11"/>
-    <p:sldId id="471" r:id="rId12"/>
+    <p:sldId id="473" r:id="rId7"/>
+    <p:sldId id="468" r:id="rId8"/>
+    <p:sldId id="470" r:id="rId9"/>
+    <p:sldId id="474" r:id="rId10"/>
+    <p:sldId id="471" r:id="rId11"/>
+    <p:sldId id="475" r:id="rId12"/>
     <p:sldId id="275" r:id="rId13"/>
   </p:sldIdLst>
   <p:sldSz cx="18288000" cy="10287000"/>
@@ -219,7 +219,7 @@
           <a:p>
             <a:fld id="{D79F2C30-10E1-4C46-91DC-BBDB9629E720}" type="datetimeFigureOut">
               <a:rPr lang="ko-KR" altLang="en-US" smtClean="0"/>
-              <a:t>2023-09-24</a:t>
+              <a:t>2023-09-25 Monday</a:t>
             </a:fld>
             <a:endParaRPr lang="ko-KR" altLang="en-US"/>
           </a:p>
@@ -679,7 +679,7 @@
           <a:p>
             <a:fld id="{F8166F1F-CE9B-4651-A6AA-CD717754106B}" type="datetimeFigureOut">
               <a:rPr lang="en-US" smtClean="0"/>
-              <a:t>9/24/2023</a:t>
+              <a:t>9/25/2023</a:t>
             </a:fld>
             <a:endParaRPr lang="en-US"/>
           </a:p>
@@ -882,7 +882,7 @@
           <a:p>
             <a:fld id="{A76116CE-C4A3-4A05-B2D7-7C2E9A889C0F}" type="datetimeFigureOut">
               <a:rPr lang="en-US" smtClean="0"/>
-              <a:t>9/24/2023</a:t>
+              <a:t>9/25/2023</a:t>
             </a:fld>
             <a:endParaRPr lang="en-US"/>
           </a:p>
@@ -1085,7 +1085,7 @@
           <a:p>
             <a:fld id="{A76116CE-C4A3-4A05-B2D7-7C2E9A889C0F}" type="datetimeFigureOut">
               <a:rPr lang="en-US" smtClean="0"/>
-              <a:t>9/24/2023</a:t>
+              <a:t>9/25/2023</a:t>
             </a:fld>
             <a:endParaRPr lang="en-US"/>
           </a:p>
@@ -1290,7 +1290,7 @@
           <a:p>
             <a:fld id="{A76116CE-C4A3-4A05-B2D7-7C2E9A889C0F}" type="datetimeFigureOut">
               <a:rPr lang="en-US" smtClean="0"/>
-              <a:t>9/24/2023</a:t>
+              <a:t>9/25/2023</a:t>
             </a:fld>
             <a:endParaRPr lang="en-US"/>
           </a:p>
@@ -1560,7 +1560,7 @@
           <a:p>
             <a:fld id="{A76116CE-C4A3-4A05-B2D7-7C2E9A889C0F}" type="datetimeFigureOut">
               <a:rPr lang="en-US" smtClean="0"/>
-              <a:t>9/24/2023</a:t>
+              <a:t>9/25/2023</a:t>
             </a:fld>
             <a:endParaRPr lang="en-US"/>
           </a:p>
@@ -1878,7 +1878,7 @@
           <a:p>
             <a:fld id="{A76116CE-C4A3-4A05-B2D7-7C2E9A889C0F}" type="datetimeFigureOut">
               <a:rPr lang="en-US" smtClean="0"/>
-              <a:t>9/24/2023</a:t>
+              <a:t>9/25/2023</a:t>
             </a:fld>
             <a:endParaRPr lang="en-US"/>
           </a:p>
@@ -2336,7 +2336,7 @@
           <a:p>
             <a:fld id="{A76116CE-C4A3-4A05-B2D7-7C2E9A889C0F}" type="datetimeFigureOut">
               <a:rPr lang="en-US" smtClean="0"/>
-              <a:t>9/24/2023</a:t>
+              <a:t>9/25/2023</a:t>
             </a:fld>
             <a:endParaRPr lang="en-US"/>
           </a:p>
@@ -2480,7 +2480,7 @@
           <a:p>
             <a:fld id="{A76116CE-C4A3-4A05-B2D7-7C2E9A889C0F}" type="datetimeFigureOut">
               <a:rPr lang="en-US" smtClean="0"/>
-              <a:t>9/24/2023</a:t>
+              <a:t>9/25/2023</a:t>
             </a:fld>
             <a:endParaRPr lang="en-US"/>
           </a:p>
@@ -2594,7 +2594,7 @@
           <a:p>
             <a:fld id="{A76116CE-C4A3-4A05-B2D7-7C2E9A889C0F}" type="datetimeFigureOut">
               <a:rPr lang="en-US" smtClean="0"/>
-              <a:t>9/24/2023</a:t>
+              <a:t>9/25/2023</a:t>
             </a:fld>
             <a:endParaRPr lang="en-US"/>
           </a:p>
@@ -2897,7 +2897,7 @@
           <a:p>
             <a:fld id="{A76116CE-C4A3-4A05-B2D7-7C2E9A889C0F}" type="datetimeFigureOut">
               <a:rPr lang="en-US" smtClean="0"/>
-              <a:t>9/24/2023</a:t>
+              <a:t>9/25/2023</a:t>
             </a:fld>
             <a:endParaRPr lang="en-US"/>
           </a:p>
@@ -3177,7 +3177,7 @@
           <a:p>
             <a:fld id="{A76116CE-C4A3-4A05-B2D7-7C2E9A889C0F}" type="datetimeFigureOut">
               <a:rPr lang="en-US" smtClean="0"/>
-              <a:t>9/24/2023</a:t>
+              <a:t>9/25/2023</a:t>
             </a:fld>
             <a:endParaRPr lang="en-US"/>
           </a:p>
@@ -3294,7 +3294,7 @@
           <a:lstStyle/>
           <a:p>
             <a:r>
-              <a:rPr lang="en-US" altLang="ko-KR" sz="2800" smtClean="0">
+              <a:rPr lang="en-US" altLang="ko-KR" sz="2800">
                 <a:solidFill>
                   <a:srgbClr val="4C50BC">
                     <a:alpha val="20000"/>
@@ -3340,7 +3340,7 @@
           <a:lstStyle/>
           <a:p>
             <a:r>
-              <a:rPr lang="en-US" altLang="ko-KR" sz="2800" smtClean="0">
+              <a:rPr lang="en-US" altLang="ko-KR" sz="2800">
                 <a:solidFill>
                   <a:srgbClr val="4C50BC">
                     <a:alpha val="20000"/>
@@ -4094,672 +4094,10 @@
   <p:clrMapOvr>
     <a:masterClrMapping/>
   </p:clrMapOvr>
-  <p:timing>
-    <p:tnLst>
-      <p:par>
-        <p:cTn id="1" dur="indefinite" restart="never" nodeType="tmRoot"/>
-      </p:par>
-    </p:tnLst>
-  </p:timing>
 </p:sld>
 </file>
 
 <file path=ppt/slides/slide10.xml><?xml version="1.0" encoding="utf-8"?>
-<p:sld xmlns:a="http://schemas.openxmlformats.org/drawingml/2006/main" xmlns:r="http://schemas.openxmlformats.org/officeDocument/2006/relationships" xmlns:p="http://schemas.openxmlformats.org/presentationml/2006/main">
-  <p:cSld>
-    <p:spTree>
-      <p:nvGrpSpPr>
-        <p:cNvPr id="1" name=""/>
-        <p:cNvGrpSpPr/>
-        <p:nvPr/>
-      </p:nvGrpSpPr>
-      <p:grpSpPr>
-        <a:xfrm>
-          <a:off x="0" y="0"/>
-          <a:ext cx="0" cy="0"/>
-          <a:chOff x="0" y="0"/>
-          <a:chExt cx="0" cy="0"/>
-        </a:xfrm>
-      </p:grpSpPr>
-      <p:sp>
-        <p:nvSpPr>
-          <p:cNvPr id="2" name="TextBox 1">
-            <a:extLst>
-              <a:ext uri="{FF2B5EF4-FFF2-40B4-BE49-F238E27FC236}">
-                <a16:creationId xmlns:a16="http://schemas.microsoft.com/office/drawing/2014/main" id="{5ADC00B6-990A-40DC-3CEA-505258F5E8DA}"/>
-              </a:ext>
-            </a:extLst>
-          </p:cNvPr>
-          <p:cNvSpPr txBox="1"/>
-          <p:nvPr/>
-        </p:nvSpPr>
-        <p:spPr>
-          <a:xfrm>
-            <a:off x="609600" y="190500"/>
-            <a:ext cx="4419600" cy="830997"/>
-          </a:xfrm>
-          <a:prstGeom prst="rect">
-            <a:avLst/>
-          </a:prstGeom>
-          <a:noFill/>
-        </p:spPr>
-        <p:txBody>
-          <a:bodyPr wrap="square" rtlCol="0">
-            <a:spAutoFit/>
-          </a:bodyPr>
-          <a:lstStyle/>
-          <a:p>
-            <a:r>
-              <a:rPr lang="ko-KR" altLang="en-US" sz="4800" smtClean="0">
-                <a:solidFill>
-                  <a:srgbClr val="4C50BC"/>
-                </a:solidFill>
-                <a:latin typeface="G마켓 산스 Bold" panose="02000000000000000000" pitchFamily="50" charset="-127"/>
-                <a:ea typeface="G마켓 산스 Bold" panose="02000000000000000000" pitchFamily="50" charset="-127"/>
-              </a:rPr>
-              <a:t>실습 문제 </a:t>
-            </a:r>
-            <a:r>
-              <a:rPr lang="en-US" altLang="ko-KR" sz="4800">
-                <a:solidFill>
-                  <a:srgbClr val="4C50BC"/>
-                </a:solidFill>
-                <a:latin typeface="G마켓 산스 Bold" panose="02000000000000000000" pitchFamily="50" charset="-127"/>
-                <a:ea typeface="G마켓 산스 Bold" panose="02000000000000000000" pitchFamily="50" charset="-127"/>
-              </a:rPr>
-              <a:t>2</a:t>
-            </a:r>
-            <a:endParaRPr lang="en-US" altLang="ko-KR" sz="4800" dirty="0">
-              <a:solidFill>
-                <a:srgbClr val="4C50BC"/>
-              </a:solidFill>
-              <a:latin typeface="G마켓 산스 Bold" panose="02000000000000000000" pitchFamily="50" charset="-127"/>
-              <a:ea typeface="G마켓 산스 Bold" panose="02000000000000000000" pitchFamily="50" charset="-127"/>
-            </a:endParaRPr>
-          </a:p>
-        </p:txBody>
-      </p:sp>
-      <p:sp>
-        <p:nvSpPr>
-          <p:cNvPr id="3" name="TextBox 2">
-            <a:extLst>
-              <a:ext uri="{FF2B5EF4-FFF2-40B4-BE49-F238E27FC236}">
-                <a16:creationId xmlns:a16="http://schemas.microsoft.com/office/drawing/2014/main" id="{4EDAA912-8FA0-0F11-119B-EA9F8B36A489}"/>
-              </a:ext>
-            </a:extLst>
-          </p:cNvPr>
-          <p:cNvSpPr txBox="1"/>
-          <p:nvPr/>
-        </p:nvSpPr>
-        <p:spPr>
-          <a:xfrm>
-            <a:off x="1143000" y="1104900"/>
-            <a:ext cx="19583400" cy="1077218"/>
-          </a:xfrm>
-          <a:prstGeom prst="rect">
-            <a:avLst/>
-          </a:prstGeom>
-          <a:noFill/>
-        </p:spPr>
-        <p:txBody>
-          <a:bodyPr wrap="square" rtlCol="0">
-            <a:spAutoFit/>
-          </a:bodyPr>
-          <a:lstStyle/>
-          <a:p>
-            <a:pPr marL="742950" indent="-742950">
-              <a:buAutoNum type="arabicPeriod"/>
-            </a:pPr>
-            <a:r>
-              <a:rPr lang="en-US" altLang="ko-KR" sz="3200" smtClean="0">
-                <a:solidFill>
-                  <a:srgbClr val="4C50BB"/>
-                </a:solidFill>
-                <a:latin typeface="G마켓 산스 Medium" panose="02000000000000000000" pitchFamily="50" charset="-127"/>
-                <a:ea typeface="G마켓 산스 Medium" panose="02000000000000000000" pitchFamily="50" charset="-127"/>
-              </a:rPr>
-              <a:t>Int</a:t>
-            </a:r>
-            <a:r>
-              <a:rPr lang="ko-KR" altLang="en-US" sz="3200" smtClean="0">
-                <a:solidFill>
-                  <a:srgbClr val="4C50BB"/>
-                </a:solidFill>
-                <a:latin typeface="G마켓 산스 Medium" panose="02000000000000000000" pitchFamily="50" charset="-127"/>
-                <a:ea typeface="G마켓 산스 Medium" panose="02000000000000000000" pitchFamily="50" charset="-127"/>
-              </a:rPr>
-              <a:t>형 변수 </a:t>
-            </a:r>
-            <a:r>
-              <a:rPr lang="en-US" altLang="ko-KR" sz="3200" smtClean="0">
-                <a:solidFill>
-                  <a:srgbClr val="4C50BB"/>
-                </a:solidFill>
-                <a:latin typeface="G마켓 산스 Medium" panose="02000000000000000000" pitchFamily="50" charset="-127"/>
-                <a:ea typeface="G마켓 산스 Medium" panose="02000000000000000000" pitchFamily="50" charset="-127"/>
-              </a:rPr>
-              <a:t>num</a:t>
-            </a:r>
-            <a:r>
-              <a:rPr lang="ko-KR" altLang="en-US" sz="3200" smtClean="0">
-                <a:solidFill>
-                  <a:srgbClr val="4C50BB"/>
-                </a:solidFill>
-                <a:latin typeface="G마켓 산스 Medium" panose="02000000000000000000" pitchFamily="50" charset="-127"/>
-                <a:ea typeface="G마켓 산스 Medium" panose="02000000000000000000" pitchFamily="50" charset="-127"/>
-              </a:rPr>
-              <a:t>에  </a:t>
-            </a:r>
-            <a:r>
-              <a:rPr lang="en-US" altLang="ko-KR" sz="3200" smtClean="0">
-                <a:solidFill>
-                  <a:srgbClr val="4C50BB"/>
-                </a:solidFill>
-                <a:latin typeface="G마켓 산스 Medium" panose="02000000000000000000" pitchFamily="50" charset="-127"/>
-                <a:ea typeface="G마켓 산스 Medium" panose="02000000000000000000" pitchFamily="50" charset="-127"/>
-              </a:rPr>
-              <a:t>100</a:t>
-            </a:r>
-            <a:r>
-              <a:rPr lang="ko-KR" altLang="en-US" sz="3200" smtClean="0">
-                <a:solidFill>
-                  <a:srgbClr val="4C50BB"/>
-                </a:solidFill>
-                <a:latin typeface="G마켓 산스 Medium" panose="02000000000000000000" pitchFamily="50" charset="-127"/>
-                <a:ea typeface="G마켓 산스 Medium" panose="02000000000000000000" pitchFamily="50" charset="-127"/>
-              </a:rPr>
-              <a:t>이상의 숫자를 저장후 백의자리 이하는 버리고 출력하시오</a:t>
-            </a:r>
-            <a:endParaRPr lang="en-US" altLang="ko-KR" sz="3200" smtClean="0">
-              <a:solidFill>
-                <a:srgbClr val="4C50BB"/>
-              </a:solidFill>
-              <a:latin typeface="G마켓 산스 Medium" panose="02000000000000000000" pitchFamily="50" charset="-127"/>
-              <a:ea typeface="G마켓 산스 Medium" panose="02000000000000000000" pitchFamily="50" charset="-127"/>
-            </a:endParaRPr>
-          </a:p>
-          <a:p>
-            <a:r>
-              <a:rPr lang="en-US" altLang="ko-KR" sz="3200">
-                <a:solidFill>
-                  <a:srgbClr val="FF0000"/>
-                </a:solidFill>
-                <a:latin typeface="G마켓 산스 Medium" panose="02000000000000000000" pitchFamily="50" charset="-127"/>
-                <a:ea typeface="G마켓 산스 Medium" panose="02000000000000000000" pitchFamily="50" charset="-127"/>
-              </a:rPr>
-              <a:t>*</a:t>
-            </a:r>
-            <a:r>
-              <a:rPr lang="ko-KR" altLang="en-US" sz="3200" smtClean="0">
-                <a:solidFill>
-                  <a:srgbClr val="FF0000"/>
-                </a:solidFill>
-                <a:latin typeface="G마켓 산스 Medium" panose="02000000000000000000" pitchFamily="50" charset="-127"/>
-                <a:ea typeface="G마켓 산스 Medium" panose="02000000000000000000" pitchFamily="50" charset="-127"/>
-              </a:rPr>
-              <a:t>숫자를 </a:t>
-            </a:r>
-            <a:r>
-              <a:rPr lang="en-US" altLang="ko-KR" sz="3200" smtClean="0">
-                <a:solidFill>
-                  <a:srgbClr val="FF0000"/>
-                </a:solidFill>
-                <a:latin typeface="G마켓 산스 Medium" panose="02000000000000000000" pitchFamily="50" charset="-127"/>
-                <a:ea typeface="G마켓 산스 Medium" panose="02000000000000000000" pitchFamily="50" charset="-127"/>
-              </a:rPr>
-              <a:t>100</a:t>
-            </a:r>
-            <a:r>
-              <a:rPr lang="ko-KR" altLang="en-US" sz="3200" smtClean="0">
-                <a:solidFill>
-                  <a:srgbClr val="FF0000"/>
-                </a:solidFill>
-                <a:latin typeface="G마켓 산스 Medium" panose="02000000000000000000" pitchFamily="50" charset="-127"/>
-                <a:ea typeface="G마켓 산스 Medium" panose="02000000000000000000" pitchFamily="50" charset="-127"/>
-              </a:rPr>
-              <a:t>으로 나누면 </a:t>
-            </a:r>
-            <a:r>
-              <a:rPr lang="en-US" altLang="ko-KR" sz="3200" smtClean="0">
-                <a:solidFill>
-                  <a:srgbClr val="FF0000"/>
-                </a:solidFill>
-                <a:latin typeface="G마켓 산스 Medium" panose="02000000000000000000" pitchFamily="50" charset="-127"/>
-                <a:ea typeface="G마켓 산스 Medium" panose="02000000000000000000" pitchFamily="50" charset="-127"/>
-              </a:rPr>
-              <a:t>1</a:t>
-            </a:r>
-            <a:r>
-              <a:rPr lang="ko-KR" altLang="en-US" sz="3200" smtClean="0">
-                <a:solidFill>
-                  <a:srgbClr val="FF0000"/>
-                </a:solidFill>
-                <a:latin typeface="G마켓 산스 Medium" panose="02000000000000000000" pitchFamily="50" charset="-127"/>
-                <a:ea typeface="G마켓 산스 Medium" panose="02000000000000000000" pitchFamily="50" charset="-127"/>
-              </a:rPr>
-              <a:t>의자리와 </a:t>
-            </a:r>
-            <a:r>
-              <a:rPr lang="en-US" altLang="ko-KR" sz="3200" smtClean="0">
-                <a:solidFill>
-                  <a:srgbClr val="FF0000"/>
-                </a:solidFill>
-                <a:latin typeface="G마켓 산스 Medium" panose="02000000000000000000" pitchFamily="50" charset="-127"/>
-                <a:ea typeface="G마켓 산스 Medium" panose="02000000000000000000" pitchFamily="50" charset="-127"/>
-              </a:rPr>
-              <a:t>10</a:t>
-            </a:r>
-            <a:r>
-              <a:rPr lang="ko-KR" altLang="en-US" sz="3200" smtClean="0">
-                <a:solidFill>
-                  <a:srgbClr val="FF0000"/>
-                </a:solidFill>
-                <a:latin typeface="G마켓 산스 Medium" panose="02000000000000000000" pitchFamily="50" charset="-127"/>
-                <a:ea typeface="G마켓 산스 Medium" panose="02000000000000000000" pitchFamily="50" charset="-127"/>
-              </a:rPr>
-              <a:t>의 자리가 없어진다</a:t>
-            </a:r>
-            <a:r>
-              <a:rPr lang="en-US" altLang="ko-KR" sz="3200" smtClean="0">
-                <a:solidFill>
-                  <a:srgbClr val="FF0000"/>
-                </a:solidFill>
-                <a:latin typeface="G마켓 산스 Medium" panose="02000000000000000000" pitchFamily="50" charset="-127"/>
-                <a:ea typeface="G마켓 산스 Medium" panose="02000000000000000000" pitchFamily="50" charset="-127"/>
-              </a:rPr>
-              <a:t>.</a:t>
-            </a:r>
-          </a:p>
-        </p:txBody>
-      </p:sp>
-      <p:pic>
-        <p:nvPicPr>
-          <p:cNvPr id="4" name="그림 3"/>
-          <p:cNvPicPr>
-            <a:picLocks noChangeAspect="1"/>
-          </p:cNvPicPr>
-          <p:nvPr/>
-        </p:nvPicPr>
-        <p:blipFill>
-          <a:blip r:embed="rId2"/>
-          <a:stretch>
-            <a:fillRect/>
-          </a:stretch>
-        </p:blipFill>
-        <p:spPr>
-          <a:xfrm>
-            <a:off x="1197342" y="2484175"/>
-            <a:ext cx="7870458" cy="2583125"/>
-          </a:xfrm>
-          <a:prstGeom prst="rect">
-            <a:avLst/>
-          </a:prstGeom>
-        </p:spPr>
-      </p:pic>
-      <p:pic>
-        <p:nvPicPr>
-          <p:cNvPr id="5" name="그림 4"/>
-          <p:cNvPicPr>
-            <a:picLocks noChangeAspect="1"/>
-          </p:cNvPicPr>
-          <p:nvPr/>
-        </p:nvPicPr>
-        <p:blipFill>
-          <a:blip r:embed="rId3"/>
-          <a:stretch>
-            <a:fillRect/>
-          </a:stretch>
-        </p:blipFill>
-        <p:spPr>
-          <a:xfrm>
-            <a:off x="6400800" y="2732173"/>
-            <a:ext cx="2057400" cy="609600"/>
-          </a:xfrm>
-          <a:prstGeom prst="rect">
-            <a:avLst/>
-          </a:prstGeom>
-        </p:spPr>
-      </p:pic>
-      <p:sp>
-        <p:nvSpPr>
-          <p:cNvPr id="7" name="TextBox 6">
-            <a:extLst>
-              <a:ext uri="{FF2B5EF4-FFF2-40B4-BE49-F238E27FC236}">
-                <a16:creationId xmlns:a16="http://schemas.microsoft.com/office/drawing/2014/main" id="{4EDAA912-8FA0-0F11-119B-EA9F8B36A489}"/>
-              </a:ext>
-            </a:extLst>
-          </p:cNvPr>
-          <p:cNvSpPr txBox="1"/>
-          <p:nvPr/>
-        </p:nvSpPr>
-        <p:spPr>
-          <a:xfrm>
-            <a:off x="1143000" y="5600700"/>
-            <a:ext cx="14935200" cy="1631216"/>
-          </a:xfrm>
-          <a:prstGeom prst="rect">
-            <a:avLst/>
-          </a:prstGeom>
-          <a:noFill/>
-        </p:spPr>
-        <p:txBody>
-          <a:bodyPr wrap="square" rtlCol="0">
-            <a:spAutoFit/>
-          </a:bodyPr>
-          <a:lstStyle/>
-          <a:p>
-            <a:r>
-              <a:rPr lang="en-US" altLang="ko-KR" sz="3600" smtClean="0">
-                <a:solidFill>
-                  <a:srgbClr val="4C50BB"/>
-                </a:solidFill>
-                <a:latin typeface="G마켓 산스 Medium" panose="02000000000000000000" pitchFamily="50" charset="-127"/>
-                <a:ea typeface="G마켓 산스 Medium" panose="02000000000000000000" pitchFamily="50" charset="-127"/>
-              </a:rPr>
-              <a:t>2. Int</a:t>
-            </a:r>
-            <a:r>
-              <a:rPr lang="ko-KR" altLang="en-US" sz="3600" smtClean="0">
-                <a:solidFill>
-                  <a:srgbClr val="4C50BB"/>
-                </a:solidFill>
-                <a:latin typeface="G마켓 산스 Medium" panose="02000000000000000000" pitchFamily="50" charset="-127"/>
-                <a:ea typeface="G마켓 산스 Medium" panose="02000000000000000000" pitchFamily="50" charset="-127"/>
-              </a:rPr>
-              <a:t>형 변수 </a:t>
-            </a:r>
-            <a:r>
-              <a:rPr lang="en-US" altLang="ko-KR" sz="3600" smtClean="0">
-                <a:solidFill>
-                  <a:srgbClr val="4C50BB"/>
-                </a:solidFill>
-                <a:latin typeface="G마켓 산스 Medium" panose="02000000000000000000" pitchFamily="50" charset="-127"/>
-                <a:ea typeface="G마켓 산스 Medium" panose="02000000000000000000" pitchFamily="50" charset="-127"/>
-              </a:rPr>
-              <a:t>num</a:t>
-            </a:r>
-            <a:r>
-              <a:rPr lang="ko-KR" altLang="en-US" sz="3600" smtClean="0">
-                <a:solidFill>
-                  <a:srgbClr val="4C50BB"/>
-                </a:solidFill>
-                <a:latin typeface="G마켓 산스 Medium" panose="02000000000000000000" pitchFamily="50" charset="-127"/>
-                <a:ea typeface="G마켓 산스 Medium" panose="02000000000000000000" pitchFamily="50" charset="-127"/>
-              </a:rPr>
-              <a:t>의 숫자가 홀수</a:t>
-            </a:r>
-            <a:r>
-              <a:rPr lang="en-US" altLang="ko-KR" sz="3600" smtClean="0">
-                <a:solidFill>
-                  <a:srgbClr val="4C50BB"/>
-                </a:solidFill>
-                <a:latin typeface="G마켓 산스 Medium" panose="02000000000000000000" pitchFamily="50" charset="-127"/>
-                <a:ea typeface="G마켓 산스 Medium" panose="02000000000000000000" pitchFamily="50" charset="-127"/>
-              </a:rPr>
-              <a:t>, </a:t>
-            </a:r>
-            <a:r>
-              <a:rPr lang="ko-KR" altLang="en-US" sz="3600" smtClean="0">
-                <a:solidFill>
-                  <a:srgbClr val="4C50BB"/>
-                </a:solidFill>
-                <a:latin typeface="G마켓 산스 Medium" panose="02000000000000000000" pitchFamily="50" charset="-127"/>
-                <a:ea typeface="G마켓 산스 Medium" panose="02000000000000000000" pitchFamily="50" charset="-127"/>
-              </a:rPr>
-              <a:t>짝수인지 출력 하시오</a:t>
-            </a:r>
-            <a:endParaRPr lang="en-US" altLang="ko-KR" sz="3600" smtClean="0">
-              <a:solidFill>
-                <a:srgbClr val="4C50BB"/>
-              </a:solidFill>
-              <a:latin typeface="G마켓 산스 Medium" panose="02000000000000000000" pitchFamily="50" charset="-127"/>
-              <a:ea typeface="G마켓 산스 Medium" panose="02000000000000000000" pitchFamily="50" charset="-127"/>
-            </a:endParaRPr>
-          </a:p>
-          <a:p>
-            <a:pPr marL="571500" indent="-571500">
-              <a:buFontTx/>
-              <a:buChar char="-"/>
-            </a:pPr>
-            <a:r>
-              <a:rPr lang="ko-KR" altLang="en-US" sz="3200" smtClean="0">
-                <a:solidFill>
-                  <a:schemeClr val="bg1">
-                    <a:lumMod val="50000"/>
-                  </a:schemeClr>
-                </a:solidFill>
-                <a:latin typeface="G마켓 산스 Medium" panose="02000000000000000000" pitchFamily="50" charset="-127"/>
-                <a:ea typeface="G마켓 산스 Medium" panose="02000000000000000000" pitchFamily="50" charset="-127"/>
-              </a:rPr>
-              <a:t>짝수 </a:t>
-            </a:r>
-            <a:r>
-              <a:rPr lang="en-US" altLang="ko-KR" sz="3200" smtClean="0">
-                <a:solidFill>
-                  <a:schemeClr val="bg1">
-                    <a:lumMod val="50000"/>
-                  </a:schemeClr>
-                </a:solidFill>
-                <a:latin typeface="G마켓 산스 Medium" panose="02000000000000000000" pitchFamily="50" charset="-127"/>
-                <a:ea typeface="G마켓 산스 Medium" panose="02000000000000000000" pitchFamily="50" charset="-127"/>
-              </a:rPr>
-              <a:t>: 0, 2, 4, 6, 8 …</a:t>
-            </a:r>
-          </a:p>
-          <a:p>
-            <a:pPr marL="571500" indent="-571500">
-              <a:buFontTx/>
-              <a:buChar char="-"/>
-            </a:pPr>
-            <a:r>
-              <a:rPr lang="ko-KR" altLang="en-US" sz="3200" smtClean="0">
-                <a:solidFill>
-                  <a:schemeClr val="bg1">
-                    <a:lumMod val="50000"/>
-                  </a:schemeClr>
-                </a:solidFill>
-                <a:latin typeface="G마켓 산스 Medium" panose="02000000000000000000" pitchFamily="50" charset="-127"/>
-                <a:ea typeface="G마켓 산스 Medium" panose="02000000000000000000" pitchFamily="50" charset="-127"/>
-              </a:rPr>
-              <a:t>홀수 </a:t>
-            </a:r>
-            <a:r>
-              <a:rPr lang="en-US" altLang="ko-KR" sz="3200" smtClean="0">
-                <a:solidFill>
-                  <a:schemeClr val="bg1">
-                    <a:lumMod val="50000"/>
-                  </a:schemeClr>
-                </a:solidFill>
-                <a:latin typeface="G마켓 산스 Medium" panose="02000000000000000000" pitchFamily="50" charset="-127"/>
-                <a:ea typeface="G마켓 산스 Medium" panose="02000000000000000000" pitchFamily="50" charset="-127"/>
-              </a:rPr>
-              <a:t>: 1, 3, 5, 7, 9 …</a:t>
-            </a:r>
-          </a:p>
-        </p:txBody>
-      </p:sp>
-      <p:pic>
-        <p:nvPicPr>
-          <p:cNvPr id="10" name="그림 9"/>
-          <p:cNvPicPr>
-            <a:picLocks noChangeAspect="1"/>
-          </p:cNvPicPr>
-          <p:nvPr/>
-        </p:nvPicPr>
-        <p:blipFill>
-          <a:blip r:embed="rId4"/>
-          <a:stretch>
-            <a:fillRect/>
-          </a:stretch>
-        </p:blipFill>
-        <p:spPr>
-          <a:xfrm>
-            <a:off x="1180512" y="7231916"/>
-            <a:ext cx="9696151" cy="2559784"/>
-          </a:xfrm>
-          <a:prstGeom prst="rect">
-            <a:avLst/>
-          </a:prstGeom>
-        </p:spPr>
-      </p:pic>
-      <p:pic>
-        <p:nvPicPr>
-          <p:cNvPr id="11" name="그림 10"/>
-          <p:cNvPicPr>
-            <a:picLocks noChangeAspect="1"/>
-          </p:cNvPicPr>
-          <p:nvPr/>
-        </p:nvPicPr>
-        <p:blipFill>
-          <a:blip r:embed="rId3"/>
-          <a:stretch>
-            <a:fillRect/>
-          </a:stretch>
-        </p:blipFill>
-        <p:spPr>
-          <a:xfrm>
-            <a:off x="6019800" y="7353300"/>
-            <a:ext cx="4382035" cy="1022757"/>
-          </a:xfrm>
-          <a:prstGeom prst="rect">
-            <a:avLst/>
-          </a:prstGeom>
-        </p:spPr>
-      </p:pic>
-    </p:spTree>
-    <p:extLst>
-      <p:ext uri="{BB962C8B-B14F-4D97-AF65-F5344CB8AC3E}">
-        <p14:creationId xmlns:p14="http://schemas.microsoft.com/office/powerpoint/2010/main" val="1059915031"/>
-      </p:ext>
-    </p:extLst>
-  </p:cSld>
-  <p:clrMapOvr>
-    <a:masterClrMapping/>
-  </p:clrMapOvr>
-  <p:timing>
-    <p:tnLst>
-      <p:par>
-        <p:cTn id="1" dur="indefinite" restart="never" nodeType="tmRoot">
-          <p:childTnLst>
-            <p:seq concurrent="1" nextAc="seek">
-              <p:cTn id="2" dur="indefinite" nodeType="mainSeq">
-                <p:childTnLst>
-                  <p:par>
-                    <p:cTn id="3" fill="hold">
-                      <p:stCondLst>
-                        <p:cond delay="indefinite"/>
-                      </p:stCondLst>
-                      <p:childTnLst>
-                        <p:par>
-                          <p:cTn id="4" fill="hold">
-                            <p:stCondLst>
-                              <p:cond delay="0"/>
-                            </p:stCondLst>
-                            <p:childTnLst>
-                              <p:par>
-                                <p:cTn id="5" presetID="1" presetClass="exit" presetSubtype="0" fill="hold" nodeType="clickEffect">
-                                  <p:stCondLst>
-                                    <p:cond delay="0"/>
-                                  </p:stCondLst>
-                                  <p:childTnLst>
-                                    <p:set>
-                                      <p:cBhvr>
-                                        <p:cTn id="6" dur="1" fill="hold">
-                                          <p:stCondLst>
-                                            <p:cond delay="0"/>
-                                          </p:stCondLst>
-                                        </p:cTn>
-                                        <p:tgtEl>
-                                          <p:spTgt spid="5"/>
-                                        </p:tgtEl>
-                                        <p:attrNameLst>
-                                          <p:attrName>style.visibility</p:attrName>
-                                        </p:attrNameLst>
-                                      </p:cBhvr>
-                                      <p:to>
-                                        <p:strVal val="hidden"/>
-                                      </p:to>
-                                    </p:set>
-                                  </p:childTnLst>
-                                </p:cTn>
-                              </p:par>
-                            </p:childTnLst>
-                          </p:cTn>
-                        </p:par>
-                      </p:childTnLst>
-                    </p:cTn>
-                  </p:par>
-                  <p:par>
-                    <p:cTn id="7" fill="hold">
-                      <p:stCondLst>
-                        <p:cond delay="indefinite"/>
-                      </p:stCondLst>
-                      <p:childTnLst>
-                        <p:par>
-                          <p:cTn id="8" fill="hold">
-                            <p:stCondLst>
-                              <p:cond delay="0"/>
-                            </p:stCondLst>
-                            <p:childTnLst>
-                              <p:par>
-                                <p:cTn id="9" presetID="1" presetClass="exit" presetSubtype="0" fill="hold" nodeType="clickEffect">
-                                  <p:stCondLst>
-                                    <p:cond delay="0"/>
-                                  </p:stCondLst>
-                                  <p:childTnLst>
-                                    <p:set>
-                                      <p:cBhvr>
-                                        <p:cTn id="10" dur="1" fill="hold">
-                                          <p:stCondLst>
-                                            <p:cond delay="0"/>
-                                          </p:stCondLst>
-                                        </p:cTn>
-                                        <p:tgtEl>
-                                          <p:spTgt spid="11"/>
-                                        </p:tgtEl>
-                                        <p:attrNameLst>
-                                          <p:attrName>style.visibility</p:attrName>
-                                        </p:attrNameLst>
-                                      </p:cBhvr>
-                                      <p:to>
-                                        <p:strVal val="hidden"/>
-                                      </p:to>
-                                    </p:set>
-                                  </p:childTnLst>
-                                </p:cTn>
-                              </p:par>
-                            </p:childTnLst>
-                          </p:cTn>
-                        </p:par>
-                      </p:childTnLst>
-                    </p:cTn>
-                  </p:par>
-                </p:childTnLst>
-              </p:cTn>
-              <p:prevCondLst>
-                <p:cond evt="onPrev" delay="0">
-                  <p:tgtEl>
-                    <p:sldTgt/>
-                  </p:tgtEl>
-                </p:cond>
-              </p:prevCondLst>
-              <p:nextCondLst>
-                <p:cond evt="onNext" delay="0">
-                  <p:tgtEl>
-                    <p:sldTgt/>
-                  </p:tgtEl>
-                </p:cond>
-              </p:nextCondLst>
-            </p:seq>
-          </p:childTnLst>
-        </p:cTn>
-      </p:par>
-    </p:tnLst>
-  </p:timing>
-</p:sld>
-</file>
-
-<file path=ppt/slides/slide11.xml><?xml version="1.0" encoding="utf-8"?>
 <p:sld xmlns:a="http://schemas.openxmlformats.org/drawingml/2006/main" xmlns:r="http://schemas.openxmlformats.org/officeDocument/2006/relationships" xmlns:p="http://schemas.openxmlformats.org/presentationml/2006/main">
   <p:cSld>
     <p:spTree>
@@ -4812,20 +4150,10 @@
                 <a:latin typeface="G마켓 산스 Medium" panose="02000000000000000000" pitchFamily="50" charset="-127"/>
                 <a:ea typeface="G마켓 산스 Medium" panose="02000000000000000000" pitchFamily="50" charset="-127"/>
               </a:rPr>
-              <a:t>3</a:t>
-            </a:r>
-            <a:r>
-              <a:rPr lang="en-US" altLang="ko-KR" sz="3600" smtClean="0">
-                <a:solidFill>
-                  <a:srgbClr val="4C50BB"/>
-                </a:solidFill>
-                <a:latin typeface="G마켓 산스 Medium" panose="02000000000000000000" pitchFamily="50" charset="-127"/>
-                <a:ea typeface="G마켓 산스 Medium" panose="02000000000000000000" pitchFamily="50" charset="-127"/>
-              </a:rPr>
-              <a:t>. </a:t>
-            </a:r>
-            <a:r>
-              <a:rPr lang="ko-KR" altLang="en-US" sz="3600" smtClean="0">
+              <a:t>3. </a:t>
+            </a:r>
+            <a:r>
+              <a:rPr lang="ko-KR" altLang="en-US" sz="3600">
                 <a:solidFill>
                   <a:srgbClr val="4C50BB"/>
                 </a:solidFill>
@@ -4834,7 +4162,7 @@
               </a:rPr>
               <a:t>키보드로 부터 영문자를 입력 받아 대문자를 </a:t>
             </a:r>
-            <a:endParaRPr lang="en-US" altLang="ko-KR" sz="3600" smtClean="0">
+            <a:endParaRPr lang="en-US" altLang="ko-KR" sz="3600">
               <a:solidFill>
                 <a:srgbClr val="4C50BB"/>
               </a:solidFill>
@@ -4853,10 +4181,10 @@
                 <a:latin typeface="G마켓 산스 Medium" panose="02000000000000000000" pitchFamily="50" charset="-127"/>
                 <a:ea typeface="G마켓 산스 Medium" panose="02000000000000000000" pitchFamily="50" charset="-127"/>
               </a:rPr>
-              <a:t>소</a:t>
-            </a:r>
-            <a:r>
-              <a:rPr lang="ko-KR" altLang="en-US" sz="3600" smtClean="0">
+              <a:t>소문자로 변경하여 출력하시오 </a:t>
+            </a:r>
+            <a:r>
+              <a:rPr lang="en-US" altLang="ko-KR" sz="3600">
                 <a:solidFill>
                   <a:schemeClr val="bg1">
                     <a:lumMod val="50000"/>
@@ -4865,10 +4193,10 @@
                 <a:latin typeface="G마켓 산스 Medium" panose="02000000000000000000" pitchFamily="50" charset="-127"/>
                 <a:ea typeface="G마켓 산스 Medium" panose="02000000000000000000" pitchFamily="50" charset="-127"/>
               </a:rPr>
-              <a:t>문자로 변경하여 출력하시오 </a:t>
-            </a:r>
-            <a:r>
-              <a:rPr lang="en-US" altLang="ko-KR" sz="3600" smtClean="0">
+              <a:t>(</a:t>
+            </a:r>
+            <a:r>
+              <a:rPr lang="ko-KR" altLang="en-US" sz="3600">
                 <a:solidFill>
                   <a:schemeClr val="bg1">
                     <a:lumMod val="50000"/>
@@ -4877,22 +4205,10 @@
                 <a:latin typeface="G마켓 산스 Medium" panose="02000000000000000000" pitchFamily="50" charset="-127"/>
                 <a:ea typeface="G마켓 산스 Medium" panose="02000000000000000000" pitchFamily="50" charset="-127"/>
               </a:rPr>
-              <a:t>(</a:t>
-            </a:r>
-            <a:r>
-              <a:rPr lang="ko-KR" altLang="en-US" sz="3600" smtClean="0">
-                <a:solidFill>
-                  <a:schemeClr val="bg1">
-                    <a:lumMod val="50000"/>
-                  </a:schemeClr>
-                </a:solidFill>
-                <a:latin typeface="G마켓 산스 Medium" panose="02000000000000000000" pitchFamily="50" charset="-127"/>
-                <a:ea typeface="G마켓 산스 Medium" panose="02000000000000000000" pitchFamily="50" charset="-127"/>
-              </a:rPr>
               <a:t>소문자를 입력하면 그대로 소문자가 나온다</a:t>
             </a:r>
             <a:r>
-              <a:rPr lang="en-US" altLang="ko-KR" sz="3600" smtClean="0">
+              <a:rPr lang="en-US" altLang="ko-KR" sz="3600">
                 <a:solidFill>
                   <a:schemeClr val="bg1">
                     <a:lumMod val="50000"/>
@@ -4954,196 +4270,9 @@
           </a:prstGeom>
         </p:spPr>
       </p:pic>
-      <p:sp>
-        <p:nvSpPr>
-          <p:cNvPr id="6" name="TextBox 5">
-            <a:extLst>
-              <a:ext uri="{FF2B5EF4-FFF2-40B4-BE49-F238E27FC236}">
-                <a16:creationId xmlns:a16="http://schemas.microsoft.com/office/drawing/2014/main" id="{4EDAA912-8FA0-0F11-119B-EA9F8B36A489}"/>
-              </a:ext>
-            </a:extLst>
-          </p:cNvPr>
-          <p:cNvSpPr txBox="1"/>
-          <p:nvPr/>
-        </p:nvSpPr>
-        <p:spPr>
-          <a:xfrm>
-            <a:off x="858128" y="4991100"/>
-            <a:ext cx="19030072" cy="1200329"/>
-          </a:xfrm>
-          <a:prstGeom prst="rect">
-            <a:avLst/>
-          </a:prstGeom>
-          <a:noFill/>
-        </p:spPr>
-        <p:txBody>
-          <a:bodyPr wrap="square" rtlCol="0">
-            <a:spAutoFit/>
-          </a:bodyPr>
-          <a:lstStyle/>
-          <a:p>
-            <a:r>
-              <a:rPr lang="en-US" altLang="ko-KR" sz="3600" smtClean="0">
-                <a:solidFill>
-                  <a:srgbClr val="4C50BB"/>
-                </a:solidFill>
-                <a:latin typeface="G마켓 산스 Medium" panose="02000000000000000000" pitchFamily="50" charset="-127"/>
-                <a:ea typeface="G마켓 산스 Medium" panose="02000000000000000000" pitchFamily="50" charset="-127"/>
-              </a:rPr>
-              <a:t>4. </a:t>
-            </a:r>
-            <a:r>
-              <a:rPr lang="ko-KR" altLang="en-US" sz="3600" smtClean="0">
-                <a:solidFill>
-                  <a:srgbClr val="4C50BB"/>
-                </a:solidFill>
-                <a:latin typeface="G마켓 산스 Medium" panose="02000000000000000000" pitchFamily="50" charset="-127"/>
-                <a:ea typeface="G마켓 산스 Medium" panose="02000000000000000000" pitchFamily="50" charset="-127"/>
-              </a:rPr>
-              <a:t>화씨 </a:t>
-            </a:r>
-            <a:r>
-              <a:rPr lang="en-US" altLang="ko-KR" sz="3600" smtClean="0">
-                <a:solidFill>
-                  <a:srgbClr val="4C50BB"/>
-                </a:solidFill>
-                <a:latin typeface="G마켓 산스 Medium" panose="02000000000000000000" pitchFamily="50" charset="-127"/>
-                <a:ea typeface="G마켓 산스 Medium" panose="02000000000000000000" pitchFamily="50" charset="-127"/>
-              </a:rPr>
-              <a:t>100</a:t>
-            </a:r>
-            <a:r>
-              <a:rPr lang="ko-KR" altLang="en-US" sz="3600" smtClean="0">
-                <a:solidFill>
-                  <a:srgbClr val="4C50BB"/>
-                </a:solidFill>
-                <a:latin typeface="G마켓 산스 Medium" panose="02000000000000000000" pitchFamily="50" charset="-127"/>
-                <a:ea typeface="G마켓 산스 Medium" panose="02000000000000000000" pitchFamily="50" charset="-127"/>
-              </a:rPr>
-              <a:t>도를 섭씨로 변환하여 출력하시오</a:t>
-            </a:r>
-            <a:r>
-              <a:rPr lang="en-US" altLang="ko-KR" sz="3600" smtClean="0">
-                <a:solidFill>
-                  <a:srgbClr val="4C50BB"/>
-                </a:solidFill>
-                <a:latin typeface="G마켓 산스 Medium" panose="02000000000000000000" pitchFamily="50" charset="-127"/>
-                <a:ea typeface="G마켓 산스 Medium" panose="02000000000000000000" pitchFamily="50" charset="-127"/>
-              </a:rPr>
-              <a:t>(</a:t>
-            </a:r>
-            <a:r>
-              <a:rPr lang="ko-KR" altLang="en-US" sz="3600" smtClean="0">
-                <a:solidFill>
-                  <a:srgbClr val="4C50BB"/>
-                </a:solidFill>
-                <a:latin typeface="G마켓 산스 Medium" panose="02000000000000000000" pitchFamily="50" charset="-127"/>
-                <a:ea typeface="G마켓 산스 Medium" panose="02000000000000000000" pitchFamily="50" charset="-127"/>
-              </a:rPr>
-              <a:t>소수점 둘째자리를 반올림할것</a:t>
-            </a:r>
-            <a:r>
-              <a:rPr lang="en-US" altLang="ko-KR" sz="3600" smtClean="0">
-                <a:solidFill>
-                  <a:srgbClr val="4C50BB"/>
-                </a:solidFill>
-                <a:latin typeface="G마켓 산스 Medium" panose="02000000000000000000" pitchFamily="50" charset="-127"/>
-                <a:ea typeface="G마켓 산스 Medium" panose="02000000000000000000" pitchFamily="50" charset="-127"/>
-              </a:rPr>
-              <a:t>)</a:t>
-            </a:r>
-          </a:p>
-          <a:p>
-            <a:r>
-              <a:rPr lang="ko-KR" altLang="en-US" sz="3600" smtClean="0">
-                <a:solidFill>
-                  <a:schemeClr val="bg1">
-                    <a:lumMod val="50000"/>
-                  </a:schemeClr>
-                </a:solidFill>
-                <a:latin typeface="G마켓 산스 Medium" panose="02000000000000000000" pitchFamily="50" charset="-127"/>
-                <a:ea typeface="G마켓 산스 Medium" panose="02000000000000000000" pitchFamily="50" charset="-127"/>
-              </a:rPr>
-              <a:t>변환공식 </a:t>
-            </a:r>
-            <a:r>
-              <a:rPr lang="en-US" altLang="ko-KR" sz="3600" smtClean="0">
-                <a:solidFill>
-                  <a:schemeClr val="bg1">
-                    <a:lumMod val="50000"/>
-                  </a:schemeClr>
-                </a:solidFill>
-                <a:latin typeface="G마켓 산스 Medium" panose="02000000000000000000" pitchFamily="50" charset="-127"/>
-                <a:ea typeface="G마켓 산스 Medium" panose="02000000000000000000" pitchFamily="50" charset="-127"/>
-              </a:rPr>
-              <a:t>-&gt; </a:t>
-            </a:r>
-            <a:r>
-              <a:rPr lang="ko-KR" altLang="en-US" sz="3600" smtClean="0">
-                <a:solidFill>
-                  <a:schemeClr val="bg1">
-                    <a:lumMod val="50000"/>
-                  </a:schemeClr>
-                </a:solidFill>
-                <a:latin typeface="G마켓 산스 Medium" panose="02000000000000000000" pitchFamily="50" charset="-127"/>
-                <a:ea typeface="G마켓 산스 Medium" panose="02000000000000000000" pitchFamily="50" charset="-127"/>
-              </a:rPr>
-              <a:t>섭씨 </a:t>
-            </a:r>
-            <a:r>
-              <a:rPr lang="en-US" altLang="ko-KR" sz="3600" smtClean="0">
-                <a:solidFill>
-                  <a:schemeClr val="bg1">
-                    <a:lumMod val="50000"/>
-                  </a:schemeClr>
-                </a:solidFill>
-                <a:latin typeface="G마켓 산스 Medium" panose="02000000000000000000" pitchFamily="50" charset="-127"/>
-                <a:ea typeface="G마켓 산스 Medium" panose="02000000000000000000" pitchFamily="50" charset="-127"/>
-              </a:rPr>
-              <a:t>= 5/9 x (</a:t>
-            </a:r>
-            <a:r>
-              <a:rPr lang="ko-KR" altLang="en-US" sz="3600">
-                <a:solidFill>
-                  <a:schemeClr val="bg1">
-                    <a:lumMod val="50000"/>
-                  </a:schemeClr>
-                </a:solidFill>
-                <a:latin typeface="G마켓 산스 Medium" panose="02000000000000000000" pitchFamily="50" charset="-127"/>
-                <a:ea typeface="G마켓 산스 Medium" panose="02000000000000000000" pitchFamily="50" charset="-127"/>
-              </a:rPr>
-              <a:t>화</a:t>
-            </a:r>
-            <a:r>
-              <a:rPr lang="ko-KR" altLang="en-US" sz="3600" smtClean="0">
-                <a:solidFill>
-                  <a:schemeClr val="bg1">
-                    <a:lumMod val="50000"/>
-                  </a:schemeClr>
-                </a:solidFill>
-                <a:latin typeface="G마켓 산스 Medium" panose="02000000000000000000" pitchFamily="50" charset="-127"/>
-                <a:ea typeface="G마켓 산스 Medium" panose="02000000000000000000" pitchFamily="50" charset="-127"/>
-              </a:rPr>
-              <a:t>씨 </a:t>
-            </a:r>
-            <a:r>
-              <a:rPr lang="en-US" altLang="ko-KR" sz="3600" smtClean="0">
-                <a:solidFill>
-                  <a:schemeClr val="bg1">
-                    <a:lumMod val="50000"/>
-                  </a:schemeClr>
-                </a:solidFill>
-                <a:latin typeface="G마켓 산스 Medium" panose="02000000000000000000" pitchFamily="50" charset="-127"/>
-                <a:ea typeface="G마켓 산스 Medium" panose="02000000000000000000" pitchFamily="50" charset="-127"/>
-              </a:rPr>
-              <a:t>-32)</a:t>
-            </a:r>
-          </a:p>
-        </p:txBody>
-      </p:sp>
       <p:pic>
         <p:nvPicPr>
-          <p:cNvPr id="10" name="그림 9"/>
+          <p:cNvPr id="2" name="그림 1"/>
           <p:cNvPicPr>
             <a:picLocks noChangeAspect="1"/>
           </p:cNvPicPr>
@@ -5157,17 +4286,719 @@
         </p:blipFill>
         <p:spPr>
           <a:xfrm>
-            <a:off x="1066800" y="7301563"/>
-            <a:ext cx="2674835" cy="1401104"/>
+            <a:off x="3465209" y="2171700"/>
+            <a:ext cx="2935591" cy="2133600"/>
           </a:xfrm>
           <a:prstGeom prst="rect">
             <a:avLst/>
           </a:prstGeom>
         </p:spPr>
       </p:pic>
+      <p:sp>
+        <p:nvSpPr>
+          <p:cNvPr id="3" name="TextBox 2">
+            <a:extLst>
+              <a:ext uri="{FF2B5EF4-FFF2-40B4-BE49-F238E27FC236}">
+                <a16:creationId xmlns:a16="http://schemas.microsoft.com/office/drawing/2014/main" id="{A781743D-1B27-374E-959E-76131AD291E4}"/>
+              </a:ext>
+            </a:extLst>
+          </p:cNvPr>
+          <p:cNvSpPr txBox="1"/>
+          <p:nvPr/>
+        </p:nvSpPr>
+        <p:spPr>
+          <a:xfrm>
+            <a:off x="36286" y="5598944"/>
+            <a:ext cx="18059400" cy="4401205"/>
+          </a:xfrm>
+          <a:prstGeom prst="rect">
+            <a:avLst/>
+          </a:prstGeom>
+          <a:noFill/>
+        </p:spPr>
+        <p:txBody>
+          <a:bodyPr wrap="square" rtlCol="0">
+            <a:spAutoFit/>
+          </a:bodyPr>
+          <a:lstStyle/>
+          <a:p>
+            <a:r>
+              <a:rPr lang="en-US" altLang="ko-KR" sz="2800" dirty="0">
+                <a:solidFill>
+                  <a:srgbClr val="4C50BB"/>
+                </a:solidFill>
+                <a:latin typeface="G마켓 산스 Medium" panose="02000000000000000000" pitchFamily="50" charset="-127"/>
+                <a:ea typeface="G마켓 산스 Medium" panose="02000000000000000000" pitchFamily="50" charset="-127"/>
+              </a:rPr>
+              <a:t>1. </a:t>
+            </a:r>
+            <a:r>
+              <a:rPr lang="ko-KR" altLang="en-US" sz="2800" dirty="0" err="1">
+                <a:solidFill>
+                  <a:srgbClr val="4C50BB"/>
+                </a:solidFill>
+                <a:latin typeface="G마켓 산스 Medium" panose="02000000000000000000" pitchFamily="50" charset="-127"/>
+                <a:ea typeface="G마켓 산스 Medium" panose="02000000000000000000" pitchFamily="50" charset="-127"/>
+              </a:rPr>
+              <a:t>삼항연산자를</a:t>
+            </a:r>
+            <a:r>
+              <a:rPr lang="ko-KR" altLang="en-US" sz="2800" dirty="0">
+                <a:solidFill>
+                  <a:srgbClr val="4C50BB"/>
+                </a:solidFill>
+                <a:latin typeface="G마켓 산스 Medium" panose="02000000000000000000" pitchFamily="50" charset="-127"/>
+                <a:ea typeface="G마켓 산스 Medium" panose="02000000000000000000" pitchFamily="50" charset="-127"/>
+              </a:rPr>
+              <a:t> 이용하여 </a:t>
+            </a:r>
+            <a:r>
+              <a:rPr lang="ko-KR" altLang="en-US" sz="2800" dirty="0" err="1">
+                <a:solidFill>
+                  <a:srgbClr val="4C50BB"/>
+                </a:solidFill>
+                <a:latin typeface="G마켓 산스 Medium" panose="02000000000000000000" pitchFamily="50" charset="-127"/>
+                <a:ea typeface="G마켓 산스 Medium" panose="02000000000000000000" pitchFamily="50" charset="-127"/>
+              </a:rPr>
+              <a:t>입력한값이</a:t>
+            </a:r>
+            <a:r>
+              <a:rPr lang="ko-KR" altLang="en-US" sz="2800" dirty="0">
+                <a:solidFill>
+                  <a:srgbClr val="4C50BB"/>
+                </a:solidFill>
+                <a:latin typeface="G마켓 산스 Medium" panose="02000000000000000000" pitchFamily="50" charset="-127"/>
+                <a:ea typeface="G마켓 산스 Medium" panose="02000000000000000000" pitchFamily="50" charset="-127"/>
+              </a:rPr>
+              <a:t> 대문자 인지 아닌지를 </a:t>
+            </a:r>
+            <a:endParaRPr lang="en-US" altLang="ko-KR" sz="2800" dirty="0">
+              <a:solidFill>
+                <a:srgbClr val="4C50BB"/>
+              </a:solidFill>
+              <a:latin typeface="G마켓 산스 Medium" panose="02000000000000000000" pitchFamily="50" charset="-127"/>
+              <a:ea typeface="G마켓 산스 Medium" panose="02000000000000000000" pitchFamily="50" charset="-127"/>
+            </a:endParaRPr>
+          </a:p>
+          <a:p>
+            <a:r>
+              <a:rPr lang="en-US" altLang="ko-KR" sz="2800" dirty="0">
+                <a:solidFill>
+                  <a:srgbClr val="4C50BB"/>
+                </a:solidFill>
+                <a:latin typeface="G마켓 산스 Medium" panose="02000000000000000000" pitchFamily="50" charset="-127"/>
+                <a:ea typeface="G마켓 산스 Medium" panose="02000000000000000000" pitchFamily="50" charset="-127"/>
+              </a:rPr>
+              <a:t>    </a:t>
+            </a:r>
+            <a:r>
+              <a:rPr lang="ko-KR" altLang="en-US" sz="2800" dirty="0">
+                <a:solidFill>
+                  <a:srgbClr val="4C50BB"/>
+                </a:solidFill>
+                <a:latin typeface="G마켓 산스 Medium" panose="02000000000000000000" pitchFamily="50" charset="-127"/>
+                <a:ea typeface="G마켓 산스 Medium" panose="02000000000000000000" pitchFamily="50" charset="-127"/>
+              </a:rPr>
+              <a:t>먼저 판단해야 한다</a:t>
+            </a:r>
+            <a:r>
+              <a:rPr lang="en-US" altLang="ko-KR" sz="2800" dirty="0">
+                <a:solidFill>
+                  <a:srgbClr val="4C50BB"/>
+                </a:solidFill>
+                <a:latin typeface="G마켓 산스 Medium" panose="02000000000000000000" pitchFamily="50" charset="-127"/>
+                <a:ea typeface="G마켓 산스 Medium" panose="02000000000000000000" pitchFamily="50" charset="-127"/>
+              </a:rPr>
+              <a:t>.</a:t>
+            </a:r>
+          </a:p>
+          <a:p>
+            <a:r>
+              <a:rPr lang="en-US" altLang="ko-KR" sz="2800" dirty="0">
+                <a:solidFill>
+                  <a:srgbClr val="4C50BB"/>
+                </a:solidFill>
+                <a:latin typeface="G마켓 산스 Medium" panose="02000000000000000000" pitchFamily="50" charset="-127"/>
+                <a:ea typeface="G마켓 산스 Medium" panose="02000000000000000000" pitchFamily="50" charset="-127"/>
+              </a:rPr>
+              <a:t>2. </a:t>
+            </a:r>
+            <a:r>
+              <a:rPr lang="ko-KR" altLang="en-US" sz="2800" dirty="0" err="1">
+                <a:solidFill>
+                  <a:srgbClr val="4C50BB"/>
+                </a:solidFill>
+                <a:latin typeface="G마켓 산스 Medium" panose="02000000000000000000" pitchFamily="50" charset="-127"/>
+                <a:ea typeface="G마켓 산스 Medium" panose="02000000000000000000" pitchFamily="50" charset="-127"/>
+              </a:rPr>
+              <a:t>대문자일경우</a:t>
+            </a:r>
+            <a:r>
+              <a:rPr lang="ko-KR" altLang="en-US" sz="2800" dirty="0">
+                <a:solidFill>
+                  <a:srgbClr val="4C50BB"/>
+                </a:solidFill>
+                <a:latin typeface="G마켓 산스 Medium" panose="02000000000000000000" pitchFamily="50" charset="-127"/>
+                <a:ea typeface="G마켓 산스 Medium" panose="02000000000000000000" pitchFamily="50" charset="-127"/>
+              </a:rPr>
+              <a:t> </a:t>
+            </a:r>
+            <a:r>
+              <a:rPr lang="en-US" altLang="ko-KR" sz="2800" dirty="0">
+                <a:solidFill>
+                  <a:srgbClr val="4C50BB"/>
+                </a:solidFill>
+                <a:latin typeface="G마켓 산스 Medium" panose="02000000000000000000" pitchFamily="50" charset="-127"/>
+                <a:ea typeface="G마켓 산스 Medium" panose="02000000000000000000" pitchFamily="50" charset="-127"/>
+              </a:rPr>
+              <a:t>: </a:t>
+            </a:r>
+            <a:r>
+              <a:rPr lang="ko-KR" altLang="en-US" sz="2800" dirty="0">
+                <a:solidFill>
+                  <a:srgbClr val="4C50BB"/>
+                </a:solidFill>
+                <a:latin typeface="G마켓 산스 Medium" panose="02000000000000000000" pitchFamily="50" charset="-127"/>
+                <a:ea typeface="G마켓 산스 Medium" panose="02000000000000000000" pitchFamily="50" charset="-127"/>
+              </a:rPr>
+              <a:t>소문자로 변경해줘야 한다</a:t>
+            </a:r>
+            <a:r>
+              <a:rPr lang="en-US" altLang="ko-KR" sz="2800" dirty="0">
+                <a:solidFill>
+                  <a:srgbClr val="4C50BB"/>
+                </a:solidFill>
+                <a:latin typeface="G마켓 산스 Medium" panose="02000000000000000000" pitchFamily="50" charset="-127"/>
+                <a:ea typeface="G마켓 산스 Medium" panose="02000000000000000000" pitchFamily="50" charset="-127"/>
+              </a:rPr>
+              <a:t>.</a:t>
+            </a:r>
+          </a:p>
+          <a:p>
+            <a:r>
+              <a:rPr lang="en-US" altLang="ko-KR" sz="2800" dirty="0">
+                <a:solidFill>
+                  <a:srgbClr val="4C50BB"/>
+                </a:solidFill>
+                <a:latin typeface="G마켓 산스 Medium" panose="02000000000000000000" pitchFamily="50" charset="-127"/>
+                <a:ea typeface="G마켓 산스 Medium" panose="02000000000000000000" pitchFamily="50" charset="-127"/>
+              </a:rPr>
+              <a:t>                          </a:t>
+            </a:r>
+            <a:r>
+              <a:rPr lang="ko-KR" altLang="en-US" sz="2800" dirty="0">
+                <a:solidFill>
+                  <a:srgbClr val="4C50BB"/>
+                </a:solidFill>
+                <a:latin typeface="G마켓 산스 Medium" panose="02000000000000000000" pitchFamily="50" charset="-127"/>
+                <a:ea typeface="G마켓 산스 Medium" panose="02000000000000000000" pitchFamily="50" charset="-127"/>
+              </a:rPr>
+              <a:t>유니코드표에서 순서상 대문자가 먼저이고 </a:t>
+            </a:r>
+            <a:endParaRPr lang="en-US" altLang="ko-KR" sz="2800" dirty="0">
+              <a:solidFill>
+                <a:srgbClr val="4C50BB"/>
+              </a:solidFill>
+              <a:latin typeface="G마켓 산스 Medium" panose="02000000000000000000" pitchFamily="50" charset="-127"/>
+              <a:ea typeface="G마켓 산스 Medium" panose="02000000000000000000" pitchFamily="50" charset="-127"/>
+            </a:endParaRPr>
+          </a:p>
+          <a:p>
+            <a:r>
+              <a:rPr lang="en-US" altLang="ko-KR" sz="2800" dirty="0">
+                <a:solidFill>
+                  <a:srgbClr val="4C50BB"/>
+                </a:solidFill>
+                <a:latin typeface="G마켓 산스 Medium" panose="02000000000000000000" pitchFamily="50" charset="-127"/>
+                <a:ea typeface="G마켓 산스 Medium" panose="02000000000000000000" pitchFamily="50" charset="-127"/>
+              </a:rPr>
+              <a:t>                          </a:t>
+            </a:r>
+            <a:r>
+              <a:rPr lang="ko-KR" altLang="en-US" sz="2800" dirty="0">
+                <a:solidFill>
+                  <a:srgbClr val="4C50BB"/>
+                </a:solidFill>
+                <a:latin typeface="G마켓 산스 Medium" panose="02000000000000000000" pitchFamily="50" charset="-127"/>
+                <a:ea typeface="G마켓 산스 Medium" panose="02000000000000000000" pitchFamily="50" charset="-127"/>
+              </a:rPr>
+              <a:t>소문자가 먼저이다</a:t>
+            </a:r>
+            <a:r>
+              <a:rPr lang="en-US" altLang="ko-KR" sz="2800" dirty="0">
+                <a:solidFill>
+                  <a:srgbClr val="4C50BB"/>
+                </a:solidFill>
+                <a:latin typeface="G마켓 산스 Medium" panose="02000000000000000000" pitchFamily="50" charset="-127"/>
+                <a:ea typeface="G마켓 산스 Medium" panose="02000000000000000000" pitchFamily="50" charset="-127"/>
+              </a:rPr>
+              <a:t>. </a:t>
+            </a:r>
+            <a:r>
+              <a:rPr lang="ko-KR" altLang="en-US" sz="2800" dirty="0">
+                <a:solidFill>
+                  <a:srgbClr val="4C50BB"/>
+                </a:solidFill>
+                <a:latin typeface="G마켓 산스 Medium" panose="02000000000000000000" pitchFamily="50" charset="-127"/>
+                <a:ea typeface="G마켓 산스 Medium" panose="02000000000000000000" pitchFamily="50" charset="-127"/>
+              </a:rPr>
+              <a:t>따라서 입력한 대문자 값에서 </a:t>
+            </a:r>
+            <a:endParaRPr lang="en-US" altLang="ko-KR" sz="2800" dirty="0">
+              <a:solidFill>
+                <a:srgbClr val="4C50BB"/>
+              </a:solidFill>
+              <a:latin typeface="G마켓 산스 Medium" panose="02000000000000000000" pitchFamily="50" charset="-127"/>
+              <a:ea typeface="G마켓 산스 Medium" panose="02000000000000000000" pitchFamily="50" charset="-127"/>
+            </a:endParaRPr>
+          </a:p>
+          <a:p>
+            <a:r>
+              <a:rPr lang="en-US" altLang="ko-KR" sz="2800" dirty="0">
+                <a:solidFill>
+                  <a:srgbClr val="4C50BB"/>
+                </a:solidFill>
+                <a:latin typeface="G마켓 산스 Medium" panose="02000000000000000000" pitchFamily="50" charset="-127"/>
+                <a:ea typeface="G마켓 산스 Medium" panose="02000000000000000000" pitchFamily="50" charset="-127"/>
+              </a:rPr>
+              <a:t>                          </a:t>
+            </a:r>
+            <a:r>
+              <a:rPr lang="ko-KR" altLang="en-US" sz="2800" dirty="0">
+                <a:solidFill>
+                  <a:srgbClr val="4C50BB"/>
+                </a:solidFill>
+                <a:latin typeface="G마켓 산스 Medium" panose="02000000000000000000" pitchFamily="50" charset="-127"/>
+                <a:ea typeface="G마켓 산스 Medium" panose="02000000000000000000" pitchFamily="50" charset="-127"/>
+              </a:rPr>
+              <a:t>알파벳 개수만큼 증가를 시키면 소문자에 해당 하는</a:t>
+            </a:r>
+            <a:r>
+              <a:rPr lang="en-US" altLang="ko-KR" sz="2800" dirty="0">
+                <a:solidFill>
+                  <a:srgbClr val="4C50BB"/>
+                </a:solidFill>
+                <a:latin typeface="G마켓 산스 Medium" panose="02000000000000000000" pitchFamily="50" charset="-127"/>
+                <a:ea typeface="G마켓 산스 Medium" panose="02000000000000000000" pitchFamily="50" charset="-127"/>
+              </a:rPr>
+              <a:t> </a:t>
+            </a:r>
+            <a:r>
+              <a:rPr lang="ko-KR" altLang="en-US" sz="2800" dirty="0">
+                <a:solidFill>
+                  <a:srgbClr val="4C50BB"/>
+                </a:solidFill>
+                <a:latin typeface="G마켓 산스 Medium" panose="02000000000000000000" pitchFamily="50" charset="-127"/>
+                <a:ea typeface="G마켓 산스 Medium" panose="02000000000000000000" pitchFamily="50" charset="-127"/>
+              </a:rPr>
+              <a:t>숫자가 된다</a:t>
+            </a:r>
+            <a:r>
+              <a:rPr lang="en-US" altLang="ko-KR" sz="2800" dirty="0">
+                <a:solidFill>
+                  <a:srgbClr val="4C50BB"/>
+                </a:solidFill>
+                <a:latin typeface="G마켓 산스 Medium" panose="02000000000000000000" pitchFamily="50" charset="-127"/>
+                <a:ea typeface="G마켓 산스 Medium" panose="02000000000000000000" pitchFamily="50" charset="-127"/>
+              </a:rPr>
+              <a:t>.</a:t>
+            </a:r>
+          </a:p>
+          <a:p>
+            <a:r>
+              <a:rPr lang="en-US" altLang="ko-KR" sz="2800" dirty="0">
+                <a:solidFill>
+                  <a:srgbClr val="4C50BB"/>
+                </a:solidFill>
+                <a:latin typeface="G마켓 산스 Medium" panose="02000000000000000000" pitchFamily="50" charset="-127"/>
+                <a:ea typeface="G마켓 산스 Medium" panose="02000000000000000000" pitchFamily="50" charset="-127"/>
+              </a:rPr>
+              <a:t>3. </a:t>
+            </a:r>
+            <a:r>
+              <a:rPr lang="ko-KR" altLang="en-US" sz="2800" dirty="0" err="1">
+                <a:solidFill>
+                  <a:srgbClr val="4C50BB"/>
+                </a:solidFill>
+                <a:latin typeface="G마켓 산스 Medium" panose="02000000000000000000" pitchFamily="50" charset="-127"/>
+                <a:ea typeface="G마켓 산스 Medium" panose="02000000000000000000" pitchFamily="50" charset="-127"/>
+              </a:rPr>
+              <a:t>알파뱃</a:t>
+            </a:r>
+            <a:r>
+              <a:rPr lang="ko-KR" altLang="en-US" sz="2800" dirty="0">
+                <a:solidFill>
+                  <a:srgbClr val="4C50BB"/>
+                </a:solidFill>
+                <a:latin typeface="G마켓 산스 Medium" panose="02000000000000000000" pitchFamily="50" charset="-127"/>
+                <a:ea typeface="G마켓 산스 Medium" panose="02000000000000000000" pitchFamily="50" charset="-127"/>
+              </a:rPr>
+              <a:t> 개수를</a:t>
+            </a:r>
+            <a:r>
+              <a:rPr lang="en-US" altLang="ko-KR" sz="2800" dirty="0">
+                <a:solidFill>
+                  <a:srgbClr val="4C50BB"/>
+                </a:solidFill>
+                <a:latin typeface="G마켓 산스 Medium" panose="02000000000000000000" pitchFamily="50" charset="-127"/>
+                <a:ea typeface="G마켓 산스 Medium" panose="02000000000000000000" pitchFamily="50" charset="-127"/>
+              </a:rPr>
+              <a:t>32</a:t>
+            </a:r>
+            <a:r>
+              <a:rPr lang="ko-KR" altLang="en-US" sz="2800" dirty="0">
+                <a:solidFill>
+                  <a:srgbClr val="4C50BB"/>
+                </a:solidFill>
+                <a:latin typeface="G마켓 산스 Medium" panose="02000000000000000000" pitchFamily="50" charset="-127"/>
+                <a:ea typeface="G마켓 산스 Medium" panose="02000000000000000000" pitchFamily="50" charset="-127"/>
+              </a:rPr>
+              <a:t>라고 직접 적어주어도 되지만 좀더 직관적인 가독성을 위해 </a:t>
+            </a:r>
+            <a:r>
+              <a:rPr lang="en-US" altLang="ko-KR" sz="2800" dirty="0">
+                <a:solidFill>
+                  <a:srgbClr val="4C50BB"/>
+                </a:solidFill>
+                <a:latin typeface="G마켓 산스 Medium" panose="02000000000000000000" pitchFamily="50" charset="-127"/>
+                <a:ea typeface="G마켓 산스 Medium" panose="02000000000000000000" pitchFamily="50" charset="-127"/>
+              </a:rPr>
+              <a:t>‘a’-’A’</a:t>
+            </a:r>
+            <a:r>
+              <a:rPr lang="ko-KR" altLang="en-US" sz="2800" dirty="0">
+                <a:solidFill>
+                  <a:srgbClr val="4C50BB"/>
+                </a:solidFill>
+                <a:latin typeface="G마켓 산스 Medium" panose="02000000000000000000" pitchFamily="50" charset="-127"/>
+                <a:ea typeface="G마켓 산스 Medium" panose="02000000000000000000" pitchFamily="50" charset="-127"/>
+              </a:rPr>
+              <a:t>를 이용했다</a:t>
+            </a:r>
+            <a:r>
+              <a:rPr lang="en-US" altLang="ko-KR" sz="2800" dirty="0">
+                <a:solidFill>
+                  <a:srgbClr val="4C50BB"/>
+                </a:solidFill>
+                <a:latin typeface="G마켓 산스 Medium" panose="02000000000000000000" pitchFamily="50" charset="-127"/>
+                <a:ea typeface="G마켓 산스 Medium" panose="02000000000000000000" pitchFamily="50" charset="-127"/>
+              </a:rPr>
+              <a:t>.</a:t>
+            </a:r>
+          </a:p>
+          <a:p>
+            <a:r>
+              <a:rPr lang="en-US" altLang="ko-KR" sz="2800" dirty="0">
+                <a:solidFill>
+                  <a:srgbClr val="4C50BB"/>
+                </a:solidFill>
+                <a:latin typeface="G마켓 산스 Medium" panose="02000000000000000000" pitchFamily="50" charset="-127"/>
+                <a:ea typeface="G마켓 산스 Medium" panose="02000000000000000000" pitchFamily="50" charset="-127"/>
+              </a:rPr>
+              <a:t>4. </a:t>
+            </a:r>
+            <a:r>
+              <a:rPr lang="en-US" altLang="ko-KR" sz="2800" dirty="0" err="1">
+                <a:solidFill>
+                  <a:srgbClr val="4C50BB"/>
+                </a:solidFill>
+                <a:latin typeface="G마켓 산스 Medium" panose="02000000000000000000" pitchFamily="50" charset="-127"/>
+                <a:ea typeface="G마켓 산스 Medium" panose="02000000000000000000" pitchFamily="50" charset="-127"/>
+              </a:rPr>
+              <a:t>ch</a:t>
+            </a:r>
+            <a:r>
+              <a:rPr lang="en-US" altLang="ko-KR" sz="2800" dirty="0">
+                <a:solidFill>
+                  <a:srgbClr val="4C50BB"/>
+                </a:solidFill>
+                <a:latin typeface="G마켓 산스 Medium" panose="02000000000000000000" pitchFamily="50" charset="-127"/>
+                <a:ea typeface="G마켓 산스 Medium" panose="02000000000000000000" pitchFamily="50" charset="-127"/>
+              </a:rPr>
+              <a:t>+(‘a’-’A’)  </a:t>
+            </a:r>
+            <a:r>
+              <a:rPr lang="ko-KR" altLang="en-US" sz="2800" dirty="0">
+                <a:solidFill>
+                  <a:srgbClr val="4C50BB"/>
+                </a:solidFill>
+                <a:latin typeface="G마켓 산스 Medium" panose="02000000000000000000" pitchFamily="50" charset="-127"/>
+                <a:ea typeface="G마켓 산스 Medium" panose="02000000000000000000" pitchFamily="50" charset="-127"/>
+              </a:rPr>
+              <a:t>의 결과는 연산을 했기때문에 </a:t>
+            </a:r>
+            <a:r>
+              <a:rPr lang="en-US" altLang="ko-KR" sz="2800" dirty="0">
+                <a:solidFill>
+                  <a:srgbClr val="4C50BB"/>
+                </a:solidFill>
+                <a:latin typeface="G마켓 산스 Medium" panose="02000000000000000000" pitchFamily="50" charset="-127"/>
+                <a:ea typeface="G마켓 산스 Medium" panose="02000000000000000000" pitchFamily="50" charset="-127"/>
+              </a:rPr>
+              <a:t>int </a:t>
+            </a:r>
+            <a:r>
+              <a:rPr lang="ko-KR" altLang="en-US" sz="2800" dirty="0">
+                <a:solidFill>
+                  <a:srgbClr val="4C50BB"/>
+                </a:solidFill>
+                <a:latin typeface="G마켓 산스 Medium" panose="02000000000000000000" pitchFamily="50" charset="-127"/>
+                <a:ea typeface="G마켓 산스 Medium" panose="02000000000000000000" pitchFamily="50" charset="-127"/>
+              </a:rPr>
+              <a:t>형태로 나온다</a:t>
+            </a:r>
+            <a:r>
+              <a:rPr lang="en-US" altLang="ko-KR" sz="2800" dirty="0">
+                <a:solidFill>
+                  <a:srgbClr val="4C50BB"/>
+                </a:solidFill>
+                <a:latin typeface="G마켓 산스 Medium" panose="02000000000000000000" pitchFamily="50" charset="-127"/>
+                <a:ea typeface="G마켓 산스 Medium" panose="02000000000000000000" pitchFamily="50" charset="-127"/>
+              </a:rPr>
+              <a:t>. </a:t>
+            </a:r>
+            <a:r>
+              <a:rPr lang="ko-KR" altLang="en-US" sz="2800" dirty="0">
+                <a:solidFill>
+                  <a:srgbClr val="4C50BB"/>
+                </a:solidFill>
+                <a:latin typeface="G마켓 산스 Medium" panose="02000000000000000000" pitchFamily="50" charset="-127"/>
+                <a:ea typeface="G마켓 산스 Medium" panose="02000000000000000000" pitchFamily="50" charset="-127"/>
+              </a:rPr>
+              <a:t>이를 </a:t>
+            </a:r>
+            <a:r>
+              <a:rPr lang="en-US" altLang="ko-KR" sz="2800" dirty="0" err="1">
+                <a:solidFill>
+                  <a:srgbClr val="4C50BB"/>
+                </a:solidFill>
+                <a:latin typeface="G마켓 산스 Medium" panose="02000000000000000000" pitchFamily="50" charset="-127"/>
+                <a:ea typeface="G마켓 산스 Medium" panose="02000000000000000000" pitchFamily="50" charset="-127"/>
+              </a:rPr>
+              <a:t>println</a:t>
+            </a:r>
+            <a:r>
+              <a:rPr lang="en-US" altLang="ko-KR" sz="2800" dirty="0">
+                <a:solidFill>
+                  <a:srgbClr val="4C50BB"/>
+                </a:solidFill>
+                <a:latin typeface="G마켓 산스 Medium" panose="02000000000000000000" pitchFamily="50" charset="-127"/>
+                <a:ea typeface="G마켓 산스 Medium" panose="02000000000000000000" pitchFamily="50" charset="-127"/>
+              </a:rPr>
+              <a:t>()</a:t>
+            </a:r>
+            <a:r>
+              <a:rPr lang="ko-KR" altLang="en-US" sz="2800" dirty="0">
+                <a:solidFill>
+                  <a:srgbClr val="4C50BB"/>
+                </a:solidFill>
+                <a:latin typeface="G마켓 산스 Medium" panose="02000000000000000000" pitchFamily="50" charset="-127"/>
+                <a:ea typeface="G마켓 산스 Medium" panose="02000000000000000000" pitchFamily="50" charset="-127"/>
+              </a:rPr>
+              <a:t>으로 넘겨주게 되면 그냥 숫자가 출력된다</a:t>
+            </a:r>
+            <a:r>
+              <a:rPr lang="en-US" altLang="ko-KR" sz="2800" dirty="0">
+                <a:solidFill>
+                  <a:srgbClr val="4C50BB"/>
+                </a:solidFill>
+                <a:latin typeface="G마켓 산스 Medium" panose="02000000000000000000" pitchFamily="50" charset="-127"/>
+                <a:ea typeface="G마켓 산스 Medium" panose="02000000000000000000" pitchFamily="50" charset="-127"/>
+              </a:rPr>
+              <a:t>. </a:t>
+            </a:r>
+            <a:r>
+              <a:rPr lang="ko-KR" altLang="en-US" sz="2800" dirty="0">
+                <a:solidFill>
+                  <a:srgbClr val="4C50BB"/>
+                </a:solidFill>
+                <a:latin typeface="G마켓 산스 Medium" panose="02000000000000000000" pitchFamily="50" charset="-127"/>
+                <a:ea typeface="G마켓 산스 Medium" panose="02000000000000000000" pitchFamily="50" charset="-127"/>
+              </a:rPr>
+              <a:t>이를 </a:t>
+            </a:r>
+            <a:r>
+              <a:rPr lang="en-US" altLang="ko-KR" sz="2800" dirty="0">
+                <a:solidFill>
+                  <a:srgbClr val="4C50BB"/>
+                </a:solidFill>
+                <a:latin typeface="G마켓 산스 Medium" panose="02000000000000000000" pitchFamily="50" charset="-127"/>
+                <a:ea typeface="G마켓 산스 Medium" panose="02000000000000000000" pitchFamily="50" charset="-127"/>
+              </a:rPr>
+              <a:t>(char)</a:t>
+            </a:r>
+            <a:r>
+              <a:rPr lang="ko-KR" altLang="en-US" sz="2800" dirty="0">
+                <a:solidFill>
+                  <a:srgbClr val="4C50BB"/>
+                </a:solidFill>
+                <a:latin typeface="G마켓 산스 Medium" panose="02000000000000000000" pitchFamily="50" charset="-127"/>
+                <a:ea typeface="G마켓 산스 Medium" panose="02000000000000000000" pitchFamily="50" charset="-127"/>
+              </a:rPr>
+              <a:t>로 명시적 형변환을 하여 문자로 바꿔서 </a:t>
+            </a:r>
+            <a:r>
+              <a:rPr lang="en-US" altLang="ko-KR" sz="2800" dirty="0" err="1">
+                <a:solidFill>
+                  <a:srgbClr val="4C50BB"/>
+                </a:solidFill>
+                <a:latin typeface="G마켓 산스 Medium" panose="02000000000000000000" pitchFamily="50" charset="-127"/>
+                <a:ea typeface="G마켓 산스 Medium" panose="02000000000000000000" pitchFamily="50" charset="-127"/>
+              </a:rPr>
+              <a:t>println</a:t>
+            </a:r>
+            <a:r>
+              <a:rPr lang="en-US" altLang="ko-KR" sz="2800" dirty="0">
+                <a:solidFill>
+                  <a:srgbClr val="4C50BB"/>
+                </a:solidFill>
+                <a:latin typeface="G마켓 산스 Medium" panose="02000000000000000000" pitchFamily="50" charset="-127"/>
+                <a:ea typeface="G마켓 산스 Medium" panose="02000000000000000000" pitchFamily="50" charset="-127"/>
+              </a:rPr>
+              <a:t>()</a:t>
+            </a:r>
+            <a:r>
+              <a:rPr lang="ko-KR" altLang="en-US" sz="2800" dirty="0">
+                <a:solidFill>
+                  <a:srgbClr val="4C50BB"/>
+                </a:solidFill>
+                <a:latin typeface="G마켓 산스 Medium" panose="02000000000000000000" pitchFamily="50" charset="-127"/>
+                <a:ea typeface="G마켓 산스 Medium" panose="02000000000000000000" pitchFamily="50" charset="-127"/>
+              </a:rPr>
+              <a:t>으로 넘겨줘서 문자가 출력 되도록 한다</a:t>
+            </a:r>
+            <a:r>
+              <a:rPr lang="en-US" altLang="ko-KR" sz="2800" dirty="0">
+                <a:solidFill>
+                  <a:srgbClr val="4C50BB"/>
+                </a:solidFill>
+                <a:latin typeface="G마켓 산스 Medium" panose="02000000000000000000" pitchFamily="50" charset="-127"/>
+                <a:ea typeface="G마켓 산스 Medium" panose="02000000000000000000" pitchFamily="50" charset="-127"/>
+              </a:rPr>
+              <a:t>.</a:t>
+            </a:r>
+          </a:p>
+          <a:p>
+            <a:r>
+              <a:rPr lang="en-US" altLang="ko-KR" sz="2800" dirty="0">
+                <a:solidFill>
+                  <a:srgbClr val="4C50BB"/>
+                </a:solidFill>
+                <a:latin typeface="G마켓 산스 Medium" panose="02000000000000000000" pitchFamily="50" charset="-127"/>
+                <a:ea typeface="G마켓 산스 Medium" panose="02000000000000000000" pitchFamily="50" charset="-127"/>
+              </a:rPr>
+              <a:t>5. </a:t>
+            </a:r>
+            <a:r>
+              <a:rPr lang="ko-KR" altLang="en-US" sz="2800" dirty="0" err="1">
+                <a:solidFill>
+                  <a:srgbClr val="4C50BB"/>
+                </a:solidFill>
+                <a:latin typeface="G마켓 산스 Medium" panose="02000000000000000000" pitchFamily="50" charset="-127"/>
+                <a:ea typeface="G마켓 산스 Medium" panose="02000000000000000000" pitchFamily="50" charset="-127"/>
+              </a:rPr>
+              <a:t>소문자일경우</a:t>
+            </a:r>
+            <a:r>
+              <a:rPr lang="ko-KR" altLang="en-US" sz="2800" dirty="0">
+                <a:solidFill>
+                  <a:srgbClr val="4C50BB"/>
+                </a:solidFill>
+                <a:latin typeface="G마켓 산스 Medium" panose="02000000000000000000" pitchFamily="50" charset="-127"/>
+                <a:ea typeface="G마켓 산스 Medium" panose="02000000000000000000" pitchFamily="50" charset="-127"/>
+              </a:rPr>
+              <a:t> </a:t>
+            </a:r>
+            <a:r>
+              <a:rPr lang="en-US" altLang="ko-KR" sz="2800" dirty="0">
+                <a:solidFill>
+                  <a:srgbClr val="4C50BB"/>
+                </a:solidFill>
+                <a:latin typeface="G마켓 산스 Medium" panose="02000000000000000000" pitchFamily="50" charset="-127"/>
+                <a:ea typeface="G마켓 산스 Medium" panose="02000000000000000000" pitchFamily="50" charset="-127"/>
+              </a:rPr>
+              <a:t>: </a:t>
+            </a:r>
+            <a:r>
+              <a:rPr lang="ko-KR" altLang="en-US" sz="2800" dirty="0">
+                <a:solidFill>
+                  <a:srgbClr val="4C50BB"/>
+                </a:solidFill>
+                <a:latin typeface="G마켓 산스 Medium" panose="02000000000000000000" pitchFamily="50" charset="-127"/>
+                <a:ea typeface="G마켓 산스 Medium" panose="02000000000000000000" pitchFamily="50" charset="-127"/>
+              </a:rPr>
+              <a:t>입력한 그대로 출력한다</a:t>
+            </a:r>
+            <a:r>
+              <a:rPr lang="en-US" altLang="ko-KR" sz="2800" dirty="0">
+                <a:solidFill>
+                  <a:srgbClr val="4C50BB"/>
+                </a:solidFill>
+                <a:latin typeface="G마켓 산스 Medium" panose="02000000000000000000" pitchFamily="50" charset="-127"/>
+                <a:ea typeface="G마켓 산스 Medium" panose="02000000000000000000" pitchFamily="50" charset="-127"/>
+              </a:rPr>
+              <a:t>.</a:t>
+            </a:r>
+          </a:p>
+        </p:txBody>
+      </p:sp>
+      <p:sp>
+        <p:nvSpPr>
+          <p:cNvPr id="9" name="TextBox 8">
+            <a:extLst>
+              <a:ext uri="{FF2B5EF4-FFF2-40B4-BE49-F238E27FC236}">
+                <a16:creationId xmlns:a16="http://schemas.microsoft.com/office/drawing/2014/main" id="{8EF519CF-9C56-C5FA-3672-1AE741360497}"/>
+              </a:ext>
+            </a:extLst>
+          </p:cNvPr>
+          <p:cNvSpPr txBox="1"/>
+          <p:nvPr/>
+        </p:nvSpPr>
+        <p:spPr>
+          <a:xfrm>
+            <a:off x="381000" y="4112938"/>
+            <a:ext cx="1665841" cy="1015663"/>
+          </a:xfrm>
+          <a:prstGeom prst="rect">
+            <a:avLst/>
+          </a:prstGeom>
+          <a:noFill/>
+        </p:spPr>
+        <p:txBody>
+          <a:bodyPr wrap="none" rtlCol="0">
+            <a:spAutoFit/>
+          </a:bodyPr>
+          <a:lstStyle/>
+          <a:p>
+            <a:r>
+              <a:rPr lang="ko-KR" altLang="en-US" sz="6000" dirty="0">
+                <a:solidFill>
+                  <a:srgbClr val="4C50BB"/>
+                </a:solidFill>
+                <a:latin typeface="G마켓 산스 TTF Bold" panose="02000000000000000000" pitchFamily="2" charset="-127"/>
+                <a:ea typeface="G마켓 산스 TTF Bold" panose="02000000000000000000" pitchFamily="2" charset="-127"/>
+              </a:rPr>
+              <a:t>해설</a:t>
+            </a:r>
+            <a:endParaRPr lang="ko-KR" altLang="en-US" sz="800" dirty="0">
+              <a:solidFill>
+                <a:srgbClr val="4C50BB"/>
+              </a:solidFill>
+              <a:latin typeface="G마켓 산스 TTF Bold" panose="02000000000000000000" pitchFamily="2" charset="-127"/>
+              <a:ea typeface="G마켓 산스 TTF Bold" panose="02000000000000000000" pitchFamily="2" charset="-127"/>
+            </a:endParaRPr>
+          </a:p>
+        </p:txBody>
+      </p:sp>
       <p:pic>
         <p:nvPicPr>
-          <p:cNvPr id="11" name="그림 10"/>
+          <p:cNvPr id="13" name="그림 12">
+            <a:extLst>
+              <a:ext uri="{FF2B5EF4-FFF2-40B4-BE49-F238E27FC236}">
+                <a16:creationId xmlns:a16="http://schemas.microsoft.com/office/drawing/2014/main" id="{030A3BAE-9D93-F8B2-C850-DF090778F82A}"/>
+              </a:ext>
+            </a:extLst>
+          </p:cNvPr>
           <p:cNvPicPr>
             <a:picLocks noChangeAspect="1"/>
           </p:cNvPicPr>
@@ -5181,110 +5012,107 @@
         </p:blipFill>
         <p:spPr>
           <a:xfrm>
-            <a:off x="4788345" y="7326590"/>
-            <a:ext cx="8726202" cy="1093509"/>
+            <a:off x="12852517" y="4680261"/>
+            <a:ext cx="5206883" cy="3130239"/>
           </a:xfrm>
           <a:prstGeom prst="rect">
             <a:avLst/>
           </a:prstGeom>
         </p:spPr>
       </p:pic>
-      <p:pic>
-        <p:nvPicPr>
-          <p:cNvPr id="12" name="그림 11"/>
-          <p:cNvPicPr>
-            <a:picLocks noChangeAspect="1"/>
-          </p:cNvPicPr>
-          <p:nvPr/>
-        </p:nvPicPr>
-        <p:blipFill>
-          <a:blip r:embed="rId6">
+      <p:cxnSp>
+        <p:nvCxnSpPr>
+          <p:cNvPr id="15" name="직선 화살표 연결선 14">
             <a:extLst>
-              <a:ext uri="{BEBA8EAE-BF5A-486C-A8C5-ECC9F3942E4B}">
-                <a14:imgProps xmlns:a14="http://schemas.microsoft.com/office/drawing/2010/main">
-                  <a14:imgLayer r:embed="rId7">
-                    <a14:imgEffect>
-                      <a14:artisticBlur/>
-                    </a14:imgEffect>
-                  </a14:imgLayer>
-                </a14:imgProps>
+              <a:ext uri="{FF2B5EF4-FFF2-40B4-BE49-F238E27FC236}">
+                <a16:creationId xmlns:a16="http://schemas.microsoft.com/office/drawing/2014/main" id="{8170D7C7-0E5A-A31E-F446-1C794BE7A891}"/>
               </a:ext>
             </a:extLst>
-          </a:blip>
-          <a:stretch>
-            <a:fillRect/>
-          </a:stretch>
-        </p:blipFill>
-        <p:spPr>
-          <a:xfrm>
-            <a:off x="4788345" y="7326590"/>
-            <a:ext cx="8726202" cy="1093509"/>
-          </a:xfrm>
-          <a:prstGeom prst="rect">
-            <a:avLst/>
-          </a:prstGeom>
-        </p:spPr>
-      </p:pic>
-      <p:pic>
-        <p:nvPicPr>
-          <p:cNvPr id="14" name="그림 13"/>
-          <p:cNvPicPr>
-            <a:picLocks noChangeAspect="1"/>
-          </p:cNvPicPr>
+          </p:cNvPr>
+          <p:cNvCxnSpPr>
+            <a:cxnSpLocks/>
+          </p:cNvCxnSpPr>
           <p:nvPr/>
-        </p:nvPicPr>
-        <p:blipFill>
-          <a:blip r:embed="rId6">
+        </p:nvCxnSpPr>
+        <p:spPr>
+          <a:xfrm>
+            <a:off x="15163800" y="6133246"/>
+            <a:ext cx="457200" cy="0"/>
+          </a:xfrm>
+          <a:prstGeom prst="straightConnector1">
+            <a:avLst/>
+          </a:prstGeom>
+          <a:ln w="38100">
+            <a:tailEnd type="triangle"/>
+          </a:ln>
+        </p:spPr>
+        <p:style>
+          <a:lnRef idx="1">
+            <a:schemeClr val="accent2"/>
+          </a:lnRef>
+          <a:fillRef idx="0">
+            <a:schemeClr val="accent2"/>
+          </a:fillRef>
+          <a:effectRef idx="0">
+            <a:schemeClr val="accent2"/>
+          </a:effectRef>
+          <a:fontRef idx="minor">
+            <a:schemeClr val="tx1"/>
+          </a:fontRef>
+        </p:style>
+      </p:cxnSp>
+      <p:sp>
+        <p:nvSpPr>
+          <p:cNvPr id="16" name="직사각형 15">
             <a:extLst>
-              <a:ext uri="{BEBA8EAE-BF5A-486C-A8C5-ECC9F3942E4B}">
-                <a14:imgProps xmlns:a14="http://schemas.microsoft.com/office/drawing/2010/main">
-                  <a14:imgLayer r:embed="rId7">
-                    <a14:imgEffect>
-                      <a14:artisticBlur/>
-                    </a14:imgEffect>
-                  </a14:imgLayer>
-                </a14:imgProps>
+              <a:ext uri="{FF2B5EF4-FFF2-40B4-BE49-F238E27FC236}">
+                <a16:creationId xmlns:a16="http://schemas.microsoft.com/office/drawing/2014/main" id="{E74C2826-E3F1-7A6E-6374-F763F8B5092A}"/>
               </a:ext>
             </a:extLst>
-          </a:blip>
-          <a:stretch>
-            <a:fillRect/>
-          </a:stretch>
-        </p:blipFill>
-        <p:spPr>
-          <a:xfrm>
-            <a:off x="9753843" y="2152652"/>
-            <a:ext cx="8056991" cy="1009648"/>
-          </a:xfrm>
-          <a:prstGeom prst="rect">
-            <a:avLst/>
-          </a:prstGeom>
-        </p:spPr>
-      </p:pic>
-      <p:pic>
-        <p:nvPicPr>
-          <p:cNvPr id="2" name="그림 1"/>
-          <p:cNvPicPr>
-            <a:picLocks noChangeAspect="1"/>
-          </p:cNvPicPr>
+          </p:cNvPr>
+          <p:cNvSpPr/>
           <p:nvPr/>
-        </p:nvPicPr>
-        <p:blipFill>
-          <a:blip r:embed="rId8"/>
-          <a:stretch>
-            <a:fillRect/>
-          </a:stretch>
-        </p:blipFill>
-        <p:spPr>
-          <a:xfrm>
-            <a:off x="3465209" y="2171700"/>
-            <a:ext cx="2935591" cy="2133600"/>
-          </a:xfrm>
-          <a:prstGeom prst="rect">
-            <a:avLst/>
-          </a:prstGeom>
-        </p:spPr>
-      </p:pic>
+        </p:nvSpPr>
+        <p:spPr>
+          <a:xfrm>
+            <a:off x="12725400" y="5980846"/>
+            <a:ext cx="2438400" cy="275093"/>
+          </a:xfrm>
+          <a:prstGeom prst="rect">
+            <a:avLst/>
+          </a:prstGeom>
+          <a:noFill/>
+          <a:ln>
+            <a:solidFill>
+              <a:srgbClr val="FF0000"/>
+            </a:solidFill>
+          </a:ln>
+        </p:spPr>
+        <p:style>
+          <a:lnRef idx="2">
+            <a:schemeClr val="accent2">
+              <a:shade val="50000"/>
+            </a:schemeClr>
+          </a:lnRef>
+          <a:fillRef idx="1">
+            <a:schemeClr val="accent2"/>
+          </a:fillRef>
+          <a:effectRef idx="0">
+            <a:schemeClr val="accent2"/>
+          </a:effectRef>
+          <a:fontRef idx="minor">
+            <a:schemeClr val="lt1"/>
+          </a:fontRef>
+        </p:style>
+        <p:txBody>
+          <a:bodyPr rtlCol="0" anchor="ctr"/>
+          <a:lstStyle/>
+          <a:p>
+            <a:pPr algn="ctr"/>
+            <a:endParaRPr lang="ko-KR" altLang="en-US"/>
+          </a:p>
+        </p:txBody>
+      </p:sp>
     </p:spTree>
     <p:extLst>
       <p:ext uri="{BB962C8B-B14F-4D97-AF65-F5344CB8AC3E}">
@@ -5295,126 +5123,1016 @@
   <p:clrMapOvr>
     <a:masterClrMapping/>
   </p:clrMapOvr>
-  <p:timing>
-    <p:tnLst>
-      <p:par>
-        <p:cTn id="1" dur="indefinite" restart="never" nodeType="tmRoot">
-          <p:childTnLst>
-            <p:seq concurrent="1" nextAc="seek">
-              <p:cTn id="2" dur="indefinite" nodeType="mainSeq">
-                <p:childTnLst>
-                  <p:par>
-                    <p:cTn id="3" fill="hold">
-                      <p:stCondLst>
-                        <p:cond delay="indefinite"/>
-                      </p:stCondLst>
-                      <p:childTnLst>
-                        <p:par>
-                          <p:cTn id="4" fill="hold">
-                            <p:stCondLst>
-                              <p:cond delay="0"/>
-                            </p:stCondLst>
-                            <p:childTnLst>
-                              <p:par>
-                                <p:cTn id="5" presetID="1" presetClass="exit" presetSubtype="0" fill="hold" nodeType="clickEffect">
-                                  <p:stCondLst>
-                                    <p:cond delay="0"/>
-                                  </p:stCondLst>
-                                  <p:childTnLst>
-                                    <p:set>
-                                      <p:cBhvr>
-                                        <p:cTn id="6" dur="1" fill="hold">
-                                          <p:stCondLst>
-                                            <p:cond delay="0"/>
-                                          </p:stCondLst>
-                                        </p:cTn>
-                                        <p:tgtEl>
-                                          <p:spTgt spid="14"/>
-                                        </p:tgtEl>
-                                        <p:attrNameLst>
-                                          <p:attrName>style.visibility</p:attrName>
-                                        </p:attrNameLst>
-                                      </p:cBhvr>
-                                      <p:to>
-                                        <p:strVal val="hidden"/>
-                                      </p:to>
-                                    </p:set>
-                                  </p:childTnLst>
-                                </p:cTn>
-                              </p:par>
-                            </p:childTnLst>
-                          </p:cTn>
-                        </p:par>
-                      </p:childTnLst>
-                    </p:cTn>
-                  </p:par>
-                  <p:par>
-                    <p:cTn id="7" fill="hold">
-                      <p:stCondLst>
-                        <p:cond delay="indefinite"/>
-                      </p:stCondLst>
-                      <p:childTnLst>
-                        <p:par>
-                          <p:cTn id="8" fill="hold">
-                            <p:stCondLst>
-                              <p:cond delay="0"/>
-                            </p:stCondLst>
-                            <p:childTnLst>
-                              <p:par>
-                                <p:cTn id="9" presetID="1" presetClass="exit" presetSubtype="0" fill="hold" nodeType="clickEffect">
-                                  <p:stCondLst>
-                                    <p:cond delay="0"/>
-                                  </p:stCondLst>
-                                  <p:childTnLst>
-                                    <p:set>
-                                      <p:cBhvr>
-                                        <p:cTn id="10" dur="1" fill="hold">
-                                          <p:stCondLst>
-                                            <p:cond delay="0"/>
-                                          </p:stCondLst>
-                                        </p:cTn>
-                                        <p:tgtEl>
-                                          <p:spTgt spid="12"/>
-                                        </p:tgtEl>
-                                        <p:attrNameLst>
-                                          <p:attrName>style.visibility</p:attrName>
-                                        </p:attrNameLst>
-                                      </p:cBhvr>
-                                      <p:to>
-                                        <p:strVal val="hidden"/>
-                                      </p:to>
-                                    </p:set>
-                                  </p:childTnLst>
-                                </p:cTn>
-                              </p:par>
-                            </p:childTnLst>
-                          </p:cTn>
-                        </p:par>
-                      </p:childTnLst>
-                    </p:cTn>
-                  </p:par>
-                </p:childTnLst>
-              </p:cTn>
-              <p:prevCondLst>
-                <p:cond evt="onPrev" delay="0">
-                  <p:tgtEl>
-                    <p:sldTgt/>
-                  </p:tgtEl>
-                </p:cond>
-              </p:prevCondLst>
-              <p:nextCondLst>
-                <p:cond evt="onNext" delay="0">
-                  <p:tgtEl>
-                    <p:sldTgt/>
-                  </p:tgtEl>
-                </p:cond>
-              </p:nextCondLst>
-            </p:seq>
-          </p:childTnLst>
-        </p:cTn>
-      </p:par>
-    </p:tnLst>
-  </p:timing>
+</p:sld>
+</file>
+
+<file path=ppt/slides/slide11.xml><?xml version="1.0" encoding="utf-8"?>
+<p:sld xmlns:a="http://schemas.openxmlformats.org/drawingml/2006/main" xmlns:r="http://schemas.openxmlformats.org/officeDocument/2006/relationships" xmlns:p="http://schemas.openxmlformats.org/presentationml/2006/main">
+  <p:cSld>
+    <p:spTree>
+      <p:nvGrpSpPr>
+        <p:cNvPr id="1" name=""/>
+        <p:cNvGrpSpPr/>
+        <p:nvPr/>
+      </p:nvGrpSpPr>
+      <p:grpSpPr>
+        <a:xfrm>
+          <a:off x="0" y="0"/>
+          <a:ext cx="0" cy="0"/>
+          <a:chOff x="0" y="0"/>
+          <a:chExt cx="0" cy="0"/>
+        </a:xfrm>
+      </p:grpSpPr>
+      <p:sp>
+        <p:nvSpPr>
+          <p:cNvPr id="4" name="TextBox 3">
+            <a:extLst>
+              <a:ext uri="{FF2B5EF4-FFF2-40B4-BE49-F238E27FC236}">
+                <a16:creationId xmlns:a16="http://schemas.microsoft.com/office/drawing/2014/main" id="{8E8E2DE9-BB01-3274-E84D-8D2FD240B0FC}"/>
+              </a:ext>
+            </a:extLst>
+          </p:cNvPr>
+          <p:cNvSpPr txBox="1"/>
+          <p:nvPr/>
+        </p:nvSpPr>
+        <p:spPr>
+          <a:xfrm>
+            <a:off x="381000" y="190500"/>
+            <a:ext cx="19030072" cy="1200329"/>
+          </a:xfrm>
+          <a:prstGeom prst="rect">
+            <a:avLst/>
+          </a:prstGeom>
+          <a:noFill/>
+        </p:spPr>
+        <p:txBody>
+          <a:bodyPr wrap="square" rtlCol="0">
+            <a:spAutoFit/>
+          </a:bodyPr>
+          <a:lstStyle/>
+          <a:p>
+            <a:r>
+              <a:rPr lang="en-US" altLang="ko-KR" sz="3600">
+                <a:solidFill>
+                  <a:srgbClr val="4C50BB"/>
+                </a:solidFill>
+                <a:latin typeface="G마켓 산스 Medium" panose="02000000000000000000" pitchFamily="50" charset="-127"/>
+                <a:ea typeface="G마켓 산스 Medium" panose="02000000000000000000" pitchFamily="50" charset="-127"/>
+              </a:rPr>
+              <a:t>4. </a:t>
+            </a:r>
+            <a:r>
+              <a:rPr lang="ko-KR" altLang="en-US" sz="3600">
+                <a:solidFill>
+                  <a:srgbClr val="4C50BB"/>
+                </a:solidFill>
+                <a:latin typeface="G마켓 산스 Medium" panose="02000000000000000000" pitchFamily="50" charset="-127"/>
+                <a:ea typeface="G마켓 산스 Medium" panose="02000000000000000000" pitchFamily="50" charset="-127"/>
+              </a:rPr>
+              <a:t>화씨 </a:t>
+            </a:r>
+            <a:r>
+              <a:rPr lang="en-US" altLang="ko-KR" sz="3600">
+                <a:solidFill>
+                  <a:srgbClr val="4C50BB"/>
+                </a:solidFill>
+                <a:latin typeface="G마켓 산스 Medium" panose="02000000000000000000" pitchFamily="50" charset="-127"/>
+                <a:ea typeface="G마켓 산스 Medium" panose="02000000000000000000" pitchFamily="50" charset="-127"/>
+              </a:rPr>
+              <a:t>100</a:t>
+            </a:r>
+            <a:r>
+              <a:rPr lang="ko-KR" altLang="en-US" sz="3600">
+                <a:solidFill>
+                  <a:srgbClr val="4C50BB"/>
+                </a:solidFill>
+                <a:latin typeface="G마켓 산스 Medium" panose="02000000000000000000" pitchFamily="50" charset="-127"/>
+                <a:ea typeface="G마켓 산스 Medium" panose="02000000000000000000" pitchFamily="50" charset="-127"/>
+              </a:rPr>
+              <a:t>도를 섭씨로 변환하여 출력하시오</a:t>
+            </a:r>
+            <a:r>
+              <a:rPr lang="en-US" altLang="ko-KR" sz="3600">
+                <a:solidFill>
+                  <a:srgbClr val="4C50BB"/>
+                </a:solidFill>
+                <a:latin typeface="G마켓 산스 Medium" panose="02000000000000000000" pitchFamily="50" charset="-127"/>
+                <a:ea typeface="G마켓 산스 Medium" panose="02000000000000000000" pitchFamily="50" charset="-127"/>
+              </a:rPr>
+              <a:t>(</a:t>
+            </a:r>
+            <a:r>
+              <a:rPr lang="ko-KR" altLang="en-US" sz="3600">
+                <a:solidFill>
+                  <a:srgbClr val="4C50BB"/>
+                </a:solidFill>
+                <a:latin typeface="G마켓 산스 Medium" panose="02000000000000000000" pitchFamily="50" charset="-127"/>
+                <a:ea typeface="G마켓 산스 Medium" panose="02000000000000000000" pitchFamily="50" charset="-127"/>
+              </a:rPr>
+              <a:t>소수점 둘째자리를 반올림할것</a:t>
+            </a:r>
+            <a:r>
+              <a:rPr lang="en-US" altLang="ko-KR" sz="3600">
+                <a:solidFill>
+                  <a:srgbClr val="4C50BB"/>
+                </a:solidFill>
+                <a:latin typeface="G마켓 산스 Medium" panose="02000000000000000000" pitchFamily="50" charset="-127"/>
+                <a:ea typeface="G마켓 산스 Medium" panose="02000000000000000000" pitchFamily="50" charset="-127"/>
+              </a:rPr>
+              <a:t>)</a:t>
+            </a:r>
+          </a:p>
+          <a:p>
+            <a:r>
+              <a:rPr lang="ko-KR" altLang="en-US" sz="3600">
+                <a:solidFill>
+                  <a:schemeClr val="bg1">
+                    <a:lumMod val="50000"/>
+                  </a:schemeClr>
+                </a:solidFill>
+                <a:latin typeface="G마켓 산스 Medium" panose="02000000000000000000" pitchFamily="50" charset="-127"/>
+                <a:ea typeface="G마켓 산스 Medium" panose="02000000000000000000" pitchFamily="50" charset="-127"/>
+              </a:rPr>
+              <a:t>변환공식 </a:t>
+            </a:r>
+            <a:r>
+              <a:rPr lang="en-US" altLang="ko-KR" sz="3600">
+                <a:solidFill>
+                  <a:schemeClr val="bg1">
+                    <a:lumMod val="50000"/>
+                  </a:schemeClr>
+                </a:solidFill>
+                <a:latin typeface="G마켓 산스 Medium" panose="02000000000000000000" pitchFamily="50" charset="-127"/>
+                <a:ea typeface="G마켓 산스 Medium" panose="02000000000000000000" pitchFamily="50" charset="-127"/>
+              </a:rPr>
+              <a:t>-&gt; </a:t>
+            </a:r>
+            <a:r>
+              <a:rPr lang="ko-KR" altLang="en-US" sz="3600">
+                <a:solidFill>
+                  <a:schemeClr val="bg1">
+                    <a:lumMod val="50000"/>
+                  </a:schemeClr>
+                </a:solidFill>
+                <a:latin typeface="G마켓 산스 Medium" panose="02000000000000000000" pitchFamily="50" charset="-127"/>
+                <a:ea typeface="G마켓 산스 Medium" panose="02000000000000000000" pitchFamily="50" charset="-127"/>
+              </a:rPr>
+              <a:t>섭씨 </a:t>
+            </a:r>
+            <a:r>
+              <a:rPr lang="en-US" altLang="ko-KR" sz="3600">
+                <a:solidFill>
+                  <a:schemeClr val="bg1">
+                    <a:lumMod val="50000"/>
+                  </a:schemeClr>
+                </a:solidFill>
+                <a:latin typeface="G마켓 산스 Medium" panose="02000000000000000000" pitchFamily="50" charset="-127"/>
+                <a:ea typeface="G마켓 산스 Medium" panose="02000000000000000000" pitchFamily="50" charset="-127"/>
+              </a:rPr>
+              <a:t>= 5/9 x (</a:t>
+            </a:r>
+            <a:r>
+              <a:rPr lang="ko-KR" altLang="en-US" sz="3600">
+                <a:solidFill>
+                  <a:schemeClr val="bg1">
+                    <a:lumMod val="50000"/>
+                  </a:schemeClr>
+                </a:solidFill>
+                <a:latin typeface="G마켓 산스 Medium" panose="02000000000000000000" pitchFamily="50" charset="-127"/>
+                <a:ea typeface="G마켓 산스 Medium" panose="02000000000000000000" pitchFamily="50" charset="-127"/>
+              </a:rPr>
+              <a:t>화씨 </a:t>
+            </a:r>
+            <a:r>
+              <a:rPr lang="en-US" altLang="ko-KR" sz="3600">
+                <a:solidFill>
+                  <a:schemeClr val="bg1">
+                    <a:lumMod val="50000"/>
+                  </a:schemeClr>
+                </a:solidFill>
+                <a:latin typeface="G마켓 산스 Medium" panose="02000000000000000000" pitchFamily="50" charset="-127"/>
+                <a:ea typeface="G마켓 산스 Medium" panose="02000000000000000000" pitchFamily="50" charset="-127"/>
+              </a:rPr>
+              <a:t>-32)</a:t>
+            </a:r>
+          </a:p>
+        </p:txBody>
+      </p:sp>
+      <p:pic>
+        <p:nvPicPr>
+          <p:cNvPr id="5" name="그림 4">
+            <a:extLst>
+              <a:ext uri="{FF2B5EF4-FFF2-40B4-BE49-F238E27FC236}">
+                <a16:creationId xmlns:a16="http://schemas.microsoft.com/office/drawing/2014/main" id="{60FA22BD-DA38-7E4F-B0A2-58189FAF3C45}"/>
+              </a:ext>
+            </a:extLst>
+          </p:cNvPr>
+          <p:cNvPicPr>
+            <a:picLocks noChangeAspect="1"/>
+          </p:cNvPicPr>
+          <p:nvPr/>
+        </p:nvPicPr>
+        <p:blipFill>
+          <a:blip r:embed="rId2"/>
+          <a:stretch>
+            <a:fillRect/>
+          </a:stretch>
+        </p:blipFill>
+        <p:spPr>
+          <a:xfrm>
+            <a:off x="589672" y="1638300"/>
+            <a:ext cx="2674835" cy="1401104"/>
+          </a:xfrm>
+          <a:prstGeom prst="rect">
+            <a:avLst/>
+          </a:prstGeom>
+        </p:spPr>
+      </p:pic>
+      <p:pic>
+        <p:nvPicPr>
+          <p:cNvPr id="6" name="그림 5">
+            <a:extLst>
+              <a:ext uri="{FF2B5EF4-FFF2-40B4-BE49-F238E27FC236}">
+                <a16:creationId xmlns:a16="http://schemas.microsoft.com/office/drawing/2014/main" id="{B059A2B9-831F-FC27-F8DA-6035DBBAB07A}"/>
+              </a:ext>
+            </a:extLst>
+          </p:cNvPr>
+          <p:cNvPicPr>
+            <a:picLocks noChangeAspect="1"/>
+          </p:cNvPicPr>
+          <p:nvPr/>
+        </p:nvPicPr>
+        <p:blipFill>
+          <a:blip r:embed="rId3"/>
+          <a:stretch>
+            <a:fillRect/>
+          </a:stretch>
+        </p:blipFill>
+        <p:spPr>
+          <a:xfrm>
+            <a:off x="4311217" y="1663327"/>
+            <a:ext cx="8726202" cy="1093509"/>
+          </a:xfrm>
+          <a:prstGeom prst="rect">
+            <a:avLst/>
+          </a:prstGeom>
+        </p:spPr>
+      </p:pic>
+      <p:sp>
+        <p:nvSpPr>
+          <p:cNvPr id="10" name="TextBox 9">
+            <a:extLst>
+              <a:ext uri="{FF2B5EF4-FFF2-40B4-BE49-F238E27FC236}">
+                <a16:creationId xmlns:a16="http://schemas.microsoft.com/office/drawing/2014/main" id="{9A2343F1-8650-F0AF-2A6B-EDB9937A706D}"/>
+              </a:ext>
+            </a:extLst>
+          </p:cNvPr>
+          <p:cNvSpPr txBox="1"/>
+          <p:nvPr/>
+        </p:nvSpPr>
+        <p:spPr>
+          <a:xfrm>
+            <a:off x="76200" y="4453259"/>
+            <a:ext cx="18516600" cy="5509200"/>
+          </a:xfrm>
+          <a:prstGeom prst="rect">
+            <a:avLst/>
+          </a:prstGeom>
+          <a:noFill/>
+        </p:spPr>
+        <p:txBody>
+          <a:bodyPr wrap="square" rtlCol="0">
+            <a:spAutoFit/>
+          </a:bodyPr>
+          <a:lstStyle/>
+          <a:p>
+            <a:pPr marL="742950" indent="-742950">
+              <a:buAutoNum type="arabicPeriod"/>
+            </a:pPr>
+            <a:r>
+              <a:rPr lang="en-US" altLang="ko-KR" sz="3200" dirty="0">
+                <a:solidFill>
+                  <a:srgbClr val="4C50BB"/>
+                </a:solidFill>
+                <a:latin typeface="G마켓 산스 Medium" panose="02000000000000000000" pitchFamily="50" charset="-127"/>
+                <a:ea typeface="G마켓 산스 Medium" panose="02000000000000000000" pitchFamily="50" charset="-127"/>
+              </a:rPr>
+              <a:t>(f-32) </a:t>
+            </a:r>
+            <a:r>
+              <a:rPr lang="ko-KR" altLang="en-US" sz="3200" dirty="0">
+                <a:solidFill>
+                  <a:srgbClr val="4C50BB"/>
+                </a:solidFill>
+                <a:latin typeface="G마켓 산스 Medium" panose="02000000000000000000" pitchFamily="50" charset="-127"/>
+                <a:ea typeface="G마켓 산스 Medium" panose="02000000000000000000" pitchFamily="50" charset="-127"/>
+              </a:rPr>
+              <a:t>가 먼저 계산된다</a:t>
+            </a:r>
+            <a:r>
+              <a:rPr lang="en-US" altLang="ko-KR" sz="3200" dirty="0">
+                <a:solidFill>
+                  <a:srgbClr val="4C50BB"/>
+                </a:solidFill>
+                <a:latin typeface="G마켓 산스 Medium" panose="02000000000000000000" pitchFamily="50" charset="-127"/>
+                <a:ea typeface="G마켓 산스 Medium" panose="02000000000000000000" pitchFamily="50" charset="-127"/>
+              </a:rPr>
+              <a:t>.</a:t>
+            </a:r>
+            <a:r>
+              <a:rPr lang="ko-KR" altLang="en-US" sz="3200" dirty="0">
+                <a:solidFill>
+                  <a:srgbClr val="4C50BB"/>
+                </a:solidFill>
+                <a:latin typeface="G마켓 산스 Medium" panose="02000000000000000000" pitchFamily="50" charset="-127"/>
+                <a:ea typeface="G마켓 산스 Medium" panose="02000000000000000000" pitchFamily="50" charset="-127"/>
+              </a:rPr>
+              <a:t> </a:t>
+            </a:r>
+            <a:r>
+              <a:rPr lang="en-US" altLang="ko-KR" sz="3200" dirty="0">
+                <a:solidFill>
+                  <a:srgbClr val="4C50BB"/>
+                </a:solidFill>
+                <a:latin typeface="G마켓 산스 Medium" panose="02000000000000000000" pitchFamily="50" charset="-127"/>
+                <a:ea typeface="G마켓 산스 Medium" panose="02000000000000000000" pitchFamily="50" charset="-127"/>
+              </a:rPr>
+              <a:t>100</a:t>
+            </a:r>
+            <a:r>
+              <a:rPr lang="ko-KR" altLang="en-US" sz="3200" dirty="0">
+                <a:solidFill>
+                  <a:srgbClr val="4C50BB"/>
+                </a:solidFill>
+                <a:latin typeface="G마켓 산스 Medium" panose="02000000000000000000" pitchFamily="50" charset="-127"/>
+                <a:ea typeface="G마켓 산스 Medium" panose="02000000000000000000" pitchFamily="50" charset="-127"/>
+              </a:rPr>
+              <a:t> </a:t>
+            </a:r>
+            <a:r>
+              <a:rPr lang="en-US" altLang="ko-KR" sz="3200" dirty="0">
+                <a:solidFill>
+                  <a:srgbClr val="4C50BB"/>
+                </a:solidFill>
+                <a:latin typeface="G마켓 산스 Medium" panose="02000000000000000000" pitchFamily="50" charset="-127"/>
+                <a:ea typeface="G마켓 산스 Medium" panose="02000000000000000000" pitchFamily="50" charset="-127"/>
+              </a:rPr>
+              <a:t>-32  =&gt; 68</a:t>
+            </a:r>
+          </a:p>
+          <a:p>
+            <a:pPr marL="742950" indent="-742950">
+              <a:buAutoNum type="arabicPeriod"/>
+            </a:pPr>
+            <a:r>
+              <a:rPr lang="en-US" altLang="ko-KR" sz="3200" dirty="0">
+                <a:solidFill>
+                  <a:srgbClr val="4C50BB"/>
+                </a:solidFill>
+                <a:latin typeface="G마켓 산스 Medium" panose="02000000000000000000" pitchFamily="50" charset="-127"/>
+                <a:ea typeface="G마켓 산스 Medium" panose="02000000000000000000" pitchFamily="50" charset="-127"/>
+              </a:rPr>
+              <a:t>5/9</a:t>
+            </a:r>
+            <a:r>
+              <a:rPr lang="ko-KR" altLang="en-US" sz="3200" dirty="0">
+                <a:solidFill>
+                  <a:srgbClr val="4C50BB"/>
+                </a:solidFill>
+                <a:latin typeface="G마켓 산스 Medium" panose="02000000000000000000" pitchFamily="50" charset="-127"/>
+                <a:ea typeface="G마켓 산스 Medium" panose="02000000000000000000" pitchFamily="50" charset="-127"/>
+              </a:rPr>
+              <a:t>를 수행하면 </a:t>
+            </a:r>
+            <a:r>
+              <a:rPr lang="ko-KR" altLang="en-US" sz="3200" dirty="0" err="1">
+                <a:solidFill>
+                  <a:srgbClr val="4C50BB"/>
+                </a:solidFill>
+                <a:latin typeface="G마켓 산스 Medium" panose="02000000000000000000" pitchFamily="50" charset="-127"/>
+                <a:ea typeface="G마켓 산스 Medium" panose="02000000000000000000" pitchFamily="50" charset="-127"/>
+              </a:rPr>
+              <a:t>둘다</a:t>
+            </a:r>
+            <a:r>
+              <a:rPr lang="ko-KR" altLang="en-US" sz="3200" dirty="0">
+                <a:solidFill>
+                  <a:srgbClr val="4C50BB"/>
+                </a:solidFill>
+                <a:latin typeface="G마켓 산스 Medium" panose="02000000000000000000" pitchFamily="50" charset="-127"/>
+                <a:ea typeface="G마켓 산스 Medium" panose="02000000000000000000" pitchFamily="50" charset="-127"/>
+              </a:rPr>
+              <a:t> </a:t>
+            </a:r>
+            <a:r>
+              <a:rPr lang="en-US" altLang="ko-KR" sz="3200" dirty="0">
+                <a:solidFill>
+                  <a:srgbClr val="4C50BB"/>
+                </a:solidFill>
+                <a:latin typeface="G마켓 산스 Medium" panose="02000000000000000000" pitchFamily="50" charset="-127"/>
+                <a:ea typeface="G마켓 산스 Medium" panose="02000000000000000000" pitchFamily="50" charset="-127"/>
+              </a:rPr>
+              <a:t>int</a:t>
+            </a:r>
+            <a:r>
+              <a:rPr lang="ko-KR" altLang="en-US" sz="3200" dirty="0">
+                <a:solidFill>
+                  <a:srgbClr val="4C50BB"/>
+                </a:solidFill>
+                <a:latin typeface="G마켓 산스 Medium" panose="02000000000000000000" pitchFamily="50" charset="-127"/>
+                <a:ea typeface="G마켓 산스 Medium" panose="02000000000000000000" pitchFamily="50" charset="-127"/>
+              </a:rPr>
+              <a:t>이기에 소수점이 잘리게 된다</a:t>
+            </a:r>
+            <a:r>
+              <a:rPr lang="en-US" altLang="ko-KR" sz="3200" dirty="0">
+                <a:solidFill>
+                  <a:srgbClr val="4C50BB"/>
+                </a:solidFill>
+                <a:latin typeface="G마켓 산스 Medium" panose="02000000000000000000" pitchFamily="50" charset="-127"/>
+                <a:ea typeface="G마켓 산스 Medium" panose="02000000000000000000" pitchFamily="50" charset="-127"/>
+              </a:rPr>
+              <a:t>. </a:t>
+            </a:r>
+            <a:r>
+              <a:rPr lang="ko-KR" altLang="en-US" sz="3200" dirty="0">
+                <a:solidFill>
+                  <a:srgbClr val="4C50BB"/>
+                </a:solidFill>
+                <a:latin typeface="G마켓 산스 Medium" panose="02000000000000000000" pitchFamily="50" charset="-127"/>
+                <a:ea typeface="G마켓 산스 Medium" panose="02000000000000000000" pitchFamily="50" charset="-127"/>
+              </a:rPr>
+              <a:t>소수점을 살리기 위해 </a:t>
+            </a:r>
+            <a:r>
+              <a:rPr lang="en-US" altLang="ko-KR" sz="3200" dirty="0">
+                <a:solidFill>
+                  <a:srgbClr val="4C50BB"/>
+                </a:solidFill>
+                <a:latin typeface="G마켓 산스 Medium" panose="02000000000000000000" pitchFamily="50" charset="-127"/>
+                <a:ea typeface="G마켓 산스 Medium" panose="02000000000000000000" pitchFamily="50" charset="-127"/>
+              </a:rPr>
+              <a:t>5f</a:t>
+            </a:r>
+            <a:r>
+              <a:rPr lang="ko-KR" altLang="en-US" sz="3200" dirty="0">
+                <a:solidFill>
+                  <a:srgbClr val="4C50BB"/>
+                </a:solidFill>
+                <a:latin typeface="G마켓 산스 Medium" panose="02000000000000000000" pitchFamily="50" charset="-127"/>
+                <a:ea typeface="G마켓 산스 Medium" panose="02000000000000000000" pitchFamily="50" charset="-127"/>
+              </a:rPr>
+              <a:t>를 </a:t>
+            </a:r>
+            <a:r>
+              <a:rPr lang="en-US" altLang="ko-KR" sz="3200" dirty="0">
+                <a:solidFill>
+                  <a:srgbClr val="4C50BB"/>
+                </a:solidFill>
+                <a:latin typeface="G마켓 산스 Medium" panose="02000000000000000000" pitchFamily="50" charset="-127"/>
+                <a:ea typeface="G마켓 산스 Medium" panose="02000000000000000000" pitchFamily="50" charset="-127"/>
+              </a:rPr>
+              <a:t>9</a:t>
+            </a:r>
+            <a:r>
+              <a:rPr lang="ko-KR" altLang="en-US" sz="3200" dirty="0">
+                <a:solidFill>
+                  <a:srgbClr val="4C50BB"/>
+                </a:solidFill>
+                <a:latin typeface="G마켓 산스 Medium" panose="02000000000000000000" pitchFamily="50" charset="-127"/>
+                <a:ea typeface="G마켓 산스 Medium" panose="02000000000000000000" pitchFamily="50" charset="-127"/>
+              </a:rPr>
+              <a:t>로 나눈다</a:t>
+            </a:r>
+            <a:r>
+              <a:rPr lang="en-US" altLang="ko-KR" sz="3200" dirty="0">
+                <a:solidFill>
+                  <a:srgbClr val="4C50BB"/>
+                </a:solidFill>
+                <a:latin typeface="G마켓 산스 Medium" panose="02000000000000000000" pitchFamily="50" charset="-127"/>
+                <a:ea typeface="G마켓 산스 Medium" panose="02000000000000000000" pitchFamily="50" charset="-127"/>
+              </a:rPr>
+              <a:t>.0.5555555…6</a:t>
+            </a:r>
+          </a:p>
+          <a:p>
+            <a:pPr marL="742950" indent="-742950">
+              <a:buAutoNum type="arabicPeriod"/>
+            </a:pPr>
+            <a:r>
+              <a:rPr lang="en-US" altLang="ko-KR" sz="3200" dirty="0">
+                <a:solidFill>
+                  <a:srgbClr val="4C50BB"/>
+                </a:solidFill>
+                <a:latin typeface="G마켓 산스 Medium" panose="02000000000000000000" pitchFamily="50" charset="-127"/>
+                <a:ea typeface="G마켓 산스 Medium" panose="02000000000000000000" pitchFamily="50" charset="-127"/>
+              </a:rPr>
+              <a:t>2</a:t>
+            </a:r>
+            <a:r>
+              <a:rPr lang="ko-KR" altLang="en-US" sz="3200" dirty="0">
+                <a:solidFill>
+                  <a:srgbClr val="4C50BB"/>
+                </a:solidFill>
+                <a:latin typeface="G마켓 산스 Medium" panose="02000000000000000000" pitchFamily="50" charset="-127"/>
+                <a:ea typeface="G마켓 산스 Medium" panose="02000000000000000000" pitchFamily="50" charset="-127"/>
+              </a:rPr>
+              <a:t>번의 값과 </a:t>
+            </a:r>
+            <a:r>
+              <a:rPr lang="en-US" altLang="ko-KR" sz="3200" dirty="0">
+                <a:solidFill>
+                  <a:srgbClr val="4C50BB"/>
+                </a:solidFill>
+                <a:latin typeface="G마켓 산스 Medium" panose="02000000000000000000" pitchFamily="50" charset="-127"/>
+                <a:ea typeface="G마켓 산스 Medium" panose="02000000000000000000" pitchFamily="50" charset="-127"/>
+              </a:rPr>
+              <a:t>68</a:t>
+            </a:r>
+            <a:r>
+              <a:rPr lang="ko-KR" altLang="en-US" sz="3200" dirty="0">
+                <a:solidFill>
+                  <a:srgbClr val="4C50BB"/>
+                </a:solidFill>
+                <a:latin typeface="G마켓 산스 Medium" panose="02000000000000000000" pitchFamily="50" charset="-127"/>
+                <a:ea typeface="G마켓 산스 Medium" panose="02000000000000000000" pitchFamily="50" charset="-127"/>
+              </a:rPr>
+              <a:t>을 곱하면 </a:t>
+            </a:r>
+            <a:r>
+              <a:rPr lang="en-US" altLang="ko-KR" sz="3200" dirty="0">
+                <a:solidFill>
+                  <a:srgbClr val="4C50BB"/>
+                </a:solidFill>
+                <a:latin typeface="G마켓 산스 Medium" panose="02000000000000000000" pitchFamily="50" charset="-127"/>
+                <a:ea typeface="G마켓 산스 Medium" panose="02000000000000000000" pitchFamily="50" charset="-127"/>
+              </a:rPr>
+              <a:t>37.7777777…8 </a:t>
+            </a:r>
+            <a:r>
+              <a:rPr lang="ko-KR" altLang="en-US" sz="3200" dirty="0">
+                <a:solidFill>
+                  <a:srgbClr val="4C50BB"/>
+                </a:solidFill>
+                <a:latin typeface="G마켓 산스 Medium" panose="02000000000000000000" pitchFamily="50" charset="-127"/>
+                <a:ea typeface="G마켓 산스 Medium" panose="02000000000000000000" pitchFamily="50" charset="-127"/>
+              </a:rPr>
+              <a:t>이 나온다</a:t>
+            </a:r>
+            <a:r>
+              <a:rPr lang="en-US" altLang="ko-KR" sz="3200" dirty="0">
+                <a:solidFill>
+                  <a:srgbClr val="4C50BB"/>
+                </a:solidFill>
+                <a:latin typeface="G마켓 산스 Medium" panose="02000000000000000000" pitchFamily="50" charset="-127"/>
+                <a:ea typeface="G마켓 산스 Medium" panose="02000000000000000000" pitchFamily="50" charset="-127"/>
+              </a:rPr>
+              <a:t>.</a:t>
+            </a:r>
+          </a:p>
+          <a:p>
+            <a:pPr marL="742950" indent="-742950">
+              <a:buAutoNum type="arabicPeriod"/>
+            </a:pPr>
+            <a:r>
+              <a:rPr lang="ko-KR" altLang="en-US" sz="3200" dirty="0">
+                <a:solidFill>
+                  <a:srgbClr val="4C50BB"/>
+                </a:solidFill>
+                <a:latin typeface="G마켓 산스 Medium" panose="02000000000000000000" pitchFamily="50" charset="-127"/>
+                <a:ea typeface="G마켓 산스 Medium" panose="02000000000000000000" pitchFamily="50" charset="-127"/>
+              </a:rPr>
+              <a:t>소수점 </a:t>
+            </a:r>
+            <a:r>
+              <a:rPr lang="en-US" altLang="ko-KR" sz="3200" dirty="0">
+                <a:solidFill>
+                  <a:srgbClr val="4C50BB"/>
+                </a:solidFill>
+                <a:latin typeface="G마켓 산스 Medium" panose="02000000000000000000" pitchFamily="50" charset="-127"/>
+                <a:ea typeface="G마켓 산스 Medium" panose="02000000000000000000" pitchFamily="50" charset="-127"/>
+              </a:rPr>
+              <a:t>2</a:t>
+            </a:r>
+            <a:r>
+              <a:rPr lang="ko-KR" altLang="en-US" sz="3200" dirty="0">
+                <a:solidFill>
+                  <a:srgbClr val="4C50BB"/>
+                </a:solidFill>
+                <a:latin typeface="G마켓 산스 Medium" panose="02000000000000000000" pitchFamily="50" charset="-127"/>
+                <a:ea typeface="G마켓 산스 Medium" panose="02000000000000000000" pitchFamily="50" charset="-127"/>
+              </a:rPr>
+              <a:t>째 자리에서 반올림을 진행한다</a:t>
+            </a:r>
+            <a:r>
+              <a:rPr lang="en-US" altLang="ko-KR" sz="3200" dirty="0">
+                <a:solidFill>
+                  <a:srgbClr val="4C50BB"/>
+                </a:solidFill>
+                <a:latin typeface="G마켓 산스 Medium" panose="02000000000000000000" pitchFamily="50" charset="-127"/>
+                <a:ea typeface="G마켓 산스 Medium" panose="02000000000000000000" pitchFamily="50" charset="-127"/>
+              </a:rPr>
+              <a:t>.</a:t>
+            </a:r>
+          </a:p>
+          <a:p>
+            <a:r>
+              <a:rPr lang="en-US" altLang="ko-KR" sz="3200" dirty="0">
+                <a:solidFill>
+                  <a:srgbClr val="4C50BB"/>
+                </a:solidFill>
+                <a:latin typeface="G마켓 산스 Medium" panose="02000000000000000000" pitchFamily="50" charset="-127"/>
+                <a:ea typeface="G마켓 산스 Medium" panose="02000000000000000000" pitchFamily="50" charset="-127"/>
+              </a:rPr>
+              <a:t>  37.77777…   * 10   =&gt;  377.777777</a:t>
+            </a:r>
+          </a:p>
+          <a:p>
+            <a:r>
+              <a:rPr lang="en-US" altLang="ko-KR" sz="3200" dirty="0">
+                <a:solidFill>
+                  <a:srgbClr val="4C50BB"/>
+                </a:solidFill>
+                <a:latin typeface="G마켓 산스 Medium" panose="02000000000000000000" pitchFamily="50" charset="-127"/>
+                <a:ea typeface="G마켓 산스 Medium" panose="02000000000000000000" pitchFamily="50" charset="-127"/>
+              </a:rPr>
+              <a:t>  377.777777… + 0.5     =&gt;378.277777  (10</a:t>
+            </a:r>
+            <a:r>
+              <a:rPr lang="ko-KR" altLang="en-US" sz="3200" dirty="0">
+                <a:solidFill>
+                  <a:srgbClr val="4C50BB"/>
+                </a:solidFill>
+                <a:latin typeface="G마켓 산스 Medium" panose="02000000000000000000" pitchFamily="50" charset="-127"/>
+                <a:ea typeface="G마켓 산스 Medium" panose="02000000000000000000" pitchFamily="50" charset="-127"/>
+              </a:rPr>
+              <a:t>을 곱하기전의 소수점 둘째자리에 </a:t>
+            </a:r>
+            <a:r>
+              <a:rPr lang="en-US" altLang="ko-KR" sz="3200" dirty="0">
+                <a:solidFill>
+                  <a:srgbClr val="4C50BB"/>
+                </a:solidFill>
+                <a:latin typeface="G마켓 산스 Medium" panose="02000000000000000000" pitchFamily="50" charset="-127"/>
+                <a:ea typeface="G마켓 산스 Medium" panose="02000000000000000000" pitchFamily="50" charset="-127"/>
+              </a:rPr>
+              <a:t>5</a:t>
+            </a:r>
+            <a:r>
+              <a:rPr lang="ko-KR" altLang="en-US" sz="3200" dirty="0">
+                <a:solidFill>
+                  <a:srgbClr val="4C50BB"/>
+                </a:solidFill>
+                <a:latin typeface="G마켓 산스 Medium" panose="02000000000000000000" pitchFamily="50" charset="-127"/>
+                <a:ea typeface="G마켓 산스 Medium" panose="02000000000000000000" pitchFamily="50" charset="-127"/>
+              </a:rPr>
+              <a:t>를 더한다</a:t>
+            </a:r>
+            <a:r>
+              <a:rPr lang="en-US" altLang="ko-KR" sz="3200" dirty="0">
+                <a:solidFill>
+                  <a:srgbClr val="4C50BB"/>
+                </a:solidFill>
+                <a:latin typeface="G마켓 산스 Medium" panose="02000000000000000000" pitchFamily="50" charset="-127"/>
+                <a:ea typeface="G마켓 산스 Medium" panose="02000000000000000000" pitchFamily="50" charset="-127"/>
+              </a:rPr>
+              <a:t>.)</a:t>
+            </a:r>
+          </a:p>
+          <a:p>
+            <a:r>
+              <a:rPr lang="en-US" altLang="ko-KR" sz="3200" dirty="0">
+                <a:solidFill>
+                  <a:srgbClr val="4C50BB"/>
+                </a:solidFill>
+                <a:latin typeface="G마켓 산스 Medium" panose="02000000000000000000" pitchFamily="50" charset="-127"/>
+                <a:ea typeface="G마켓 산스 Medium" panose="02000000000000000000" pitchFamily="50" charset="-127"/>
+              </a:rPr>
+              <a:t>5. (int)378.2777777</a:t>
+            </a:r>
+            <a:r>
+              <a:rPr lang="ko-KR" altLang="en-US" sz="3200" dirty="0">
+                <a:solidFill>
+                  <a:srgbClr val="4C50BB"/>
+                </a:solidFill>
+                <a:latin typeface="G마켓 산스 Medium" panose="02000000000000000000" pitchFamily="50" charset="-127"/>
+                <a:ea typeface="G마켓 산스 Medium" panose="02000000000000000000" pitchFamily="50" charset="-127"/>
+              </a:rPr>
+              <a:t>  </a:t>
+            </a:r>
+            <a:r>
+              <a:rPr lang="en-US" altLang="ko-KR" sz="3200" dirty="0">
+                <a:solidFill>
+                  <a:srgbClr val="4C50BB"/>
+                </a:solidFill>
+                <a:latin typeface="G마켓 산스 Medium" panose="02000000000000000000" pitchFamily="50" charset="-127"/>
+                <a:ea typeface="G마켓 산스 Medium" panose="02000000000000000000" pitchFamily="50" charset="-127"/>
+              </a:rPr>
+              <a:t>=&gt; </a:t>
+            </a:r>
+            <a:r>
+              <a:rPr lang="ko-KR" altLang="en-US" sz="3200" dirty="0">
+                <a:solidFill>
+                  <a:srgbClr val="4C50BB"/>
+                </a:solidFill>
+                <a:latin typeface="G마켓 산스 Medium" panose="02000000000000000000" pitchFamily="50" charset="-127"/>
+                <a:ea typeface="G마켓 산스 Medium" panose="02000000000000000000" pitchFamily="50" charset="-127"/>
+              </a:rPr>
+              <a:t>둘째자리에서 </a:t>
+            </a:r>
+            <a:r>
+              <a:rPr lang="ko-KR" altLang="en-US" sz="3200" dirty="0" err="1">
+                <a:solidFill>
+                  <a:srgbClr val="4C50BB"/>
+                </a:solidFill>
+                <a:latin typeface="G마켓 산스 Medium" panose="02000000000000000000" pitchFamily="50" charset="-127"/>
+                <a:ea typeface="G마켓 산스 Medium" panose="02000000000000000000" pitchFamily="50" charset="-127"/>
+              </a:rPr>
+              <a:t>반올림한다는것은</a:t>
+            </a:r>
+            <a:r>
+              <a:rPr lang="ko-KR" altLang="en-US" sz="3200" dirty="0">
+                <a:solidFill>
+                  <a:srgbClr val="4C50BB"/>
+                </a:solidFill>
+                <a:latin typeface="G마켓 산스 Medium" panose="02000000000000000000" pitchFamily="50" charset="-127"/>
+                <a:ea typeface="G마켓 산스 Medium" panose="02000000000000000000" pitchFamily="50" charset="-127"/>
+              </a:rPr>
+              <a:t> 첫째자리만 남기고 </a:t>
+            </a:r>
+            <a:r>
+              <a:rPr lang="ko-KR" altLang="en-US" sz="3200" dirty="0" err="1">
+                <a:solidFill>
+                  <a:srgbClr val="4C50BB"/>
+                </a:solidFill>
+                <a:latin typeface="G마켓 산스 Medium" panose="02000000000000000000" pitchFamily="50" charset="-127"/>
+                <a:ea typeface="G마켓 산스 Medium" panose="02000000000000000000" pitchFamily="50" charset="-127"/>
+              </a:rPr>
+              <a:t>버린다는것이다</a:t>
+            </a:r>
+            <a:r>
+              <a:rPr lang="en-US" altLang="ko-KR" sz="3200" dirty="0">
+                <a:solidFill>
+                  <a:srgbClr val="4C50BB"/>
+                </a:solidFill>
+                <a:latin typeface="G마켓 산스 Medium" panose="02000000000000000000" pitchFamily="50" charset="-127"/>
+                <a:ea typeface="G마켓 산스 Medium" panose="02000000000000000000" pitchFamily="50" charset="-127"/>
+              </a:rPr>
+              <a:t>.</a:t>
+            </a:r>
+            <a:r>
+              <a:rPr lang="ko-KR" altLang="en-US" sz="3200" dirty="0">
+                <a:solidFill>
+                  <a:srgbClr val="4C50BB"/>
+                </a:solidFill>
+                <a:latin typeface="G마켓 산스 Medium" panose="02000000000000000000" pitchFamily="50" charset="-127"/>
+                <a:ea typeface="G마켓 산스 Medium" panose="02000000000000000000" pitchFamily="50" charset="-127"/>
+              </a:rPr>
+              <a:t>따라서 </a:t>
+            </a:r>
+            <a:r>
+              <a:rPr lang="en-US" altLang="ko-KR" sz="3200" dirty="0">
+                <a:solidFill>
+                  <a:srgbClr val="4C50BB"/>
+                </a:solidFill>
+                <a:latin typeface="G마켓 산스 Medium" panose="02000000000000000000" pitchFamily="50" charset="-127"/>
+                <a:ea typeface="G마켓 산스 Medium" panose="02000000000000000000" pitchFamily="50" charset="-127"/>
+              </a:rPr>
+              <a:t>int </a:t>
+            </a:r>
+            <a:r>
+              <a:rPr lang="ko-KR" altLang="en-US" sz="3200" dirty="0">
+                <a:solidFill>
+                  <a:srgbClr val="4C50BB"/>
+                </a:solidFill>
+                <a:latin typeface="G마켓 산스 Medium" panose="02000000000000000000" pitchFamily="50" charset="-127"/>
+                <a:ea typeface="G마켓 산스 Medium" panose="02000000000000000000" pitchFamily="50" charset="-127"/>
+              </a:rPr>
+              <a:t>형태로 </a:t>
+            </a:r>
+            <a:r>
+              <a:rPr lang="ko-KR" altLang="en-US" sz="3200" dirty="0" err="1">
+                <a:solidFill>
+                  <a:srgbClr val="4C50BB"/>
+                </a:solidFill>
+                <a:latin typeface="G마켓 산스 Medium" panose="02000000000000000000" pitchFamily="50" charset="-127"/>
+                <a:ea typeface="G마켓 산스 Medium" panose="02000000000000000000" pitchFamily="50" charset="-127"/>
+              </a:rPr>
+              <a:t>바꿔줌으로써</a:t>
+            </a:r>
+            <a:r>
+              <a:rPr lang="ko-KR" altLang="en-US" sz="3200" dirty="0">
+                <a:solidFill>
+                  <a:srgbClr val="4C50BB"/>
+                </a:solidFill>
+                <a:latin typeface="G마켓 산스 Medium" panose="02000000000000000000" pitchFamily="50" charset="-127"/>
+                <a:ea typeface="G마켓 산스 Medium" panose="02000000000000000000" pitchFamily="50" charset="-127"/>
+              </a:rPr>
+              <a:t> 소수점을 모두 날려버린다</a:t>
+            </a:r>
+            <a:r>
+              <a:rPr lang="en-US" altLang="ko-KR" sz="3200" dirty="0">
+                <a:solidFill>
+                  <a:srgbClr val="4C50BB"/>
+                </a:solidFill>
+                <a:latin typeface="G마켓 산스 Medium" panose="02000000000000000000" pitchFamily="50" charset="-127"/>
+                <a:ea typeface="G마켓 산스 Medium" panose="02000000000000000000" pitchFamily="50" charset="-127"/>
+              </a:rPr>
+              <a:t>.</a:t>
+            </a:r>
+          </a:p>
+          <a:p>
+            <a:r>
+              <a:rPr lang="en-US" altLang="ko-KR" sz="3200" dirty="0">
+                <a:solidFill>
+                  <a:srgbClr val="4C50BB"/>
+                </a:solidFill>
+                <a:latin typeface="G마켓 산스 Medium" panose="02000000000000000000" pitchFamily="50" charset="-127"/>
+                <a:ea typeface="G마켓 산스 Medium" panose="02000000000000000000" pitchFamily="50" charset="-127"/>
+              </a:rPr>
+              <a:t>6. 378/10f =&gt;  37.8   (</a:t>
+            </a:r>
+            <a:r>
+              <a:rPr lang="ko-KR" altLang="en-US" sz="3200" dirty="0">
+                <a:solidFill>
+                  <a:srgbClr val="4C50BB"/>
+                </a:solidFill>
+                <a:latin typeface="G마켓 산스 Medium" panose="02000000000000000000" pitchFamily="50" charset="-127"/>
+                <a:ea typeface="G마켓 산스 Medium" panose="02000000000000000000" pitchFamily="50" charset="-127"/>
+              </a:rPr>
+              <a:t>원래의 소수점자리로 되돌리기 위해 </a:t>
+            </a:r>
+            <a:r>
+              <a:rPr lang="en-US" altLang="ko-KR" sz="3200" dirty="0">
+                <a:solidFill>
+                  <a:srgbClr val="4C50BB"/>
+                </a:solidFill>
+                <a:latin typeface="G마켓 산스 Medium" panose="02000000000000000000" pitchFamily="50" charset="-127"/>
+                <a:ea typeface="G마켓 산스 Medium" panose="02000000000000000000" pitchFamily="50" charset="-127"/>
+              </a:rPr>
+              <a:t>10</a:t>
+            </a:r>
+            <a:r>
+              <a:rPr lang="ko-KR" altLang="en-US" sz="3200" dirty="0">
+                <a:solidFill>
+                  <a:srgbClr val="4C50BB"/>
+                </a:solidFill>
+                <a:latin typeface="G마켓 산스 Medium" panose="02000000000000000000" pitchFamily="50" charset="-127"/>
+                <a:ea typeface="G마켓 산스 Medium" panose="02000000000000000000" pitchFamily="50" charset="-127"/>
+              </a:rPr>
+              <a:t>을 나눈다</a:t>
+            </a:r>
+            <a:r>
+              <a:rPr lang="en-US" altLang="ko-KR" sz="3200" dirty="0">
+                <a:solidFill>
+                  <a:srgbClr val="4C50BB"/>
+                </a:solidFill>
+                <a:latin typeface="G마켓 산스 Medium" panose="02000000000000000000" pitchFamily="50" charset="-127"/>
+                <a:ea typeface="G마켓 산스 Medium" panose="02000000000000000000" pitchFamily="50" charset="-127"/>
+              </a:rPr>
+              <a:t>. 10</a:t>
+            </a:r>
+            <a:r>
+              <a:rPr lang="ko-KR" altLang="en-US" sz="3200" dirty="0">
+                <a:solidFill>
+                  <a:srgbClr val="4C50BB"/>
+                </a:solidFill>
+                <a:latin typeface="G마켓 산스 Medium" panose="02000000000000000000" pitchFamily="50" charset="-127"/>
+                <a:ea typeface="G마켓 산스 Medium" panose="02000000000000000000" pitchFamily="50" charset="-127"/>
+              </a:rPr>
+              <a:t>을 </a:t>
+            </a:r>
+            <a:r>
+              <a:rPr lang="en-US" altLang="ko-KR" sz="3200" dirty="0">
+                <a:solidFill>
+                  <a:srgbClr val="4C50BB"/>
+                </a:solidFill>
+                <a:latin typeface="G마켓 산스 Medium" panose="02000000000000000000" pitchFamily="50" charset="-127"/>
+                <a:ea typeface="G마켓 산스 Medium" panose="02000000000000000000" pitchFamily="50" charset="-127"/>
+              </a:rPr>
+              <a:t>float</a:t>
+            </a:r>
+            <a:r>
+              <a:rPr lang="ko-KR" altLang="en-US" sz="3200" dirty="0">
+                <a:solidFill>
+                  <a:srgbClr val="4C50BB"/>
+                </a:solidFill>
+                <a:latin typeface="G마켓 산스 Medium" panose="02000000000000000000" pitchFamily="50" charset="-127"/>
+                <a:ea typeface="G마켓 산스 Medium" panose="02000000000000000000" pitchFamily="50" charset="-127"/>
+              </a:rPr>
+              <a:t>로 변경하여 </a:t>
+            </a:r>
+            <a:r>
+              <a:rPr lang="ko-KR" altLang="en-US" sz="3200" dirty="0" err="1">
+                <a:solidFill>
+                  <a:srgbClr val="4C50BB"/>
+                </a:solidFill>
+                <a:latin typeface="G마켓 산스 Medium" panose="02000000000000000000" pitchFamily="50" charset="-127"/>
+                <a:ea typeface="G마켓 산스 Medium" panose="02000000000000000000" pitchFamily="50" charset="-127"/>
+              </a:rPr>
+              <a:t>나누는이유는</a:t>
+            </a:r>
+            <a:r>
+              <a:rPr lang="ko-KR" altLang="en-US" sz="3200" dirty="0">
+                <a:solidFill>
+                  <a:srgbClr val="4C50BB"/>
+                </a:solidFill>
+                <a:latin typeface="G마켓 산스 Medium" panose="02000000000000000000" pitchFamily="50" charset="-127"/>
+                <a:ea typeface="G마켓 산스 Medium" panose="02000000000000000000" pitchFamily="50" charset="-127"/>
+              </a:rPr>
+              <a:t> 연산의 결과가 </a:t>
+            </a:r>
+            <a:r>
+              <a:rPr lang="en-US" altLang="ko-KR" sz="3200" dirty="0">
+                <a:solidFill>
+                  <a:srgbClr val="4C50BB"/>
+                </a:solidFill>
+                <a:latin typeface="G마켓 산스 Medium" panose="02000000000000000000" pitchFamily="50" charset="-127"/>
+                <a:ea typeface="G마켓 산스 Medium" panose="02000000000000000000" pitchFamily="50" charset="-127"/>
+              </a:rPr>
+              <a:t>float</a:t>
+            </a:r>
+            <a:r>
+              <a:rPr lang="ko-KR" altLang="en-US" sz="3200" dirty="0">
+                <a:solidFill>
+                  <a:srgbClr val="4C50BB"/>
+                </a:solidFill>
+                <a:latin typeface="G마켓 산스 Medium" panose="02000000000000000000" pitchFamily="50" charset="-127"/>
+                <a:ea typeface="G마켓 산스 Medium" panose="02000000000000000000" pitchFamily="50" charset="-127"/>
+              </a:rPr>
+              <a:t>가 되기 위해서다</a:t>
+            </a:r>
+            <a:r>
+              <a:rPr lang="en-US" altLang="ko-KR" sz="3200" dirty="0">
+                <a:solidFill>
+                  <a:srgbClr val="4C50BB"/>
+                </a:solidFill>
+                <a:latin typeface="G마켓 산스 Medium" panose="02000000000000000000" pitchFamily="50" charset="-127"/>
+                <a:ea typeface="G마켓 산스 Medium" panose="02000000000000000000" pitchFamily="50" charset="-127"/>
+              </a:rPr>
+              <a:t>.</a:t>
+            </a:r>
+          </a:p>
+        </p:txBody>
+      </p:sp>
+      <p:sp>
+        <p:nvSpPr>
+          <p:cNvPr id="12" name="TextBox 11">
+            <a:extLst>
+              <a:ext uri="{FF2B5EF4-FFF2-40B4-BE49-F238E27FC236}">
+                <a16:creationId xmlns:a16="http://schemas.microsoft.com/office/drawing/2014/main" id="{8850C420-DA7E-6356-E4FA-5E2493C1B7D8}"/>
+              </a:ext>
+            </a:extLst>
+          </p:cNvPr>
+          <p:cNvSpPr txBox="1"/>
+          <p:nvPr/>
+        </p:nvSpPr>
+        <p:spPr>
+          <a:xfrm>
+            <a:off x="533400" y="3238500"/>
+            <a:ext cx="1665841" cy="1015663"/>
+          </a:xfrm>
+          <a:prstGeom prst="rect">
+            <a:avLst/>
+          </a:prstGeom>
+          <a:noFill/>
+        </p:spPr>
+        <p:txBody>
+          <a:bodyPr wrap="none" rtlCol="0">
+            <a:spAutoFit/>
+          </a:bodyPr>
+          <a:lstStyle/>
+          <a:p>
+            <a:r>
+              <a:rPr lang="ko-KR" altLang="en-US" sz="6000" dirty="0">
+                <a:solidFill>
+                  <a:srgbClr val="4C50BB"/>
+                </a:solidFill>
+                <a:latin typeface="G마켓 산스 TTF Bold" panose="02000000000000000000" pitchFamily="2" charset="-127"/>
+                <a:ea typeface="G마켓 산스 TTF Bold" panose="02000000000000000000" pitchFamily="2" charset="-127"/>
+              </a:rPr>
+              <a:t>해설</a:t>
+            </a:r>
+            <a:endParaRPr lang="ko-KR" altLang="en-US" sz="800" dirty="0">
+              <a:solidFill>
+                <a:srgbClr val="4C50BB"/>
+              </a:solidFill>
+              <a:latin typeface="G마켓 산스 TTF Bold" panose="02000000000000000000" pitchFamily="2" charset="-127"/>
+              <a:ea typeface="G마켓 산스 TTF Bold" panose="02000000000000000000" pitchFamily="2" charset="-127"/>
+            </a:endParaRPr>
+          </a:p>
+        </p:txBody>
+      </p:sp>
+    </p:spTree>
+    <p:extLst>
+      <p:ext uri="{BB962C8B-B14F-4D97-AF65-F5344CB8AC3E}">
+        <p14:creationId xmlns:p14="http://schemas.microsoft.com/office/powerpoint/2010/main" val="3409592126"/>
+      </p:ext>
+    </p:extLst>
+  </p:cSld>
+  <p:clrMapOvr>
+    <a:masterClrMapping/>
+  </p:clrMapOvr>
 </p:sld>
 </file>
 
@@ -5754,13 +6472,6 @@
   <p:clrMapOvr>
     <a:masterClrMapping/>
   </p:clrMapOvr>
-  <p:timing>
-    <p:tnLst>
-      <p:par>
-        <p:cTn id="1" dur="indefinite" restart="never" nodeType="tmRoot"/>
-      </p:par>
-    </p:tnLst>
-  </p:timing>
 </p:sld>
 </file>
 
@@ -5810,7 +6521,7 @@
           <a:lstStyle/>
           <a:p>
             <a:r>
-              <a:rPr lang="ko-KR" altLang="en-US" sz="4800" smtClean="0">
+              <a:rPr lang="ko-KR" altLang="en-US" sz="4800">
                 <a:solidFill>
                   <a:srgbClr val="4C50BC"/>
                 </a:solidFill>
@@ -5820,7 +6531,7 @@
               <a:t>실습 문제 </a:t>
             </a:r>
             <a:r>
-              <a:rPr lang="en-US" altLang="ko-KR" sz="4800" smtClean="0">
+              <a:rPr lang="en-US" altLang="ko-KR" sz="4800">
                 <a:solidFill>
                   <a:srgbClr val="4C50BC"/>
                 </a:solidFill>
@@ -5868,7 +6579,7 @@
           <a:lstStyle/>
           <a:p>
             <a:r>
-              <a:rPr lang="en-US" altLang="ko-KR" sz="3600" smtClean="0">
+              <a:rPr lang="en-US" altLang="ko-KR" sz="3600">
                 <a:solidFill>
                   <a:srgbClr val="4C50BC"/>
                 </a:solidFill>
@@ -5878,7 +6589,7 @@
               <a:t>1.</a:t>
             </a:r>
             <a:r>
-              <a:rPr lang="ko-KR" altLang="en-US" sz="3600" smtClean="0">
+              <a:rPr lang="ko-KR" altLang="en-US" sz="3600">
                 <a:solidFill>
                   <a:srgbClr val="4C50BC"/>
                 </a:solidFill>
@@ -5888,7 +6599,7 @@
               <a:t>반지름 </a:t>
             </a:r>
             <a:r>
-              <a:rPr lang="en-US" altLang="ko-KR" sz="3600" smtClean="0">
+              <a:rPr lang="en-US" altLang="ko-KR" sz="3600">
                 <a:solidFill>
                   <a:srgbClr val="4C50BC"/>
                 </a:solidFill>
@@ -5898,15 +6609,27 @@
               <a:t>1.5cm</a:t>
             </a:r>
             <a:r>
-              <a:rPr lang="ko-KR" altLang="en-US" sz="3600" smtClean="0">
+              <a:rPr lang="ko-KR" altLang="en-US" sz="3600">
                 <a:solidFill>
                   <a:srgbClr val="4C50BC"/>
                 </a:solidFill>
                 <a:latin typeface="G마켓 산스 Medium" panose="02000000000000000000" pitchFamily="50" charset="-127"/>
                 <a:ea typeface="G마켓 산스 Medium" panose="02000000000000000000" pitchFamily="50" charset="-127"/>
               </a:rPr>
-              <a:t>인 원의 둘레</a:t>
-            </a:r>
+              <a:t>인 원의 둘레를 구하는 프로그램을 만들어 보자</a:t>
+            </a:r>
+            <a:r>
+              <a:rPr lang="en-US" altLang="ko-KR" sz="3600">
+                <a:solidFill>
+                  <a:srgbClr val="4C50BC"/>
+                </a:solidFill>
+                <a:latin typeface="G마켓 산스 Medium" panose="02000000000000000000" pitchFamily="50" charset="-127"/>
+                <a:ea typeface="G마켓 산스 Medium" panose="02000000000000000000" pitchFamily="50" charset="-127"/>
+              </a:rPr>
+              <a:t>.</a:t>
+            </a:r>
+          </a:p>
+          <a:p>
             <a:r>
               <a:rPr lang="ko-KR" altLang="en-US" sz="3600">
                 <a:solidFill>
@@ -5915,82 +6638,50 @@
                 <a:latin typeface="G마켓 산스 Medium" panose="02000000000000000000" pitchFamily="50" charset="-127"/>
                 <a:ea typeface="G마켓 산스 Medium" panose="02000000000000000000" pitchFamily="50" charset="-127"/>
               </a:rPr>
-              <a:t>를</a:t>
-            </a:r>
-            <a:r>
-              <a:rPr lang="ko-KR" altLang="en-US" sz="3600" smtClean="0">
+              <a:t>   둘레구하는 공식 </a:t>
+            </a:r>
+            <a:r>
+              <a:rPr lang="en-US" altLang="ko-KR" sz="3600">
                 <a:solidFill>
                   <a:srgbClr val="4C50BC"/>
                 </a:solidFill>
                 <a:latin typeface="G마켓 산스 Medium" panose="02000000000000000000" pitchFamily="50" charset="-127"/>
                 <a:ea typeface="G마켓 산스 Medium" panose="02000000000000000000" pitchFamily="50" charset="-127"/>
               </a:rPr>
-              <a:t> 구하는 프로그램을 만들어 보자</a:t>
-            </a:r>
-            <a:r>
-              <a:rPr lang="en-US" altLang="ko-KR" sz="3600" smtClean="0">
+              <a:t>:  2 * </a:t>
+            </a:r>
+            <a:r>
+              <a:rPr lang="ko-KR" altLang="en-US" sz="3600">
                 <a:solidFill>
                   <a:srgbClr val="4C50BC"/>
                 </a:solidFill>
                 <a:latin typeface="G마켓 산스 Medium" panose="02000000000000000000" pitchFamily="50" charset="-127"/>
                 <a:ea typeface="G마켓 산스 Medium" panose="02000000000000000000" pitchFamily="50" charset="-127"/>
               </a:rPr>
-              <a:t>.</a:t>
-            </a:r>
-          </a:p>
-          <a:p>
-            <a:r>
-              <a:rPr lang="ko-KR" altLang="en-US" sz="3600" smtClean="0">
+              <a:t>반지름</a:t>
+            </a:r>
+            <a:r>
+              <a:rPr lang="en-US" altLang="ko-KR" sz="3600">
                 <a:solidFill>
                   <a:srgbClr val="4C50BC"/>
                 </a:solidFill>
                 <a:latin typeface="G마켓 산스 Medium" panose="02000000000000000000" pitchFamily="50" charset="-127"/>
                 <a:ea typeface="G마켓 산스 Medium" panose="02000000000000000000" pitchFamily="50" charset="-127"/>
               </a:rPr>
-              <a:t>   둘레구하는 공식 </a:t>
-            </a:r>
-            <a:r>
-              <a:rPr lang="en-US" altLang="ko-KR" sz="3600" smtClean="0">
+              <a:t>* PI   </a:t>
+            </a:r>
+            <a:r>
+              <a:rPr lang="ko-KR" altLang="en-US" sz="3600">
                 <a:solidFill>
                   <a:srgbClr val="4C50BC"/>
                 </a:solidFill>
                 <a:latin typeface="G마켓 산스 Medium" panose="02000000000000000000" pitchFamily="50" charset="-127"/>
                 <a:ea typeface="G마켓 산스 Medium" panose="02000000000000000000" pitchFamily="50" charset="-127"/>
               </a:rPr>
-              <a:t>:  2 * </a:t>
-            </a:r>
-            <a:r>
-              <a:rPr lang="ko-KR" altLang="en-US" sz="3600" smtClean="0">
-                <a:solidFill>
-                  <a:srgbClr val="4C50BC"/>
-                </a:solidFill>
-                <a:latin typeface="G마켓 산스 Medium" panose="02000000000000000000" pitchFamily="50" charset="-127"/>
-                <a:ea typeface="G마켓 산스 Medium" panose="02000000000000000000" pitchFamily="50" charset="-127"/>
-              </a:rPr>
-              <a:t>반지름</a:t>
-            </a:r>
-            <a:r>
-              <a:rPr lang="en-US" altLang="ko-KR" sz="3600" smtClean="0">
-                <a:solidFill>
-                  <a:srgbClr val="4C50BC"/>
-                </a:solidFill>
-                <a:latin typeface="G마켓 산스 Medium" panose="02000000000000000000" pitchFamily="50" charset="-127"/>
-                <a:ea typeface="G마켓 산스 Medium" panose="02000000000000000000" pitchFamily="50" charset="-127"/>
-              </a:rPr>
-              <a:t>* PI   </a:t>
-            </a:r>
-            <a:r>
-              <a:rPr lang="ko-KR" altLang="en-US" sz="3600" smtClean="0">
-                <a:solidFill>
-                  <a:srgbClr val="4C50BC"/>
-                </a:solidFill>
-                <a:latin typeface="G마켓 산스 Medium" panose="02000000000000000000" pitchFamily="50" charset="-127"/>
-                <a:ea typeface="G마켓 산스 Medium" panose="02000000000000000000" pitchFamily="50" charset="-127"/>
-              </a:rPr>
               <a:t>원주율은 </a:t>
             </a:r>
             <a:r>
-              <a:rPr lang="en-US" altLang="ko-KR" sz="3600" smtClean="0">
+              <a:rPr lang="en-US" altLang="ko-KR" sz="3600">
                 <a:solidFill>
                   <a:srgbClr val="FF0000"/>
                 </a:solidFill>
@@ -6057,6 +6748,147 @@
           </a:prstGeom>
         </p:spPr>
       </p:pic>
+      <p:sp>
+        <p:nvSpPr>
+          <p:cNvPr id="7" name="TextBox 6">
+            <a:extLst>
+              <a:ext uri="{FF2B5EF4-FFF2-40B4-BE49-F238E27FC236}">
+                <a16:creationId xmlns:a16="http://schemas.microsoft.com/office/drawing/2014/main" id="{B5E6B2AD-646C-C1F0-CA4F-65DD4E00B6F0}"/>
+              </a:ext>
+            </a:extLst>
+          </p:cNvPr>
+          <p:cNvSpPr txBox="1"/>
+          <p:nvPr/>
+        </p:nvSpPr>
+        <p:spPr>
+          <a:xfrm>
+            <a:off x="2057400" y="7560921"/>
+            <a:ext cx="11887200" cy="1200329"/>
+          </a:xfrm>
+          <a:prstGeom prst="rect">
+            <a:avLst/>
+          </a:prstGeom>
+          <a:noFill/>
+        </p:spPr>
+        <p:txBody>
+          <a:bodyPr wrap="square" rtlCol="0">
+            <a:spAutoFit/>
+          </a:bodyPr>
+          <a:lstStyle/>
+          <a:p>
+            <a:r>
+              <a:rPr lang="ko-KR" altLang="en-US" sz="3600" dirty="0">
+                <a:solidFill>
+                  <a:srgbClr val="4C50BB"/>
+                </a:solidFill>
+                <a:latin typeface="G마켓 산스 Medium" panose="02000000000000000000" pitchFamily="50" charset="-127"/>
+                <a:ea typeface="G마켓 산스 Medium" panose="02000000000000000000" pitchFamily="50" charset="-127"/>
+              </a:rPr>
+              <a:t>원주율은 변경되면 안되므로 상수 키워드를 사용한다</a:t>
+            </a:r>
+            <a:r>
+              <a:rPr lang="en-US" altLang="ko-KR" sz="3600" dirty="0">
+                <a:solidFill>
+                  <a:srgbClr val="4C50BB"/>
+                </a:solidFill>
+                <a:latin typeface="G마켓 산스 Medium" panose="02000000000000000000" pitchFamily="50" charset="-127"/>
+                <a:ea typeface="G마켓 산스 Medium" panose="02000000000000000000" pitchFamily="50" charset="-127"/>
+              </a:rPr>
+              <a:t>.</a:t>
+            </a:r>
+          </a:p>
+          <a:p>
+            <a:r>
+              <a:rPr lang="ko-KR" altLang="en-US" sz="3600" dirty="0">
+                <a:solidFill>
+                  <a:srgbClr val="4C50BB"/>
+                </a:solidFill>
+                <a:latin typeface="G마켓 산스 Medium" panose="02000000000000000000" pitchFamily="50" charset="-127"/>
+                <a:ea typeface="G마켓 산스 Medium" panose="02000000000000000000" pitchFamily="50" charset="-127"/>
+              </a:rPr>
+              <a:t>자바에서 곱셈은 </a:t>
+            </a:r>
+            <a:r>
+              <a:rPr lang="en-US" altLang="ko-KR" sz="3600" dirty="0">
+                <a:solidFill>
+                  <a:srgbClr val="4C50BB"/>
+                </a:solidFill>
+                <a:latin typeface="G마켓 산스 Medium" panose="02000000000000000000" pitchFamily="50" charset="-127"/>
+                <a:ea typeface="G마켓 산스 Medium" panose="02000000000000000000" pitchFamily="50" charset="-127"/>
+              </a:rPr>
+              <a:t>* </a:t>
+            </a:r>
+            <a:r>
+              <a:rPr lang="ko-KR" altLang="en-US" sz="3600" dirty="0">
+                <a:solidFill>
+                  <a:srgbClr val="4C50BB"/>
+                </a:solidFill>
+                <a:latin typeface="G마켓 산스 Medium" panose="02000000000000000000" pitchFamily="50" charset="-127"/>
+                <a:ea typeface="G마켓 산스 Medium" panose="02000000000000000000" pitchFamily="50" charset="-127"/>
+              </a:rPr>
+              <a:t>로 표현된다</a:t>
+            </a:r>
+            <a:r>
+              <a:rPr lang="en-US" altLang="ko-KR" sz="3600" dirty="0">
+                <a:solidFill>
+                  <a:srgbClr val="4C50BB"/>
+                </a:solidFill>
+                <a:latin typeface="G마켓 산스 Medium" panose="02000000000000000000" pitchFamily="50" charset="-127"/>
+                <a:ea typeface="G마켓 산스 Medium" panose="02000000000000000000" pitchFamily="50" charset="-127"/>
+              </a:rPr>
+              <a:t>.</a:t>
+            </a:r>
+          </a:p>
+        </p:txBody>
+      </p:sp>
+      <p:sp>
+        <p:nvSpPr>
+          <p:cNvPr id="11" name="TextBox 10">
+            <a:extLst>
+              <a:ext uri="{FF2B5EF4-FFF2-40B4-BE49-F238E27FC236}">
+                <a16:creationId xmlns:a16="http://schemas.microsoft.com/office/drawing/2014/main" id="{24A09EC8-F3E3-0F08-52FC-D4EC74620336}"/>
+              </a:ext>
+            </a:extLst>
+          </p:cNvPr>
+          <p:cNvSpPr txBox="1"/>
+          <p:nvPr/>
+        </p:nvSpPr>
+        <p:spPr>
+          <a:xfrm>
+            <a:off x="993406" y="6324558"/>
+            <a:ext cx="1665841" cy="1015663"/>
+          </a:xfrm>
+          <a:prstGeom prst="rect">
+            <a:avLst/>
+          </a:prstGeom>
+          <a:noFill/>
+        </p:spPr>
+        <p:txBody>
+          <a:bodyPr wrap="none" rtlCol="0">
+            <a:spAutoFit/>
+          </a:bodyPr>
+          <a:lstStyle/>
+          <a:p>
+            <a:r>
+              <a:rPr lang="ko-KR" altLang="en-US" sz="6000" dirty="0">
+                <a:solidFill>
+                  <a:srgbClr val="4C50BB"/>
+                </a:solidFill>
+                <a:latin typeface="G마켓 산스 TTF Bold" panose="02000000000000000000" pitchFamily="2" charset="-127"/>
+                <a:ea typeface="G마켓 산스 TTF Bold" panose="02000000000000000000" pitchFamily="2" charset="-127"/>
+              </a:rPr>
+              <a:t>해설</a:t>
+            </a:r>
+            <a:endParaRPr lang="ko-KR" altLang="en-US" sz="800" dirty="0">
+              <a:solidFill>
+                <a:srgbClr val="4C50BB"/>
+              </a:solidFill>
+              <a:latin typeface="G마켓 산스 TTF Bold" panose="02000000000000000000" pitchFamily="2" charset="-127"/>
+              <a:ea typeface="G마켓 산스 TTF Bold" panose="02000000000000000000" pitchFamily="2" charset="-127"/>
+            </a:endParaRPr>
+          </a:p>
+        </p:txBody>
+      </p:sp>
     </p:spTree>
     <p:extLst>
       <p:ext uri="{BB962C8B-B14F-4D97-AF65-F5344CB8AC3E}">
@@ -6067,13 +6899,6 @@
   <p:clrMapOvr>
     <a:masterClrMapping/>
   </p:clrMapOvr>
-  <p:timing>
-    <p:tnLst>
-      <p:par>
-        <p:cTn id="1" dur="indefinite" restart="never" nodeType="tmRoot"/>
-      </p:par>
-    </p:tnLst>
-  </p:timing>
 </p:sld>
 </file>
 
@@ -6108,7 +6933,7 @@
         </p:nvSpPr>
         <p:spPr>
           <a:xfrm>
-            <a:off x="1676400" y="800100"/>
+            <a:off x="1295400" y="114300"/>
             <a:ext cx="16687800" cy="1754326"/>
           </a:xfrm>
           <a:prstGeom prst="rect">
@@ -6123,7 +6948,7 @@
           <a:lstStyle/>
           <a:p>
             <a:r>
-              <a:rPr lang="en-US" altLang="ko-KR" sz="3600" smtClean="0">
+              <a:rPr lang="en-US" altLang="ko-KR" sz="3600" dirty="0">
                 <a:solidFill>
                   <a:srgbClr val="4C50BC"/>
                 </a:solidFill>
@@ -6133,7 +6958,7 @@
               <a:t>2.int</a:t>
             </a:r>
             <a:r>
-              <a:rPr lang="ko-KR" altLang="en-US" sz="3600" smtClean="0">
+              <a:rPr lang="ko-KR" altLang="en-US" sz="3600" dirty="0">
                 <a:solidFill>
                   <a:srgbClr val="4C50BC"/>
                 </a:solidFill>
@@ -6143,7 +6968,7 @@
               <a:t>형 변수 </a:t>
             </a:r>
             <a:r>
-              <a:rPr lang="en-US" altLang="ko-KR" sz="3600" smtClean="0">
+              <a:rPr lang="en-US" altLang="ko-KR" sz="3600" dirty="0" err="1">
                 <a:solidFill>
                   <a:srgbClr val="4C50BC"/>
                 </a:solidFill>
@@ -6153,7 +6978,7 @@
               <a:t>a,b</a:t>
             </a:r>
             <a:r>
-              <a:rPr lang="ko-KR" altLang="en-US" sz="3600" smtClean="0">
+              <a:rPr lang="ko-KR" altLang="en-US" sz="3600" dirty="0">
                 <a:solidFill>
                   <a:srgbClr val="4C50BC"/>
                 </a:solidFill>
@@ -6163,7 +6988,7 @@
               <a:t>를 선언하여 각각 </a:t>
             </a:r>
             <a:r>
-              <a:rPr lang="en-US" altLang="ko-KR" sz="3600" smtClean="0">
+              <a:rPr lang="en-US" altLang="ko-KR" sz="3600" dirty="0">
                 <a:solidFill>
                   <a:srgbClr val="4C50BC"/>
                 </a:solidFill>
@@ -6173,7 +6998,7 @@
               <a:t>100</a:t>
             </a:r>
             <a:r>
-              <a:rPr lang="ko-KR" altLang="en-US" sz="3600" smtClean="0">
+              <a:rPr lang="ko-KR" altLang="en-US" sz="3600" dirty="0">
                 <a:solidFill>
                   <a:srgbClr val="4C50BC"/>
                 </a:solidFill>
@@ -6183,7 +7008,7 @@
               <a:t>만 </a:t>
             </a:r>
             <a:r>
-              <a:rPr lang="en-US" altLang="ko-KR" sz="3600" smtClean="0">
+              <a:rPr lang="en-US" altLang="ko-KR" sz="3600" dirty="0">
                 <a:solidFill>
                   <a:srgbClr val="4C50BC"/>
                 </a:solidFill>
@@ -6193,16 +7018,36 @@
               <a:t>, 200</a:t>
             </a:r>
             <a:r>
-              <a:rPr lang="ko-KR" altLang="en-US" sz="3600" smtClean="0">
+              <a:rPr lang="ko-KR" altLang="en-US" sz="3600" dirty="0">
                 <a:solidFill>
                   <a:srgbClr val="4C50BC"/>
                 </a:solidFill>
                 <a:latin typeface="G마켓 산스 Medium" panose="02000000000000000000" pitchFamily="50" charset="-127"/>
                 <a:ea typeface="G마켓 산스 Medium" panose="02000000000000000000" pitchFamily="50" charset="-127"/>
               </a:rPr>
-              <a:t>만으로 값을 초기화 한뒤 </a:t>
-            </a:r>
-            <a:endParaRPr lang="en-US" altLang="ko-KR" sz="3600" smtClean="0">
+              <a:t>만으로 값을 초기화 </a:t>
+            </a:r>
+            <a:r>
+              <a:rPr lang="ko-KR" altLang="en-US" sz="3600" dirty="0" err="1">
+                <a:solidFill>
+                  <a:srgbClr val="4C50BC"/>
+                </a:solidFill>
+                <a:latin typeface="G마켓 산스 Medium" panose="02000000000000000000" pitchFamily="50" charset="-127"/>
+                <a:ea typeface="G마켓 산스 Medium" panose="02000000000000000000" pitchFamily="50" charset="-127"/>
+              </a:rPr>
+              <a:t>한뒤</a:t>
+            </a:r>
+            <a:r>
+              <a:rPr lang="ko-KR" altLang="en-US" sz="3600" dirty="0">
+                <a:solidFill>
+                  <a:srgbClr val="4C50BC"/>
+                </a:solidFill>
+                <a:latin typeface="G마켓 산스 Medium" panose="02000000000000000000" pitchFamily="50" charset="-127"/>
+                <a:ea typeface="G마켓 산스 Medium" panose="02000000000000000000" pitchFamily="50" charset="-127"/>
+              </a:rPr>
+              <a:t> </a:t>
+            </a:r>
+            <a:endParaRPr lang="en-US" altLang="ko-KR" sz="3600" dirty="0">
               <a:solidFill>
                 <a:srgbClr val="4C50BC"/>
               </a:solidFill>
@@ -6212,7 +7057,7 @@
           </a:p>
           <a:p>
             <a:r>
-              <a:rPr lang="en-US" altLang="ko-KR" sz="3600" smtClean="0">
+              <a:rPr lang="en-US" altLang="ko-KR" sz="3600" dirty="0">
                 <a:solidFill>
                   <a:srgbClr val="4C50BC"/>
                 </a:solidFill>
@@ -6222,7 +7067,7 @@
               <a:t>a </a:t>
             </a:r>
             <a:r>
-              <a:rPr lang="ko-KR" altLang="en-US" sz="3600" smtClean="0">
+              <a:rPr lang="ko-KR" altLang="en-US" sz="3600" dirty="0">
                 <a:solidFill>
                   <a:srgbClr val="4C50BC"/>
                 </a:solidFill>
@@ -6232,7 +7077,7 @@
               <a:t>곱하기 </a:t>
             </a:r>
             <a:r>
-              <a:rPr lang="en-US" altLang="ko-KR" sz="3600" smtClean="0">
+              <a:rPr lang="en-US" altLang="ko-KR" sz="3600" dirty="0">
                 <a:solidFill>
                   <a:srgbClr val="4C50BC"/>
                 </a:solidFill>
@@ -6242,7 +7087,7 @@
               <a:t>b </a:t>
             </a:r>
             <a:r>
-              <a:rPr lang="ko-KR" altLang="en-US" sz="3600" smtClean="0">
+              <a:rPr lang="ko-KR" altLang="en-US" sz="3600" dirty="0">
                 <a:solidFill>
                   <a:srgbClr val="4C50BC"/>
                 </a:solidFill>
@@ -6252,7 +7097,7 @@
               <a:t>를 하여 </a:t>
             </a:r>
             <a:r>
-              <a:rPr lang="en-US" altLang="ko-KR" sz="3600" smtClean="0">
+              <a:rPr lang="en-US" altLang="ko-KR" sz="3600" dirty="0">
                 <a:solidFill>
                   <a:srgbClr val="4C50BC"/>
                 </a:solidFill>
@@ -6262,7 +7107,7 @@
               <a:t>C</a:t>
             </a:r>
             <a:r>
-              <a:rPr lang="ko-KR" altLang="en-US" sz="3600" smtClean="0">
+              <a:rPr lang="ko-KR" altLang="en-US" sz="3600" dirty="0">
                 <a:solidFill>
                   <a:srgbClr val="4C50BC"/>
                 </a:solidFill>
@@ -6272,7 +7117,7 @@
               <a:t>변수에 담아 출력 하는 프로그램을 만들자</a:t>
             </a:r>
             <a:r>
-              <a:rPr lang="en-US" altLang="ko-KR" sz="3600" smtClean="0">
+              <a:rPr lang="en-US" altLang="ko-KR" sz="3600" dirty="0">
                 <a:solidFill>
                   <a:srgbClr val="4C50BC"/>
                 </a:solidFill>
@@ -6284,7 +7129,7 @@
           </a:p>
           <a:p>
             <a:r>
-              <a:rPr lang="en-US" altLang="ko-KR" sz="3600" smtClean="0">
+              <a:rPr lang="en-US" altLang="ko-KR" sz="3600" dirty="0">
                 <a:solidFill>
                   <a:srgbClr val="FF0000"/>
                 </a:solidFill>
@@ -6294,17 +7139,27 @@
               <a:t>*</a:t>
             </a:r>
             <a:r>
-              <a:rPr lang="ko-KR" altLang="en-US" sz="3600" smtClean="0">
+              <a:rPr lang="ko-KR" altLang="en-US" sz="3600" dirty="0" err="1">
                 <a:solidFill>
                   <a:srgbClr val="FF0000"/>
                 </a:solidFill>
                 <a:latin typeface="G마켓 산스 Medium" panose="02000000000000000000" pitchFamily="50" charset="-127"/>
                 <a:ea typeface="G마켓 산스 Medium" panose="02000000000000000000" pitchFamily="50" charset="-127"/>
               </a:rPr>
-              <a:t>오버플로우를 조심하자</a:t>
-            </a:r>
-            <a:r>
-              <a:rPr lang="en-US" altLang="ko-KR" sz="3600" smtClean="0">
+              <a:t>오버플로우를</a:t>
+            </a:r>
+            <a:r>
+              <a:rPr lang="ko-KR" altLang="en-US" sz="3600" dirty="0">
+                <a:solidFill>
+                  <a:srgbClr val="FF0000"/>
+                </a:solidFill>
+                <a:latin typeface="G마켓 산스 Medium" panose="02000000000000000000" pitchFamily="50" charset="-127"/>
+                <a:ea typeface="G마켓 산스 Medium" panose="02000000000000000000" pitchFamily="50" charset="-127"/>
+              </a:rPr>
+              <a:t> 조심하자</a:t>
+            </a:r>
+            <a:r>
+              <a:rPr lang="en-US" altLang="ko-KR" sz="3600" dirty="0">
                 <a:solidFill>
                   <a:srgbClr val="FF0000"/>
                 </a:solidFill>
@@ -6339,7 +7194,7 @@
         </p:blipFill>
         <p:spPr>
           <a:xfrm>
-            <a:off x="1066800" y="3214366"/>
+            <a:off x="1066800" y="1995166"/>
             <a:ext cx="11411354" cy="5129534"/>
           </a:xfrm>
           <a:prstGeom prst="rect">
@@ -6363,7 +7218,7 @@
         </p:blipFill>
         <p:spPr>
           <a:xfrm>
-            <a:off x="12538262" y="3162300"/>
+            <a:off x="12538262" y="1943100"/>
             <a:ext cx="4987738" cy="2191145"/>
           </a:xfrm>
           <a:prstGeom prst="rect">
@@ -6371,6 +7226,323 @@
           </a:prstGeom>
         </p:spPr>
       </p:pic>
+      <p:sp>
+        <p:nvSpPr>
+          <p:cNvPr id="2" name="TextBox 1">
+            <a:extLst>
+              <a:ext uri="{FF2B5EF4-FFF2-40B4-BE49-F238E27FC236}">
+                <a16:creationId xmlns:a16="http://schemas.microsoft.com/office/drawing/2014/main" id="{27CBE647-1812-08EA-7728-8AC16F281B7B}"/>
+              </a:ext>
+            </a:extLst>
+          </p:cNvPr>
+          <p:cNvSpPr txBox="1"/>
+          <p:nvPr/>
+        </p:nvSpPr>
+        <p:spPr>
+          <a:xfrm>
+            <a:off x="2247900" y="7750464"/>
+            <a:ext cx="13792200" cy="2062103"/>
+          </a:xfrm>
+          <a:prstGeom prst="rect">
+            <a:avLst/>
+          </a:prstGeom>
+          <a:noFill/>
+        </p:spPr>
+        <p:txBody>
+          <a:bodyPr wrap="square" rtlCol="0">
+            <a:spAutoFit/>
+          </a:bodyPr>
+          <a:lstStyle/>
+          <a:p>
+            <a:pPr marL="742950" indent="-742950">
+              <a:buAutoNum type="arabicPeriod"/>
+            </a:pPr>
+            <a:r>
+              <a:rPr lang="en-US" altLang="ko-KR" sz="3200" dirty="0">
+                <a:solidFill>
+                  <a:srgbClr val="4C50BB"/>
+                </a:solidFill>
+                <a:latin typeface="G마켓 산스 Medium" panose="02000000000000000000" pitchFamily="50" charset="-127"/>
+                <a:ea typeface="G마켓 산스 Medium" panose="02000000000000000000" pitchFamily="50" charset="-127"/>
+              </a:rPr>
+              <a:t>a</a:t>
+            </a:r>
+            <a:r>
+              <a:rPr lang="ko-KR" altLang="en-US" sz="3200" dirty="0">
+                <a:solidFill>
+                  <a:srgbClr val="4C50BB"/>
+                </a:solidFill>
+                <a:latin typeface="G마켓 산스 Medium" panose="02000000000000000000" pitchFamily="50" charset="-127"/>
+                <a:ea typeface="G마켓 산스 Medium" panose="02000000000000000000" pitchFamily="50" charset="-127"/>
+              </a:rPr>
+              <a:t>변수를 </a:t>
+            </a:r>
+            <a:r>
+              <a:rPr lang="en-US" altLang="ko-KR" sz="3200" dirty="0">
+                <a:solidFill>
+                  <a:srgbClr val="4C50BB"/>
+                </a:solidFill>
+                <a:latin typeface="G마켓 산스 Medium" panose="02000000000000000000" pitchFamily="50" charset="-127"/>
+                <a:ea typeface="G마켓 산스 Medium" panose="02000000000000000000" pitchFamily="50" charset="-127"/>
+              </a:rPr>
+              <a:t>long</a:t>
+            </a:r>
+            <a:r>
+              <a:rPr lang="ko-KR" altLang="en-US" sz="3200" dirty="0">
+                <a:solidFill>
+                  <a:srgbClr val="4C50BB"/>
+                </a:solidFill>
+                <a:latin typeface="G마켓 산스 Medium" panose="02000000000000000000" pitchFamily="50" charset="-127"/>
+                <a:ea typeface="G마켓 산스 Medium" panose="02000000000000000000" pitchFamily="50" charset="-127"/>
+              </a:rPr>
+              <a:t>으로 변경한다</a:t>
+            </a:r>
+            <a:r>
+              <a:rPr lang="en-US" altLang="ko-KR" sz="3200" dirty="0">
+                <a:solidFill>
+                  <a:srgbClr val="4C50BB"/>
+                </a:solidFill>
+                <a:latin typeface="G마켓 산스 Medium" panose="02000000000000000000" pitchFamily="50" charset="-127"/>
+                <a:ea typeface="G마켓 산스 Medium" panose="02000000000000000000" pitchFamily="50" charset="-127"/>
+              </a:rPr>
+              <a:t>.</a:t>
+            </a:r>
+          </a:p>
+          <a:p>
+            <a:pPr marL="742950" indent="-742950">
+              <a:buAutoNum type="arabicPeriod"/>
+            </a:pPr>
+            <a:r>
+              <a:rPr lang="ko-KR" altLang="en-US" sz="3200" dirty="0">
+                <a:solidFill>
+                  <a:srgbClr val="4C50BB"/>
+                </a:solidFill>
+                <a:latin typeface="G마켓 산스 Medium" panose="02000000000000000000" pitchFamily="50" charset="-127"/>
+                <a:ea typeface="G마켓 산스 Medium" panose="02000000000000000000" pitchFamily="50" charset="-127"/>
+              </a:rPr>
+              <a:t>산술변환에 의해 </a:t>
+            </a:r>
+            <a:r>
+              <a:rPr lang="en-US" altLang="ko-KR" sz="3200" dirty="0">
+                <a:solidFill>
+                  <a:srgbClr val="4C50BB"/>
+                </a:solidFill>
+                <a:latin typeface="G마켓 산스 Medium" panose="02000000000000000000" pitchFamily="50" charset="-127"/>
+                <a:ea typeface="G마켓 산스 Medium" panose="02000000000000000000" pitchFamily="50" charset="-127"/>
+              </a:rPr>
+              <a:t>a*b </a:t>
+            </a:r>
+            <a:r>
+              <a:rPr lang="ko-KR" altLang="en-US" sz="3200" dirty="0">
+                <a:solidFill>
+                  <a:srgbClr val="4C50BB"/>
+                </a:solidFill>
+                <a:latin typeface="G마켓 산스 Medium" panose="02000000000000000000" pitchFamily="50" charset="-127"/>
+                <a:ea typeface="G마켓 산스 Medium" panose="02000000000000000000" pitchFamily="50" charset="-127"/>
+              </a:rPr>
+              <a:t>연산 전에 </a:t>
+            </a:r>
+            <a:r>
+              <a:rPr lang="en-US" altLang="ko-KR" sz="3200" dirty="0">
+                <a:solidFill>
+                  <a:srgbClr val="4C50BB"/>
+                </a:solidFill>
+                <a:latin typeface="G마켓 산스 Medium" panose="02000000000000000000" pitchFamily="50" charset="-127"/>
+                <a:ea typeface="G마켓 산스 Medium" panose="02000000000000000000" pitchFamily="50" charset="-127"/>
+              </a:rPr>
+              <a:t>b</a:t>
+            </a:r>
+            <a:r>
+              <a:rPr lang="ko-KR" altLang="en-US" sz="3200" dirty="0">
+                <a:solidFill>
+                  <a:srgbClr val="4C50BB"/>
+                </a:solidFill>
+                <a:latin typeface="G마켓 산스 Medium" panose="02000000000000000000" pitchFamily="50" charset="-127"/>
+                <a:ea typeface="G마켓 산스 Medium" panose="02000000000000000000" pitchFamily="50" charset="-127"/>
+              </a:rPr>
+              <a:t>를 </a:t>
+            </a:r>
+            <a:r>
+              <a:rPr lang="en-US" altLang="ko-KR" sz="3200" dirty="0">
+                <a:solidFill>
+                  <a:srgbClr val="4C50BB"/>
+                </a:solidFill>
+                <a:latin typeface="G마켓 산스 Medium" panose="02000000000000000000" pitchFamily="50" charset="-127"/>
+                <a:ea typeface="G마켓 산스 Medium" panose="02000000000000000000" pitchFamily="50" charset="-127"/>
+              </a:rPr>
+              <a:t>long</a:t>
+            </a:r>
+            <a:r>
+              <a:rPr lang="ko-KR" altLang="en-US" sz="3200" dirty="0">
+                <a:solidFill>
+                  <a:srgbClr val="4C50BB"/>
+                </a:solidFill>
+                <a:latin typeface="G마켓 산스 Medium" panose="02000000000000000000" pitchFamily="50" charset="-127"/>
+                <a:ea typeface="G마켓 산스 Medium" panose="02000000000000000000" pitchFamily="50" charset="-127"/>
+              </a:rPr>
+              <a:t>으로 변경한다</a:t>
+            </a:r>
+            <a:r>
+              <a:rPr lang="en-US" altLang="ko-KR" sz="3200" dirty="0">
+                <a:solidFill>
+                  <a:srgbClr val="4C50BB"/>
+                </a:solidFill>
+                <a:latin typeface="G마켓 산스 Medium" panose="02000000000000000000" pitchFamily="50" charset="-127"/>
+                <a:ea typeface="G마켓 산스 Medium" panose="02000000000000000000" pitchFamily="50" charset="-127"/>
+              </a:rPr>
+              <a:t>.</a:t>
+            </a:r>
+          </a:p>
+          <a:p>
+            <a:pPr marL="742950" indent="-742950">
+              <a:buAutoNum type="arabicPeriod"/>
+            </a:pPr>
+            <a:r>
+              <a:rPr lang="ko-KR" altLang="en-US" sz="3200" dirty="0" err="1">
+                <a:solidFill>
+                  <a:srgbClr val="4C50BB"/>
+                </a:solidFill>
+                <a:latin typeface="G마켓 산스 Medium" panose="02000000000000000000" pitchFamily="50" charset="-127"/>
+                <a:ea typeface="G마켓 산스 Medium" panose="02000000000000000000" pitchFamily="50" charset="-127"/>
+              </a:rPr>
+              <a:t>둘다</a:t>
+            </a:r>
+            <a:r>
+              <a:rPr lang="ko-KR" altLang="en-US" sz="3200" dirty="0">
+                <a:solidFill>
+                  <a:srgbClr val="4C50BB"/>
+                </a:solidFill>
+                <a:latin typeface="G마켓 산스 Medium" panose="02000000000000000000" pitchFamily="50" charset="-127"/>
+                <a:ea typeface="G마켓 산스 Medium" panose="02000000000000000000" pitchFamily="50" charset="-127"/>
+              </a:rPr>
+              <a:t> </a:t>
+            </a:r>
+            <a:r>
+              <a:rPr lang="en-US" altLang="ko-KR" sz="3200" dirty="0">
+                <a:solidFill>
+                  <a:srgbClr val="4C50BB"/>
+                </a:solidFill>
+                <a:latin typeface="G마켓 산스 Medium" panose="02000000000000000000" pitchFamily="50" charset="-127"/>
+                <a:ea typeface="G마켓 산스 Medium" panose="02000000000000000000" pitchFamily="50" charset="-127"/>
+              </a:rPr>
+              <a:t>long</a:t>
+            </a:r>
+            <a:r>
+              <a:rPr lang="ko-KR" altLang="en-US" sz="3200" dirty="0">
+                <a:solidFill>
+                  <a:srgbClr val="4C50BB"/>
+                </a:solidFill>
+                <a:latin typeface="G마켓 산스 Medium" panose="02000000000000000000" pitchFamily="50" charset="-127"/>
+                <a:ea typeface="G마켓 산스 Medium" panose="02000000000000000000" pitchFamily="50" charset="-127"/>
+              </a:rPr>
+              <a:t>타입으로 변환된 상태에서 곱해지므로 데이터 손실이 없다</a:t>
+            </a:r>
+            <a:r>
+              <a:rPr lang="en-US" altLang="ko-KR" sz="3200" dirty="0">
+                <a:solidFill>
+                  <a:srgbClr val="4C50BB"/>
+                </a:solidFill>
+                <a:latin typeface="G마켓 산스 Medium" panose="02000000000000000000" pitchFamily="50" charset="-127"/>
+                <a:ea typeface="G마켓 산스 Medium" panose="02000000000000000000" pitchFamily="50" charset="-127"/>
+              </a:rPr>
+              <a:t>.</a:t>
+            </a:r>
+          </a:p>
+          <a:p>
+            <a:pPr marL="742950" indent="-742950">
+              <a:buAutoNum type="arabicPeriod"/>
+            </a:pPr>
+            <a:r>
+              <a:rPr lang="ko-KR" altLang="en-US" sz="3200" dirty="0">
+                <a:solidFill>
+                  <a:srgbClr val="4C50BB"/>
+                </a:solidFill>
+                <a:latin typeface="G마켓 산스 Medium" panose="02000000000000000000" pitchFamily="50" charset="-127"/>
+                <a:ea typeface="G마켓 산스 Medium" panose="02000000000000000000" pitchFamily="50" charset="-127"/>
+              </a:rPr>
+              <a:t>곱해진 값이 </a:t>
+            </a:r>
+            <a:r>
+              <a:rPr lang="en-US" altLang="ko-KR" sz="3200" dirty="0">
+                <a:solidFill>
+                  <a:srgbClr val="4C50BB"/>
+                </a:solidFill>
+                <a:latin typeface="G마켓 산스 Medium" panose="02000000000000000000" pitchFamily="50" charset="-127"/>
+                <a:ea typeface="G마켓 산스 Medium" panose="02000000000000000000" pitchFamily="50" charset="-127"/>
+              </a:rPr>
+              <a:t>c</a:t>
+            </a:r>
+            <a:r>
+              <a:rPr lang="ko-KR" altLang="en-US" sz="3200" dirty="0">
+                <a:solidFill>
+                  <a:srgbClr val="4C50BB"/>
+                </a:solidFill>
+                <a:latin typeface="G마켓 산스 Medium" panose="02000000000000000000" pitchFamily="50" charset="-127"/>
+                <a:ea typeface="G마켓 산스 Medium" panose="02000000000000000000" pitchFamily="50" charset="-127"/>
+              </a:rPr>
+              <a:t>변수에 초기화 된다</a:t>
+            </a:r>
+            <a:r>
+              <a:rPr lang="en-US" altLang="ko-KR" sz="3200" dirty="0">
+                <a:solidFill>
+                  <a:srgbClr val="4C50BB"/>
+                </a:solidFill>
+                <a:latin typeface="G마켓 산스 Medium" panose="02000000000000000000" pitchFamily="50" charset="-127"/>
+                <a:ea typeface="G마켓 산스 Medium" panose="02000000000000000000" pitchFamily="50" charset="-127"/>
+              </a:rPr>
+              <a:t>.</a:t>
+            </a:r>
+          </a:p>
+        </p:txBody>
+      </p:sp>
+      <p:sp>
+        <p:nvSpPr>
+          <p:cNvPr id="6" name="TextBox 5">
+            <a:extLst>
+              <a:ext uri="{FF2B5EF4-FFF2-40B4-BE49-F238E27FC236}">
+                <a16:creationId xmlns:a16="http://schemas.microsoft.com/office/drawing/2014/main" id="{5B1CCA69-567B-10AB-296B-726506FFEB5D}"/>
+              </a:ext>
+            </a:extLst>
+          </p:cNvPr>
+          <p:cNvSpPr txBox="1"/>
+          <p:nvPr/>
+        </p:nvSpPr>
+        <p:spPr>
+          <a:xfrm>
+            <a:off x="1153559" y="6794837"/>
+            <a:ext cx="1665841" cy="1015663"/>
+          </a:xfrm>
+          <a:prstGeom prst="rect">
+            <a:avLst/>
+          </a:prstGeom>
+          <a:noFill/>
+        </p:spPr>
+        <p:txBody>
+          <a:bodyPr wrap="none" rtlCol="0">
+            <a:spAutoFit/>
+          </a:bodyPr>
+          <a:lstStyle/>
+          <a:p>
+            <a:r>
+              <a:rPr lang="ko-KR" altLang="en-US" sz="6000" dirty="0">
+                <a:solidFill>
+                  <a:srgbClr val="4C50BB"/>
+                </a:solidFill>
+                <a:latin typeface="G마켓 산스 TTF Bold" panose="02000000000000000000" pitchFamily="2" charset="-127"/>
+                <a:ea typeface="G마켓 산스 TTF Bold" panose="02000000000000000000" pitchFamily="2" charset="-127"/>
+              </a:rPr>
+              <a:t>해설</a:t>
+            </a:r>
+            <a:endParaRPr lang="ko-KR" altLang="en-US" sz="800" dirty="0">
+              <a:solidFill>
+                <a:srgbClr val="4C50BB"/>
+              </a:solidFill>
+              <a:latin typeface="G마켓 산스 TTF Bold" panose="02000000000000000000" pitchFamily="2" charset="-127"/>
+              <a:ea typeface="G마켓 산스 TTF Bold" panose="02000000000000000000" pitchFamily="2" charset="-127"/>
+            </a:endParaRPr>
+          </a:p>
+        </p:txBody>
+      </p:sp>
     </p:spTree>
     <p:extLst>
       <p:ext uri="{BB962C8B-B14F-4D97-AF65-F5344CB8AC3E}">
@@ -6381,13 +7553,6 @@
   <p:clrMapOvr>
     <a:masterClrMapping/>
   </p:clrMapOvr>
-  <p:timing>
-    <p:tnLst>
-      <p:par>
-        <p:cTn id="1" dur="indefinite" restart="never" nodeType="tmRoot"/>
-      </p:par>
-    </p:tnLst>
-  </p:timing>
 </p:sld>
 </file>
 
@@ -6437,7 +7602,7 @@
           <a:lstStyle/>
           <a:p>
             <a:r>
-              <a:rPr lang="en-US" altLang="ko-KR" sz="3600" smtClean="0">
+              <a:rPr lang="en-US" altLang="ko-KR" sz="3600">
                 <a:solidFill>
                   <a:srgbClr val="4C50BC"/>
                 </a:solidFill>
@@ -6447,7 +7612,7 @@
               <a:t>3. char</a:t>
             </a:r>
             <a:r>
-              <a:rPr lang="ko-KR" altLang="en-US" sz="3600" smtClean="0">
+              <a:rPr lang="ko-KR" altLang="en-US" sz="3600">
                 <a:solidFill>
                   <a:srgbClr val="4C50BC"/>
                 </a:solidFill>
@@ -6457,7 +7622,7 @@
               <a:t>형 변수 </a:t>
             </a:r>
             <a:r>
-              <a:rPr lang="en-US" altLang="ko-KR" sz="3600" smtClean="0">
+              <a:rPr lang="en-US" altLang="ko-KR" sz="3600">
                 <a:solidFill>
                   <a:srgbClr val="4C50BC"/>
                 </a:solidFill>
@@ -6467,7 +7632,7 @@
               <a:t>a</a:t>
             </a:r>
             <a:r>
-              <a:rPr lang="ko-KR" altLang="en-US" sz="3600" smtClean="0">
+              <a:rPr lang="ko-KR" altLang="en-US" sz="3600">
                 <a:solidFill>
                   <a:srgbClr val="4C50BC"/>
                 </a:solidFill>
@@ -6477,7 +7642,7 @@
               <a:t>에 문자 </a:t>
             </a:r>
             <a:r>
-              <a:rPr lang="en-US" altLang="ko-KR" sz="3600" smtClean="0">
+              <a:rPr lang="en-US" altLang="ko-KR" sz="3600">
                 <a:solidFill>
                   <a:srgbClr val="4C50BC"/>
                 </a:solidFill>
@@ -6487,7 +7652,7 @@
               <a:t>‘3’</a:t>
             </a:r>
             <a:r>
-              <a:rPr lang="ko-KR" altLang="en-US" sz="3600" smtClean="0">
+              <a:rPr lang="ko-KR" altLang="en-US" sz="3600">
                 <a:solidFill>
                   <a:srgbClr val="4C50BC"/>
                 </a:solidFill>
@@ -6504,92 +7669,134 @@
                 <a:latin typeface="G마켓 산스 Medium" panose="02000000000000000000" pitchFamily="50" charset="-127"/>
                 <a:ea typeface="G마켓 산스 Medium" panose="02000000000000000000" pitchFamily="50" charset="-127"/>
               </a:rPr>
+              <a:t> Int</a:t>
+            </a:r>
+            <a:r>
+              <a:rPr lang="ko-KR" altLang="en-US" sz="3600">
+                <a:solidFill>
+                  <a:srgbClr val="4C50BC"/>
+                </a:solidFill>
+                <a:latin typeface="G마켓 산스 Medium" panose="02000000000000000000" pitchFamily="50" charset="-127"/>
+                <a:ea typeface="G마켓 산스 Medium" panose="02000000000000000000" pitchFamily="50" charset="-127"/>
+              </a:rPr>
+              <a:t>형 변수 </a:t>
+            </a:r>
+            <a:r>
+              <a:rPr lang="en-US" altLang="ko-KR" sz="3600">
+                <a:solidFill>
+                  <a:srgbClr val="4C50BC"/>
+                </a:solidFill>
+                <a:latin typeface="G마켓 산스 Medium" panose="02000000000000000000" pitchFamily="50" charset="-127"/>
+                <a:ea typeface="G마켓 산스 Medium" panose="02000000000000000000" pitchFamily="50" charset="-127"/>
+              </a:rPr>
+              <a:t>b</a:t>
+            </a:r>
+            <a:r>
+              <a:rPr lang="ko-KR" altLang="en-US" sz="3600">
+                <a:solidFill>
+                  <a:srgbClr val="4C50BC"/>
+                </a:solidFill>
+                <a:latin typeface="G마켓 산스 Medium" panose="02000000000000000000" pitchFamily="50" charset="-127"/>
+                <a:ea typeface="G마켓 산스 Medium" panose="02000000000000000000" pitchFamily="50" charset="-127"/>
+              </a:rPr>
+              <a:t>로 옮길때 사칙연산을 이용하여</a:t>
+            </a:r>
+            <a:r>
+              <a:rPr lang="en-US" altLang="ko-KR" sz="3600">
+                <a:solidFill>
+                  <a:srgbClr val="4C50BC"/>
+                </a:solidFill>
+                <a:latin typeface="G마켓 산스 Medium" panose="02000000000000000000" pitchFamily="50" charset="-127"/>
+                <a:ea typeface="G마켓 산스 Medium" panose="02000000000000000000" pitchFamily="50" charset="-127"/>
+              </a:rPr>
               <a:t> </a:t>
             </a:r>
             <a:r>
-              <a:rPr lang="en-US" altLang="ko-KR" sz="3600" smtClean="0">
+              <a:rPr lang="ko-KR" altLang="en-US" sz="3600">
                 <a:solidFill>
                   <a:srgbClr val="4C50BC"/>
                 </a:solidFill>
                 <a:latin typeface="G마켓 산스 Medium" panose="02000000000000000000" pitchFamily="50" charset="-127"/>
                 <a:ea typeface="G마켓 산스 Medium" panose="02000000000000000000" pitchFamily="50" charset="-127"/>
               </a:rPr>
-              <a:t>Int</a:t>
-            </a:r>
-            <a:r>
-              <a:rPr lang="ko-KR" altLang="en-US" sz="3600" smtClean="0">
+              <a:t>숫자 </a:t>
+            </a:r>
+            <a:r>
+              <a:rPr lang="en-US" altLang="ko-KR" sz="3600">
                 <a:solidFill>
                   <a:srgbClr val="4C50BC"/>
                 </a:solidFill>
                 <a:latin typeface="G마켓 산스 Medium" panose="02000000000000000000" pitchFamily="50" charset="-127"/>
                 <a:ea typeface="G마켓 산스 Medium" panose="02000000000000000000" pitchFamily="50" charset="-127"/>
               </a:rPr>
-              <a:t>형 변수 </a:t>
-            </a:r>
-            <a:r>
-              <a:rPr lang="en-US" altLang="ko-KR" sz="3600" smtClean="0">
+              <a:t>3 </a:t>
+            </a:r>
+            <a:r>
+              <a:rPr lang="ko-KR" altLang="en-US" sz="3600">
                 <a:solidFill>
                   <a:srgbClr val="4C50BC"/>
                 </a:solidFill>
                 <a:latin typeface="G마켓 산스 Medium" panose="02000000000000000000" pitchFamily="50" charset="-127"/>
                 <a:ea typeface="G마켓 산스 Medium" panose="02000000000000000000" pitchFamily="50" charset="-127"/>
               </a:rPr>
-              <a:t>b</a:t>
-            </a:r>
-            <a:r>
-              <a:rPr lang="ko-KR" altLang="en-US" sz="3600" smtClean="0">
+              <a:t>으로 변환하여 넣어보자</a:t>
+            </a:r>
+            <a:r>
+              <a:rPr lang="en-US" altLang="ko-KR" sz="3600">
                 <a:solidFill>
                   <a:srgbClr val="4C50BC"/>
                 </a:solidFill>
                 <a:latin typeface="G마켓 산스 Medium" panose="02000000000000000000" pitchFamily="50" charset="-127"/>
                 <a:ea typeface="G마켓 산스 Medium" panose="02000000000000000000" pitchFamily="50" charset="-127"/>
               </a:rPr>
-              <a:t>로 옮길때 사칙연산을 이용하여</a:t>
-            </a:r>
+              <a:t>.</a:t>
+            </a:r>
+          </a:p>
+          <a:p>
             <a:r>
               <a:rPr lang="en-US" altLang="ko-KR" sz="3600">
                 <a:solidFill>
-                  <a:srgbClr val="4C50BC"/>
-                </a:solidFill>
-                <a:latin typeface="G마켓 산스 Medium" panose="02000000000000000000" pitchFamily="50" charset="-127"/>
-                <a:ea typeface="G마켓 산스 Medium" panose="02000000000000000000" pitchFamily="50" charset="-127"/>
-              </a:rPr>
-              <a:t> </a:t>
-            </a:r>
-            <a:r>
-              <a:rPr lang="ko-KR" altLang="en-US" sz="3600" smtClean="0">
-                <a:solidFill>
-                  <a:srgbClr val="4C50BC"/>
-                </a:solidFill>
-                <a:latin typeface="G마켓 산스 Medium" panose="02000000000000000000" pitchFamily="50" charset="-127"/>
-                <a:ea typeface="G마켓 산스 Medium" panose="02000000000000000000" pitchFamily="50" charset="-127"/>
-              </a:rPr>
-              <a:t>숫자 </a:t>
-            </a:r>
-            <a:r>
-              <a:rPr lang="en-US" altLang="ko-KR" sz="3600" smtClean="0">
-                <a:solidFill>
-                  <a:srgbClr val="4C50BC"/>
-                </a:solidFill>
-                <a:latin typeface="G마켓 산스 Medium" panose="02000000000000000000" pitchFamily="50" charset="-127"/>
-                <a:ea typeface="G마켓 산스 Medium" panose="02000000000000000000" pitchFamily="50" charset="-127"/>
-              </a:rPr>
-              <a:t>3 </a:t>
-            </a:r>
-            <a:r>
-              <a:rPr lang="ko-KR" altLang="en-US" sz="3600" smtClean="0">
-                <a:solidFill>
-                  <a:srgbClr val="4C50BC"/>
-                </a:solidFill>
-                <a:latin typeface="G마켓 산스 Medium" panose="02000000000000000000" pitchFamily="50" charset="-127"/>
-                <a:ea typeface="G마켓 산스 Medium" panose="02000000000000000000" pitchFamily="50" charset="-127"/>
-              </a:rPr>
-              <a:t>으로 변환하여 넣어보자</a:t>
-            </a:r>
-            <a:r>
-              <a:rPr lang="en-US" altLang="ko-KR" sz="3600" smtClean="0">
-                <a:solidFill>
-                  <a:srgbClr val="4C50BC"/>
+                  <a:srgbClr val="FF0000"/>
+                </a:solidFill>
+                <a:latin typeface="G마켓 산스 Medium" panose="02000000000000000000" pitchFamily="50" charset="-127"/>
+                <a:ea typeface="G마켓 산스 Medium" panose="02000000000000000000" pitchFamily="50" charset="-127"/>
+              </a:rPr>
+              <a:t>*</a:t>
+            </a:r>
+            <a:r>
+              <a:rPr lang="ko-KR" altLang="en-US" sz="3600">
+                <a:solidFill>
+                  <a:srgbClr val="FF0000"/>
+                </a:solidFill>
+                <a:latin typeface="G마켓 산스 Medium" panose="02000000000000000000" pitchFamily="50" charset="-127"/>
+                <a:ea typeface="G마켓 산스 Medium" panose="02000000000000000000" pitchFamily="50" charset="-127"/>
+              </a:rPr>
+              <a:t>아스키코드</a:t>
+            </a:r>
+            <a:r>
+              <a:rPr lang="en-US" altLang="ko-KR" sz="3600">
+                <a:solidFill>
+                  <a:srgbClr val="FF0000"/>
+                </a:solidFill>
+                <a:latin typeface="G마켓 산스 Medium" panose="02000000000000000000" pitchFamily="50" charset="-127"/>
+                <a:ea typeface="G마켓 산스 Medium" panose="02000000000000000000" pitchFamily="50" charset="-127"/>
+              </a:rPr>
+              <a:t>, </a:t>
+            </a:r>
+            <a:r>
+              <a:rPr lang="ko-KR" altLang="en-US" sz="3600">
+                <a:solidFill>
+                  <a:srgbClr val="FF0000"/>
+                </a:solidFill>
+                <a:latin typeface="G마켓 산스 Medium" panose="02000000000000000000" pitchFamily="50" charset="-127"/>
+                <a:ea typeface="G마켓 산스 Medium" panose="02000000000000000000" pitchFamily="50" charset="-127"/>
+              </a:rPr>
+              <a:t>유니코드 체계를 이용하자</a:t>
+            </a:r>
+            <a:r>
+              <a:rPr lang="en-US" altLang="ko-KR" sz="3600">
+                <a:solidFill>
+                  <a:srgbClr val="FF0000"/>
                 </a:solidFill>
                 <a:latin typeface="G마켓 산스 Medium" panose="02000000000000000000" pitchFamily="50" charset="-127"/>
                 <a:ea typeface="G마켓 산스 Medium" panose="02000000000000000000" pitchFamily="50" charset="-127"/>
@@ -6599,179 +7806,127 @@
           </a:p>
           <a:p>
             <a:r>
-              <a:rPr lang="en-US" altLang="ko-KR" sz="3600" smtClean="0">
+              <a:rPr lang="en-US" altLang="ko-KR" sz="3600">
                 <a:solidFill>
                   <a:srgbClr val="FF0000"/>
                 </a:solidFill>
                 <a:latin typeface="G마켓 산스 Medium" panose="02000000000000000000" pitchFamily="50" charset="-127"/>
                 <a:ea typeface="G마켓 산스 Medium" panose="02000000000000000000" pitchFamily="50" charset="-127"/>
               </a:rPr>
-              <a:t>*</a:t>
-            </a:r>
-            <a:r>
-              <a:rPr lang="ko-KR" altLang="en-US" sz="3600" smtClean="0">
+              <a:t>* ‘3’</a:t>
+            </a:r>
+            <a:r>
+              <a:rPr lang="ko-KR" altLang="en-US" sz="3600">
                 <a:solidFill>
                   <a:srgbClr val="FF0000"/>
                 </a:solidFill>
                 <a:latin typeface="G마켓 산스 Medium" panose="02000000000000000000" pitchFamily="50" charset="-127"/>
                 <a:ea typeface="G마켓 산스 Medium" panose="02000000000000000000" pitchFamily="50" charset="-127"/>
               </a:rPr>
-              <a:t>아스키코드</a:t>
-            </a:r>
-            <a:r>
-              <a:rPr lang="en-US" altLang="ko-KR" sz="3600" smtClean="0">
+              <a:t>을 </a:t>
+            </a:r>
+            <a:r>
+              <a:rPr lang="en-US" altLang="ko-KR" sz="3600">
                 <a:solidFill>
                   <a:srgbClr val="FF0000"/>
                 </a:solidFill>
                 <a:latin typeface="G마켓 산스 Medium" panose="02000000000000000000" pitchFamily="50" charset="-127"/>
                 <a:ea typeface="G마켓 산스 Medium" panose="02000000000000000000" pitchFamily="50" charset="-127"/>
               </a:rPr>
-              <a:t>, </a:t>
-            </a:r>
-            <a:r>
-              <a:rPr lang="ko-KR" altLang="en-US" sz="3600" smtClean="0">
+              <a:t>int </a:t>
+            </a:r>
+            <a:r>
+              <a:rPr lang="ko-KR" altLang="en-US" sz="3600">
                 <a:solidFill>
                   <a:srgbClr val="FF0000"/>
                 </a:solidFill>
                 <a:latin typeface="G마켓 산스 Medium" panose="02000000000000000000" pitchFamily="50" charset="-127"/>
                 <a:ea typeface="G마켓 산스 Medium" panose="02000000000000000000" pitchFamily="50" charset="-127"/>
               </a:rPr>
-              <a:t>유니코드 체계를 이용하자</a:t>
-            </a:r>
-            <a:r>
-              <a:rPr lang="en-US" altLang="ko-KR" sz="3600" smtClean="0">
+              <a:t>타입에 저장하면 아스키코드표의 </a:t>
+            </a:r>
+            <a:r>
+              <a:rPr lang="en-US" altLang="ko-KR" sz="3600">
                 <a:solidFill>
                   <a:srgbClr val="FF0000"/>
                 </a:solidFill>
                 <a:latin typeface="G마켓 산스 Medium" panose="02000000000000000000" pitchFamily="50" charset="-127"/>
                 <a:ea typeface="G마켓 산스 Medium" panose="02000000000000000000" pitchFamily="50" charset="-127"/>
               </a:rPr>
+              <a:t>‘3’</a:t>
+            </a:r>
+            <a:r>
+              <a:rPr lang="ko-KR" altLang="en-US" sz="3600">
+                <a:solidFill>
+                  <a:srgbClr val="FF0000"/>
+                </a:solidFill>
+                <a:latin typeface="G마켓 산스 Medium" panose="02000000000000000000" pitchFamily="50" charset="-127"/>
+                <a:ea typeface="G마켓 산스 Medium" panose="02000000000000000000" pitchFamily="50" charset="-127"/>
+              </a:rPr>
+              <a:t>에 해당하는 숫자로 저장이 된다</a:t>
+            </a:r>
+            <a:r>
+              <a:rPr lang="en-US" altLang="ko-KR" sz="3600">
+                <a:solidFill>
+                  <a:srgbClr val="FF0000"/>
+                </a:solidFill>
+                <a:latin typeface="G마켓 산스 Medium" panose="02000000000000000000" pitchFamily="50" charset="-127"/>
+                <a:ea typeface="G마켓 산스 Medium" panose="02000000000000000000" pitchFamily="50" charset="-127"/>
+              </a:rPr>
               <a:t>.</a:t>
             </a:r>
-          </a:p>
-          <a:p>
-            <a:r>
-              <a:rPr lang="en-US" altLang="ko-KR" sz="3600" smtClean="0">
+            <a:r>
+              <a:rPr lang="ko-KR" altLang="en-US" sz="3600">
                 <a:solidFill>
                   <a:srgbClr val="FF0000"/>
                 </a:solidFill>
                 <a:latin typeface="G마켓 산스 Medium" panose="02000000000000000000" pitchFamily="50" charset="-127"/>
                 <a:ea typeface="G마켓 산스 Medium" panose="02000000000000000000" pitchFamily="50" charset="-127"/>
               </a:rPr>
-              <a:t>* ‘3’</a:t>
-            </a:r>
-            <a:r>
-              <a:rPr lang="ko-KR" altLang="en-US" sz="3600" smtClean="0">
+              <a:t>즉</a:t>
+            </a:r>
+            <a:r>
+              <a:rPr lang="en-US" altLang="ko-KR" sz="3600">
                 <a:solidFill>
                   <a:srgbClr val="FF0000"/>
                 </a:solidFill>
                 <a:latin typeface="G마켓 산스 Medium" panose="02000000000000000000" pitchFamily="50" charset="-127"/>
                 <a:ea typeface="G마켓 산스 Medium" panose="02000000000000000000" pitchFamily="50" charset="-127"/>
               </a:rPr>
-              <a:t>을 </a:t>
-            </a:r>
-            <a:r>
-              <a:rPr lang="en-US" altLang="ko-KR" sz="3600" smtClean="0">
+              <a:t>  ‘3’</a:t>
+            </a:r>
+            <a:r>
+              <a:rPr lang="ko-KR" altLang="en-US" sz="3600">
                 <a:solidFill>
                   <a:srgbClr val="FF0000"/>
                 </a:solidFill>
                 <a:latin typeface="G마켓 산스 Medium" panose="02000000000000000000" pitchFamily="50" charset="-127"/>
                 <a:ea typeface="G마켓 산스 Medium" panose="02000000000000000000" pitchFamily="50" charset="-127"/>
               </a:rPr>
-              <a:t>int </a:t>
-            </a:r>
-            <a:r>
-              <a:rPr lang="ko-KR" altLang="en-US" sz="3600" smtClean="0">
+              <a:t>은 숫자</a:t>
+            </a:r>
+            <a:r>
+              <a:rPr lang="en-US" altLang="ko-KR" sz="3600">
                 <a:solidFill>
                   <a:srgbClr val="FF0000"/>
                 </a:solidFill>
                 <a:latin typeface="G마켓 산스 Medium" panose="02000000000000000000" pitchFamily="50" charset="-127"/>
                 <a:ea typeface="G마켓 산스 Medium" panose="02000000000000000000" pitchFamily="50" charset="-127"/>
               </a:rPr>
-              <a:t>타입에 저장하면 아스키코드표의 </a:t>
-            </a:r>
-            <a:r>
-              <a:rPr lang="en-US" altLang="ko-KR" sz="3600" smtClean="0">
+              <a:t>3</a:t>
+            </a:r>
+            <a:r>
+              <a:rPr lang="ko-KR" altLang="en-US" sz="3600">
                 <a:solidFill>
                   <a:srgbClr val="FF0000"/>
                 </a:solidFill>
                 <a:latin typeface="G마켓 산스 Medium" panose="02000000000000000000" pitchFamily="50" charset="-127"/>
                 <a:ea typeface="G마켓 산스 Medium" panose="02000000000000000000" pitchFamily="50" charset="-127"/>
               </a:rPr>
-              <a:t>‘3’</a:t>
-            </a:r>
-            <a:r>
-              <a:rPr lang="ko-KR" altLang="en-US" sz="3600" smtClean="0">
-                <a:solidFill>
-                  <a:srgbClr val="FF0000"/>
-                </a:solidFill>
-                <a:latin typeface="G마켓 산스 Medium" panose="02000000000000000000" pitchFamily="50" charset="-127"/>
-                <a:ea typeface="G마켓 산스 Medium" panose="02000000000000000000" pitchFamily="50" charset="-127"/>
-              </a:rPr>
-              <a:t>에 해당하는 숫자로 저장이 된다</a:t>
-            </a:r>
-            <a:r>
-              <a:rPr lang="en-US" altLang="ko-KR" sz="3600" smtClean="0">
-                <a:solidFill>
-                  <a:srgbClr val="FF0000"/>
-                </a:solidFill>
-                <a:latin typeface="G마켓 산스 Medium" panose="02000000000000000000" pitchFamily="50" charset="-127"/>
-                <a:ea typeface="G마켓 산스 Medium" panose="02000000000000000000" pitchFamily="50" charset="-127"/>
-              </a:rPr>
-              <a:t>.</a:t>
-            </a:r>
-            <a:r>
-              <a:rPr lang="ko-KR" altLang="en-US" sz="3600" smtClean="0">
-                <a:solidFill>
-                  <a:srgbClr val="FF0000"/>
-                </a:solidFill>
-                <a:latin typeface="G마켓 산스 Medium" panose="02000000000000000000" pitchFamily="50" charset="-127"/>
-                <a:ea typeface="G마켓 산스 Medium" panose="02000000000000000000" pitchFamily="50" charset="-127"/>
-              </a:rPr>
-              <a:t>즉</a:t>
-            </a:r>
-            <a:r>
-              <a:rPr lang="en-US" altLang="ko-KR" sz="3600" smtClean="0">
-                <a:solidFill>
-                  <a:srgbClr val="FF0000"/>
-                </a:solidFill>
-                <a:latin typeface="G마켓 산스 Medium" panose="02000000000000000000" pitchFamily="50" charset="-127"/>
-                <a:ea typeface="G마켓 산스 Medium" panose="02000000000000000000" pitchFamily="50" charset="-127"/>
-              </a:rPr>
-              <a:t>  ‘3’</a:t>
-            </a:r>
-            <a:r>
-              <a:rPr lang="ko-KR" altLang="en-US" sz="3600" smtClean="0">
-                <a:solidFill>
-                  <a:srgbClr val="FF0000"/>
-                </a:solidFill>
-                <a:latin typeface="G마켓 산스 Medium" panose="02000000000000000000" pitchFamily="50" charset="-127"/>
-                <a:ea typeface="G마켓 산스 Medium" panose="02000000000000000000" pitchFamily="50" charset="-127"/>
-              </a:rPr>
-              <a:t>은 숫자</a:t>
-            </a:r>
-            <a:r>
-              <a:rPr lang="en-US" altLang="ko-KR" sz="3600" smtClean="0">
-                <a:solidFill>
-                  <a:srgbClr val="FF0000"/>
-                </a:solidFill>
-                <a:latin typeface="G마켓 산스 Medium" panose="02000000000000000000" pitchFamily="50" charset="-127"/>
-                <a:ea typeface="G마켓 산스 Medium" panose="02000000000000000000" pitchFamily="50" charset="-127"/>
-              </a:rPr>
-              <a:t>3</a:t>
-            </a:r>
-            <a:r>
-              <a:rPr lang="ko-KR" altLang="en-US" sz="3600" smtClean="0">
-                <a:solidFill>
-                  <a:srgbClr val="FF0000"/>
-                </a:solidFill>
-                <a:latin typeface="G마켓 산스 Medium" panose="02000000000000000000" pitchFamily="50" charset="-127"/>
-                <a:ea typeface="G마켓 산스 Medium" panose="02000000000000000000" pitchFamily="50" charset="-127"/>
-              </a:rPr>
               <a:t>과 다르다</a:t>
             </a:r>
             <a:r>
-              <a:rPr lang="en-US" altLang="ko-KR" sz="3600" smtClean="0">
+              <a:rPr lang="en-US" altLang="ko-KR" sz="3600">
                 <a:solidFill>
                   <a:srgbClr val="FF0000"/>
                 </a:solidFill>
@@ -6799,38 +7954,436 @@
         </p:blipFill>
         <p:spPr>
           <a:xfrm>
-            <a:off x="2057400" y="4686300"/>
-            <a:ext cx="5868658" cy="2451795"/>
+            <a:off x="1828800" y="3619500"/>
+            <a:ext cx="7295744" cy="3048000"/>
           </a:xfrm>
           <a:prstGeom prst="rect">
             <a:avLst/>
           </a:prstGeom>
         </p:spPr>
       </p:pic>
-      <p:pic>
-        <p:nvPicPr>
-          <p:cNvPr id="6" name="그림 5"/>
-          <p:cNvPicPr>
-            <a:picLocks noChangeAspect="1"/>
-          </p:cNvPicPr>
+      <p:sp>
+        <p:nvSpPr>
+          <p:cNvPr id="2" name="TextBox 1">
+            <a:extLst>
+              <a:ext uri="{FF2B5EF4-FFF2-40B4-BE49-F238E27FC236}">
+                <a16:creationId xmlns:a16="http://schemas.microsoft.com/office/drawing/2014/main" id="{FC5DEBBD-3537-D723-FAF7-4DB53506E4C1}"/>
+              </a:ext>
+            </a:extLst>
+          </p:cNvPr>
+          <p:cNvSpPr txBox="1"/>
           <p:nvPr/>
-        </p:nvPicPr>
-        <p:blipFill>
-          <a:blip r:embed="rId3"/>
-          <a:stretch>
-            <a:fillRect/>
-          </a:stretch>
-        </p:blipFill>
-        <p:spPr>
-          <a:xfrm>
-            <a:off x="4001758" y="5264826"/>
-            <a:ext cx="1636877" cy="644440"/>
-          </a:xfrm>
-          <a:prstGeom prst="rect">
-            <a:avLst/>
-          </a:prstGeom>
-        </p:spPr>
-      </p:pic>
+        </p:nvSpPr>
+        <p:spPr>
+          <a:xfrm>
+            <a:off x="1600200" y="7569356"/>
+            <a:ext cx="16002000" cy="2062103"/>
+          </a:xfrm>
+          <a:prstGeom prst="rect">
+            <a:avLst/>
+          </a:prstGeom>
+          <a:noFill/>
+        </p:spPr>
+        <p:txBody>
+          <a:bodyPr wrap="square" rtlCol="0">
+            <a:spAutoFit/>
+          </a:bodyPr>
+          <a:lstStyle/>
+          <a:p>
+            <a:pPr marL="742950" indent="-742950">
+              <a:buAutoNum type="arabicPeriod"/>
+            </a:pPr>
+            <a:r>
+              <a:rPr lang="en-US" altLang="ko-KR" sz="3200" dirty="0">
+                <a:solidFill>
+                  <a:srgbClr val="4C50BB"/>
+                </a:solidFill>
+                <a:latin typeface="G마켓 산스 Medium" panose="02000000000000000000" pitchFamily="50" charset="-127"/>
+                <a:ea typeface="G마켓 산스 Medium" panose="02000000000000000000" pitchFamily="50" charset="-127"/>
+              </a:rPr>
+              <a:t>a</a:t>
+            </a:r>
+            <a:r>
+              <a:rPr lang="ko-KR" altLang="en-US" sz="3200" dirty="0">
+                <a:solidFill>
+                  <a:srgbClr val="4C50BB"/>
+                </a:solidFill>
+                <a:latin typeface="G마켓 산스 Medium" panose="02000000000000000000" pitchFamily="50" charset="-127"/>
+                <a:ea typeface="G마켓 산스 Medium" panose="02000000000000000000" pitchFamily="50" charset="-127"/>
+              </a:rPr>
+              <a:t>변수는 </a:t>
+            </a:r>
+            <a:r>
+              <a:rPr lang="en-US" altLang="ko-KR" sz="3200" dirty="0">
+                <a:solidFill>
+                  <a:srgbClr val="4C50BB"/>
+                </a:solidFill>
+                <a:latin typeface="G마켓 산스 Medium" panose="02000000000000000000" pitchFamily="50" charset="-127"/>
+                <a:ea typeface="G마켓 산스 Medium" panose="02000000000000000000" pitchFamily="50" charset="-127"/>
+              </a:rPr>
+              <a:t>char</a:t>
+            </a:r>
+            <a:r>
+              <a:rPr lang="ko-KR" altLang="en-US" sz="3200" dirty="0">
+                <a:solidFill>
+                  <a:srgbClr val="4C50BB"/>
+                </a:solidFill>
+                <a:latin typeface="G마켓 산스 Medium" panose="02000000000000000000" pitchFamily="50" charset="-127"/>
+                <a:ea typeface="G마켓 산스 Medium" panose="02000000000000000000" pitchFamily="50" charset="-127"/>
+              </a:rPr>
+              <a:t>이다 </a:t>
+            </a:r>
+            <a:r>
+              <a:rPr lang="en-US" altLang="ko-KR" sz="3200" dirty="0">
+                <a:solidFill>
+                  <a:srgbClr val="4C50BB"/>
+                </a:solidFill>
+                <a:latin typeface="G마켓 산스 Medium" panose="02000000000000000000" pitchFamily="50" charset="-127"/>
+                <a:ea typeface="G마켓 산스 Medium" panose="02000000000000000000" pitchFamily="50" charset="-127"/>
+              </a:rPr>
+              <a:t>char-char </a:t>
+            </a:r>
+            <a:r>
+              <a:rPr lang="ko-KR" altLang="en-US" sz="3200" dirty="0">
+                <a:solidFill>
+                  <a:srgbClr val="4C50BB"/>
+                </a:solidFill>
+                <a:latin typeface="G마켓 산스 Medium" panose="02000000000000000000" pitchFamily="50" charset="-127"/>
+                <a:ea typeface="G마켓 산스 Medium" panose="02000000000000000000" pitchFamily="50" charset="-127"/>
+              </a:rPr>
+              <a:t>타입끼리 </a:t>
+            </a:r>
+            <a:r>
+              <a:rPr lang="ko-KR" altLang="en-US" sz="3200" dirty="0" err="1">
+                <a:solidFill>
+                  <a:srgbClr val="4C50BB"/>
+                </a:solidFill>
+                <a:latin typeface="G마켓 산스 Medium" panose="02000000000000000000" pitchFamily="50" charset="-127"/>
+                <a:ea typeface="G마켓 산스 Medium" panose="02000000000000000000" pitchFamily="50" charset="-127"/>
+              </a:rPr>
+              <a:t>연산시</a:t>
+            </a:r>
+            <a:r>
+              <a:rPr lang="ko-KR" altLang="en-US" sz="3200" dirty="0">
+                <a:solidFill>
+                  <a:srgbClr val="4C50BB"/>
+                </a:solidFill>
+                <a:latin typeface="G마켓 산스 Medium" panose="02000000000000000000" pitchFamily="50" charset="-127"/>
+                <a:ea typeface="G마켓 산스 Medium" panose="02000000000000000000" pitchFamily="50" charset="-127"/>
+              </a:rPr>
+              <a:t> </a:t>
+            </a:r>
+            <a:r>
+              <a:rPr lang="ko-KR" altLang="en-US" sz="3200" dirty="0" err="1">
+                <a:solidFill>
+                  <a:srgbClr val="4C50BB"/>
+                </a:solidFill>
+                <a:latin typeface="G마켓 산스 Medium" panose="02000000000000000000" pitchFamily="50" charset="-127"/>
+                <a:ea typeface="G마켓 산스 Medium" panose="02000000000000000000" pitchFamily="50" charset="-127"/>
+              </a:rPr>
+              <a:t>둘다</a:t>
+            </a:r>
+            <a:r>
+              <a:rPr lang="ko-KR" altLang="en-US" sz="3200" dirty="0">
+                <a:solidFill>
+                  <a:srgbClr val="4C50BB"/>
+                </a:solidFill>
+                <a:latin typeface="G마켓 산스 Medium" panose="02000000000000000000" pitchFamily="50" charset="-127"/>
+                <a:ea typeface="G마켓 산스 Medium" panose="02000000000000000000" pitchFamily="50" charset="-127"/>
+              </a:rPr>
+              <a:t> </a:t>
+            </a:r>
+            <a:r>
+              <a:rPr lang="en-US" altLang="ko-KR" sz="3200" dirty="0">
+                <a:solidFill>
+                  <a:srgbClr val="4C50BB"/>
+                </a:solidFill>
+                <a:latin typeface="G마켓 산스 Medium" panose="02000000000000000000" pitchFamily="50" charset="-127"/>
+                <a:ea typeface="G마켓 산스 Medium" panose="02000000000000000000" pitchFamily="50" charset="-127"/>
+              </a:rPr>
+              <a:t>int</a:t>
+            </a:r>
+            <a:r>
+              <a:rPr lang="ko-KR" altLang="en-US" sz="3200" dirty="0">
+                <a:solidFill>
+                  <a:srgbClr val="4C50BB"/>
+                </a:solidFill>
+                <a:latin typeface="G마켓 산스 Medium" panose="02000000000000000000" pitchFamily="50" charset="-127"/>
+                <a:ea typeface="G마켓 산스 Medium" panose="02000000000000000000" pitchFamily="50" charset="-127"/>
+              </a:rPr>
+              <a:t>로 변경되어 계산된다</a:t>
+            </a:r>
+            <a:r>
+              <a:rPr lang="en-US" altLang="ko-KR" sz="3200" dirty="0">
+                <a:solidFill>
+                  <a:srgbClr val="4C50BB"/>
+                </a:solidFill>
+                <a:latin typeface="G마켓 산스 Medium" panose="02000000000000000000" pitchFamily="50" charset="-127"/>
+                <a:ea typeface="G마켓 산스 Medium" panose="02000000000000000000" pitchFamily="50" charset="-127"/>
+              </a:rPr>
+              <a:t>. </a:t>
+            </a:r>
+            <a:r>
+              <a:rPr lang="ko-KR" altLang="en-US" sz="3200" dirty="0">
+                <a:solidFill>
+                  <a:srgbClr val="4C50BB"/>
+                </a:solidFill>
+                <a:latin typeface="G마켓 산스 Medium" panose="02000000000000000000" pitchFamily="50" charset="-127"/>
+                <a:ea typeface="G마켓 산스 Medium" panose="02000000000000000000" pitchFamily="50" charset="-127"/>
+              </a:rPr>
+              <a:t>여기서 </a:t>
+            </a:r>
+            <a:r>
+              <a:rPr lang="en-US" altLang="ko-KR" sz="3200" dirty="0">
+                <a:solidFill>
+                  <a:srgbClr val="4C50BB"/>
+                </a:solidFill>
+                <a:latin typeface="G마켓 산스 Medium" panose="02000000000000000000" pitchFamily="50" charset="-127"/>
+                <a:ea typeface="G마켓 산스 Medium" panose="02000000000000000000" pitchFamily="50" charset="-127"/>
+              </a:rPr>
+              <a:t>int</a:t>
+            </a:r>
+            <a:r>
+              <a:rPr lang="ko-KR" altLang="en-US" sz="3200" dirty="0">
+                <a:solidFill>
+                  <a:srgbClr val="4C50BB"/>
+                </a:solidFill>
+                <a:latin typeface="G마켓 산스 Medium" panose="02000000000000000000" pitchFamily="50" charset="-127"/>
+                <a:ea typeface="G마켓 산스 Medium" panose="02000000000000000000" pitchFamily="50" charset="-127"/>
+              </a:rPr>
+              <a:t>의 값은 해당 문자와 매칭되는 유니코드표의 숫자로 변경된다</a:t>
+            </a:r>
+            <a:r>
+              <a:rPr lang="en-US" altLang="ko-KR" sz="3200" dirty="0">
+                <a:solidFill>
+                  <a:srgbClr val="4C50BB"/>
+                </a:solidFill>
+                <a:latin typeface="G마켓 산스 Medium" panose="02000000000000000000" pitchFamily="50" charset="-127"/>
+                <a:ea typeface="G마켓 산스 Medium" panose="02000000000000000000" pitchFamily="50" charset="-127"/>
+              </a:rPr>
+              <a:t>.</a:t>
+            </a:r>
+          </a:p>
+          <a:p>
+            <a:pPr marL="742950" indent="-742950">
+              <a:buAutoNum type="arabicPeriod"/>
+            </a:pPr>
+            <a:r>
+              <a:rPr lang="ko-KR" altLang="en-US" sz="3200" dirty="0">
+                <a:solidFill>
+                  <a:srgbClr val="4C50BB"/>
+                </a:solidFill>
+                <a:latin typeface="G마켓 산스 Medium" panose="02000000000000000000" pitchFamily="50" charset="-127"/>
+                <a:ea typeface="G마켓 산스 Medium" panose="02000000000000000000" pitchFamily="50" charset="-127"/>
+              </a:rPr>
+              <a:t>유니코드표에 해당하는 숫자로 변경된 상태로 </a:t>
+            </a:r>
+            <a:r>
+              <a:rPr lang="en-US" altLang="ko-KR" sz="3200" dirty="0">
+                <a:solidFill>
+                  <a:srgbClr val="4C50BB"/>
+                </a:solidFill>
+                <a:latin typeface="G마켓 산스 Medium" panose="02000000000000000000" pitchFamily="50" charset="-127"/>
+                <a:ea typeface="G마켓 산스 Medium" panose="02000000000000000000" pitchFamily="50" charset="-127"/>
+              </a:rPr>
+              <a:t>int-int </a:t>
+            </a:r>
+            <a:r>
+              <a:rPr lang="ko-KR" altLang="en-US" sz="3200" dirty="0">
+                <a:solidFill>
+                  <a:srgbClr val="4C50BB"/>
+                </a:solidFill>
+                <a:latin typeface="G마켓 산스 Medium" panose="02000000000000000000" pitchFamily="50" charset="-127"/>
+                <a:ea typeface="G마켓 산스 Medium" panose="02000000000000000000" pitchFamily="50" charset="-127"/>
+              </a:rPr>
+              <a:t>연산이 수행된다</a:t>
+            </a:r>
+            <a:r>
+              <a:rPr lang="en-US" altLang="ko-KR" sz="3200" dirty="0">
+                <a:solidFill>
+                  <a:srgbClr val="4C50BB"/>
+                </a:solidFill>
+                <a:latin typeface="G마켓 산스 Medium" panose="02000000000000000000" pitchFamily="50" charset="-127"/>
+                <a:ea typeface="G마켓 산스 Medium" panose="02000000000000000000" pitchFamily="50" charset="-127"/>
+              </a:rPr>
+              <a:t>.</a:t>
+            </a:r>
+          </a:p>
+          <a:p>
+            <a:pPr marL="742950" indent="-742950">
+              <a:buAutoNum type="arabicPeriod"/>
+            </a:pPr>
+            <a:r>
+              <a:rPr lang="ko-KR" altLang="en-US" sz="3200" dirty="0">
+                <a:solidFill>
+                  <a:srgbClr val="4C50BB"/>
+                </a:solidFill>
+                <a:latin typeface="G마켓 산스 Medium" panose="02000000000000000000" pitchFamily="50" charset="-127"/>
+                <a:ea typeface="G마켓 산스 Medium" panose="02000000000000000000" pitchFamily="50" charset="-127"/>
+              </a:rPr>
+              <a:t>문자 </a:t>
+            </a:r>
+            <a:r>
+              <a:rPr lang="en-US" altLang="ko-KR" sz="3200" dirty="0">
+                <a:solidFill>
+                  <a:srgbClr val="4C50BB"/>
+                </a:solidFill>
+                <a:latin typeface="G마켓 산스 Medium" panose="02000000000000000000" pitchFamily="50" charset="-127"/>
+                <a:ea typeface="G마켓 산스 Medium" panose="02000000000000000000" pitchFamily="50" charset="-127"/>
+              </a:rPr>
+              <a:t>‘3’ </a:t>
+            </a:r>
+            <a:r>
+              <a:rPr lang="ko-KR" altLang="en-US" sz="3200" dirty="0">
+                <a:solidFill>
+                  <a:srgbClr val="4C50BB"/>
+                </a:solidFill>
+                <a:latin typeface="G마켓 산스 Medium" panose="02000000000000000000" pitchFamily="50" charset="-127"/>
+                <a:ea typeface="G마켓 산스 Medium" panose="02000000000000000000" pitchFamily="50" charset="-127"/>
+              </a:rPr>
+              <a:t>과 문자</a:t>
+            </a:r>
+            <a:r>
+              <a:rPr lang="en-US" altLang="ko-KR" sz="3200" dirty="0">
+                <a:solidFill>
+                  <a:srgbClr val="4C50BB"/>
+                </a:solidFill>
+                <a:latin typeface="G마켓 산스 Medium" panose="02000000000000000000" pitchFamily="50" charset="-127"/>
+                <a:ea typeface="G마켓 산스 Medium" panose="02000000000000000000" pitchFamily="50" charset="-127"/>
+              </a:rPr>
+              <a:t>‘0’</a:t>
+            </a:r>
+            <a:r>
+              <a:rPr lang="ko-KR" altLang="en-US" sz="3200" dirty="0">
+                <a:solidFill>
+                  <a:srgbClr val="4C50BB"/>
+                </a:solidFill>
+                <a:latin typeface="G마켓 산스 Medium" panose="02000000000000000000" pitchFamily="50" charset="-127"/>
+                <a:ea typeface="G마켓 산스 Medium" panose="02000000000000000000" pitchFamily="50" charset="-127"/>
+              </a:rPr>
+              <a:t>의 유니코드상 차이는 </a:t>
+            </a:r>
+            <a:r>
+              <a:rPr lang="en-US" altLang="ko-KR" sz="3200" dirty="0">
+                <a:solidFill>
+                  <a:srgbClr val="4C50BB"/>
+                </a:solidFill>
+                <a:latin typeface="G마켓 산스 Medium" panose="02000000000000000000" pitchFamily="50" charset="-127"/>
+                <a:ea typeface="G마켓 산스 Medium" panose="02000000000000000000" pitchFamily="50" charset="-127"/>
+              </a:rPr>
+              <a:t>3</a:t>
+            </a:r>
+            <a:r>
+              <a:rPr lang="ko-KR" altLang="en-US" sz="3200" dirty="0">
+                <a:solidFill>
+                  <a:srgbClr val="4C50BB"/>
+                </a:solidFill>
+                <a:latin typeface="G마켓 산스 Medium" panose="02000000000000000000" pitchFamily="50" charset="-127"/>
+                <a:ea typeface="G마켓 산스 Medium" panose="02000000000000000000" pitchFamily="50" charset="-127"/>
+              </a:rPr>
+              <a:t>만큼 나므로 숫자 </a:t>
+            </a:r>
+            <a:r>
+              <a:rPr lang="en-US" altLang="ko-KR" sz="3200" dirty="0">
+                <a:solidFill>
+                  <a:srgbClr val="4C50BB"/>
+                </a:solidFill>
+                <a:latin typeface="G마켓 산스 Medium" panose="02000000000000000000" pitchFamily="50" charset="-127"/>
+                <a:ea typeface="G마켓 산스 Medium" panose="02000000000000000000" pitchFamily="50" charset="-127"/>
+              </a:rPr>
+              <a:t>3</a:t>
+            </a:r>
+            <a:r>
+              <a:rPr lang="ko-KR" altLang="en-US" sz="3200" dirty="0">
+                <a:solidFill>
+                  <a:srgbClr val="4C50BB"/>
+                </a:solidFill>
+                <a:latin typeface="G마켓 산스 Medium" panose="02000000000000000000" pitchFamily="50" charset="-127"/>
+                <a:ea typeface="G마켓 산스 Medium" panose="02000000000000000000" pitchFamily="50" charset="-127"/>
+              </a:rPr>
+              <a:t>이 </a:t>
+            </a:r>
+            <a:r>
+              <a:rPr lang="en-US" altLang="ko-KR" sz="3200" dirty="0">
+                <a:solidFill>
+                  <a:srgbClr val="4C50BB"/>
+                </a:solidFill>
+                <a:latin typeface="G마켓 산스 Medium" panose="02000000000000000000" pitchFamily="50" charset="-127"/>
+                <a:ea typeface="G마켓 산스 Medium" panose="02000000000000000000" pitchFamily="50" charset="-127"/>
+              </a:rPr>
+              <a:t>b</a:t>
+            </a:r>
+            <a:r>
+              <a:rPr lang="ko-KR" altLang="en-US" sz="3200" dirty="0">
+                <a:solidFill>
+                  <a:srgbClr val="4C50BB"/>
+                </a:solidFill>
+                <a:latin typeface="G마켓 산스 Medium" panose="02000000000000000000" pitchFamily="50" charset="-127"/>
+                <a:ea typeface="G마켓 산스 Medium" panose="02000000000000000000" pitchFamily="50" charset="-127"/>
+              </a:rPr>
+              <a:t>에 저장된다</a:t>
+            </a:r>
+            <a:r>
+              <a:rPr lang="en-US" altLang="ko-KR" sz="3200" dirty="0">
+                <a:solidFill>
+                  <a:srgbClr val="4C50BB"/>
+                </a:solidFill>
+                <a:latin typeface="G마켓 산스 Medium" panose="02000000000000000000" pitchFamily="50" charset="-127"/>
+                <a:ea typeface="G마켓 산스 Medium" panose="02000000000000000000" pitchFamily="50" charset="-127"/>
+              </a:rPr>
+              <a:t>.</a:t>
+            </a:r>
+          </a:p>
+        </p:txBody>
+      </p:sp>
+      <p:sp>
+        <p:nvSpPr>
+          <p:cNvPr id="7" name="TextBox 6">
+            <a:extLst>
+              <a:ext uri="{FF2B5EF4-FFF2-40B4-BE49-F238E27FC236}">
+                <a16:creationId xmlns:a16="http://schemas.microsoft.com/office/drawing/2014/main" id="{C5F284F2-D0EE-9027-D750-ED37B15AAF09}"/>
+              </a:ext>
+            </a:extLst>
+          </p:cNvPr>
+          <p:cNvSpPr txBox="1"/>
+          <p:nvPr/>
+        </p:nvSpPr>
+        <p:spPr>
+          <a:xfrm>
+            <a:off x="1153559" y="6794837"/>
+            <a:ext cx="1665841" cy="1015663"/>
+          </a:xfrm>
+          <a:prstGeom prst="rect">
+            <a:avLst/>
+          </a:prstGeom>
+          <a:noFill/>
+        </p:spPr>
+        <p:txBody>
+          <a:bodyPr wrap="none" rtlCol="0">
+            <a:spAutoFit/>
+          </a:bodyPr>
+          <a:lstStyle/>
+          <a:p>
+            <a:r>
+              <a:rPr lang="ko-KR" altLang="en-US" sz="6000" dirty="0">
+                <a:solidFill>
+                  <a:srgbClr val="4C50BB"/>
+                </a:solidFill>
+                <a:latin typeface="G마켓 산스 TTF Bold" panose="02000000000000000000" pitchFamily="2" charset="-127"/>
+                <a:ea typeface="G마켓 산스 TTF Bold" panose="02000000000000000000" pitchFamily="2" charset="-127"/>
+              </a:rPr>
+              <a:t>해설</a:t>
+            </a:r>
+            <a:endParaRPr lang="ko-KR" altLang="en-US" sz="800" dirty="0">
+              <a:solidFill>
+                <a:srgbClr val="4C50BB"/>
+              </a:solidFill>
+              <a:latin typeface="G마켓 산스 TTF Bold" panose="02000000000000000000" pitchFamily="2" charset="-127"/>
+              <a:ea typeface="G마켓 산스 TTF Bold" panose="02000000000000000000" pitchFamily="2" charset="-127"/>
+            </a:endParaRPr>
+          </a:p>
+        </p:txBody>
+      </p:sp>
     </p:spTree>
     <p:extLst>
       <p:ext uri="{BB962C8B-B14F-4D97-AF65-F5344CB8AC3E}">
@@ -6841,81 +8394,6 @@
   <p:clrMapOvr>
     <a:masterClrMapping/>
   </p:clrMapOvr>
-  <p:timing>
-    <p:tnLst>
-      <p:par>
-        <p:cTn id="1" dur="indefinite" restart="never" nodeType="tmRoot">
-          <p:childTnLst>
-            <p:seq concurrent="1" nextAc="seek">
-              <p:cTn id="2" dur="indefinite" nodeType="mainSeq">
-                <p:childTnLst>
-                  <p:par>
-                    <p:cTn id="3" fill="hold">
-                      <p:stCondLst>
-                        <p:cond delay="indefinite"/>
-                      </p:stCondLst>
-                      <p:childTnLst>
-                        <p:par>
-                          <p:cTn id="4" fill="hold">
-                            <p:stCondLst>
-                              <p:cond delay="0"/>
-                            </p:stCondLst>
-                            <p:childTnLst>
-                              <p:par>
-                                <p:cTn id="5" presetID="1" presetClass="exit" presetSubtype="0" fill="hold" nodeType="clickEffect">
-                                  <p:stCondLst>
-                                    <p:cond delay="0"/>
-                                  </p:stCondLst>
-                                  <p:childTnLst>
-                                    <p:set>
-                                      <p:cBhvr>
-                                        <p:cTn id="6" dur="1" fill="hold">
-                                          <p:stCondLst>
-                                            <p:cond delay="0"/>
-                                          </p:stCondLst>
-                                        </p:cTn>
-                                        <p:tgtEl>
-                                          <p:spTgt spid="6"/>
-                                        </p:tgtEl>
-                                        <p:attrNameLst>
-                                          <p:attrName>style.visibility</p:attrName>
-                                        </p:attrNameLst>
-                                      </p:cBhvr>
-                                      <p:to>
-                                        <p:strVal val="hidden"/>
-                                      </p:to>
-                                    </p:set>
-                                  </p:childTnLst>
-                                </p:cTn>
-                              </p:par>
-                            </p:childTnLst>
-                          </p:cTn>
-                        </p:par>
-                      </p:childTnLst>
-                    </p:cTn>
-                  </p:par>
-                </p:childTnLst>
-              </p:cTn>
-              <p:prevCondLst>
-                <p:cond evt="onPrev" delay="0">
-                  <p:tgtEl>
-                    <p:sldTgt/>
-                  </p:tgtEl>
-                </p:cond>
-              </p:prevCondLst>
-              <p:nextCondLst>
-                <p:cond evt="onNext" delay="0">
-                  <p:tgtEl>
-                    <p:sldTgt/>
-                  </p:tgtEl>
-                </p:cond>
-              </p:nextCondLst>
-            </p:seq>
-          </p:childTnLst>
-        </p:cTn>
-      </p:par>
-    </p:tnLst>
-  </p:timing>
 </p:sld>
 </file>
 
@@ -6965,7 +8443,7 @@
           <a:lstStyle/>
           <a:p>
             <a:r>
-              <a:rPr lang="en-US" altLang="ko-KR" sz="3600" smtClean="0">
+              <a:rPr lang="en-US" altLang="ko-KR" sz="3600">
                 <a:solidFill>
                   <a:srgbClr val="4C50BC"/>
                 </a:solidFill>
@@ -6975,7 +8453,7 @@
               <a:t>4. </a:t>
             </a:r>
             <a:r>
-              <a:rPr lang="ko-KR" altLang="en-US" sz="3600" smtClean="0">
+              <a:rPr lang="ko-KR" altLang="en-US" sz="3600">
                 <a:solidFill>
                   <a:srgbClr val="4C50BC"/>
                 </a:solidFill>
@@ -6985,7 +8463,7 @@
               <a:t>키보드로부터 문자 하나를 입력 받아 대문자이면 </a:t>
             </a:r>
             <a:r>
-              <a:rPr lang="en-US" altLang="ko-KR" sz="3600" smtClean="0">
+              <a:rPr lang="en-US" altLang="ko-KR" sz="3600">
                 <a:solidFill>
                   <a:srgbClr val="4C50BC"/>
                 </a:solidFill>
@@ -6997,7 +8475,7 @@
           </a:p>
           <a:p>
             <a:r>
-              <a:rPr lang="ko-KR" altLang="en-US" sz="3600" smtClean="0">
+              <a:rPr lang="ko-KR" altLang="en-US" sz="3600">
                 <a:solidFill>
                   <a:srgbClr val="4C50BC"/>
                 </a:solidFill>
@@ -7007,7 +8485,7 @@
               <a:t>소문자이면 </a:t>
             </a:r>
             <a:r>
-              <a:rPr lang="en-US" altLang="ko-KR" sz="3600" smtClean="0">
+              <a:rPr lang="en-US" altLang="ko-KR" sz="3600">
                 <a:solidFill>
                   <a:srgbClr val="4C50BC"/>
                 </a:solidFill>
@@ -7017,7 +8495,7 @@
               <a:t>false</a:t>
             </a:r>
             <a:r>
-              <a:rPr lang="ko-KR" altLang="en-US" sz="3600" smtClean="0">
+              <a:rPr lang="ko-KR" altLang="en-US" sz="3600">
                 <a:solidFill>
                   <a:srgbClr val="4C50BC"/>
                 </a:solidFill>
@@ -7027,7 +8505,7 @@
               <a:t>를 출력하는 프로그램을 만들자</a:t>
             </a:r>
             <a:r>
-              <a:rPr lang="en-US" altLang="ko-KR" sz="3600" smtClean="0">
+              <a:rPr lang="en-US" altLang="ko-KR" sz="3600">
                 <a:solidFill>
                   <a:srgbClr val="4C50BC"/>
                 </a:solidFill>
@@ -7039,7 +8517,7 @@
           </a:p>
           <a:p>
             <a:r>
-              <a:rPr lang="en-US" altLang="ko-KR" sz="3200" smtClean="0">
+              <a:rPr lang="en-US" altLang="ko-KR" sz="3200">
                 <a:solidFill>
                   <a:schemeClr val="bg1">
                     <a:lumMod val="50000"/>
@@ -7051,7 +8529,7 @@
               <a:t>- </a:t>
             </a:r>
             <a:r>
-              <a:rPr lang="ko-KR" altLang="en-US" sz="3200" smtClean="0">
+              <a:rPr lang="ko-KR" altLang="en-US" sz="3200">
                 <a:solidFill>
                   <a:schemeClr val="bg1">
                     <a:lumMod val="50000"/>
@@ -7063,7 +8541,7 @@
               <a:t>문자는 컴퓨터에서 내부적으로 아스키코드표를 이용해 숫자로 관리된다</a:t>
             </a:r>
             <a:r>
-              <a:rPr lang="en-US" altLang="ko-KR" sz="3200" smtClean="0">
+              <a:rPr lang="en-US" altLang="ko-KR" sz="3200">
                 <a:solidFill>
                   <a:schemeClr val="bg1">
                     <a:lumMod val="50000"/>
@@ -7141,31 +8619,8 @@
         </p:blipFill>
         <p:spPr>
           <a:xfrm>
-            <a:off x="1447800" y="2552700"/>
+            <a:off x="1447800" y="2171700"/>
             <a:ext cx="16446200" cy="5029200"/>
-          </a:xfrm>
-          <a:prstGeom prst="rect">
-            <a:avLst/>
-          </a:prstGeom>
-        </p:spPr>
-      </p:pic>
-      <p:pic>
-        <p:nvPicPr>
-          <p:cNvPr id="11" name="그림 10"/>
-          <p:cNvPicPr>
-            <a:picLocks noChangeAspect="1"/>
-          </p:cNvPicPr>
-          <p:nvPr/>
-        </p:nvPicPr>
-        <p:blipFill rotWithShape="1">
-          <a:blip r:embed="rId5"/>
-          <a:srcRect l="25947" t="84848" r="50424" b="6061"/>
-          <a:stretch/>
-        </p:blipFill>
-        <p:spPr>
-          <a:xfrm>
-            <a:off x="5715000" y="6819900"/>
-            <a:ext cx="3886200" cy="457200"/>
           </a:xfrm>
           <a:prstGeom prst="rect">
             <a:avLst/>
@@ -7182,85 +8637,615 @@
   <p:clrMapOvr>
     <a:masterClrMapping/>
   </p:clrMapOvr>
-  <p:timing>
-    <p:tnLst>
-      <p:par>
-        <p:cTn id="1" dur="indefinite" restart="never" nodeType="tmRoot">
-          <p:childTnLst>
-            <p:seq concurrent="1" nextAc="seek">
-              <p:cTn id="2" dur="indefinite" nodeType="mainSeq">
-                <p:childTnLst>
-                  <p:par>
-                    <p:cTn id="3" fill="hold">
-                      <p:stCondLst>
-                        <p:cond delay="indefinite"/>
-                      </p:stCondLst>
-                      <p:childTnLst>
-                        <p:par>
-                          <p:cTn id="4" fill="hold">
-                            <p:stCondLst>
-                              <p:cond delay="0"/>
-                            </p:stCondLst>
-                            <p:childTnLst>
-                              <p:par>
-                                <p:cTn id="5" presetID="1" presetClass="exit" presetSubtype="0" fill="hold" nodeType="clickEffect">
-                                  <p:stCondLst>
-                                    <p:cond delay="0"/>
-                                  </p:stCondLst>
-                                  <p:childTnLst>
-                                    <p:set>
-                                      <p:cBhvr>
-                                        <p:cTn id="6" dur="1" fill="hold">
-                                          <p:stCondLst>
-                                            <p:cond delay="0"/>
-                                          </p:stCondLst>
-                                        </p:cTn>
-                                        <p:tgtEl>
-                                          <p:spTgt spid="11"/>
-                                        </p:tgtEl>
-                                        <p:attrNameLst>
-                                          <p:attrName>style.visibility</p:attrName>
-                                        </p:attrNameLst>
-                                      </p:cBhvr>
-                                      <p:to>
-                                        <p:strVal val="hidden"/>
-                                      </p:to>
-                                    </p:set>
-                                  </p:childTnLst>
-                                </p:cTn>
-                              </p:par>
-                            </p:childTnLst>
-                          </p:cTn>
-                        </p:par>
-                      </p:childTnLst>
-                    </p:cTn>
-                  </p:par>
-                </p:childTnLst>
-              </p:cTn>
-              <p:prevCondLst>
-                <p:cond evt="onPrev" delay="0">
-                  <p:tgtEl>
-                    <p:sldTgt/>
-                  </p:tgtEl>
-                </p:cond>
-              </p:prevCondLst>
-              <p:nextCondLst>
-                <p:cond evt="onNext" delay="0">
-                  <p:tgtEl>
-                    <p:sldTgt/>
-                  </p:tgtEl>
-                </p:cond>
-              </p:nextCondLst>
-            </p:seq>
-          </p:childTnLst>
-        </p:cTn>
-      </p:par>
-    </p:tnLst>
-  </p:timing>
 </p:sld>
 </file>
 
 <file path=ppt/slides/slide6.xml><?xml version="1.0" encoding="utf-8"?>
+<p:sld xmlns:a="http://schemas.openxmlformats.org/drawingml/2006/main" xmlns:r="http://schemas.openxmlformats.org/officeDocument/2006/relationships" xmlns:p="http://schemas.openxmlformats.org/presentationml/2006/main">
+  <p:cSld>
+    <p:spTree>
+      <p:nvGrpSpPr>
+        <p:cNvPr id="1" name=""/>
+        <p:cNvGrpSpPr/>
+        <p:nvPr/>
+      </p:nvGrpSpPr>
+      <p:grpSpPr>
+        <a:xfrm>
+          <a:off x="0" y="0"/>
+          <a:ext cx="0" cy="0"/>
+          <a:chOff x="0" y="0"/>
+          <a:chExt cx="0" cy="0"/>
+        </a:xfrm>
+      </p:grpSpPr>
+      <p:sp>
+        <p:nvSpPr>
+          <p:cNvPr id="4" name="TextBox 3">
+            <a:extLst>
+              <a:ext uri="{FF2B5EF4-FFF2-40B4-BE49-F238E27FC236}">
+                <a16:creationId xmlns:a16="http://schemas.microsoft.com/office/drawing/2014/main" id="{216AF1AE-8C40-0F2B-581B-E9EBCEEAE277}"/>
+              </a:ext>
+            </a:extLst>
+          </p:cNvPr>
+          <p:cNvSpPr txBox="1"/>
+          <p:nvPr/>
+        </p:nvSpPr>
+        <p:spPr>
+          <a:xfrm>
+            <a:off x="1905000" y="2166997"/>
+            <a:ext cx="16002000" cy="3046988"/>
+          </a:xfrm>
+          <a:prstGeom prst="rect">
+            <a:avLst/>
+          </a:prstGeom>
+          <a:noFill/>
+        </p:spPr>
+        <p:txBody>
+          <a:bodyPr wrap="square" rtlCol="0">
+            <a:spAutoFit/>
+          </a:bodyPr>
+          <a:lstStyle/>
+          <a:p>
+            <a:r>
+              <a:rPr lang="en-US" altLang="ko-KR" sz="3200" dirty="0" err="1">
+                <a:solidFill>
+                  <a:srgbClr val="4C50BB"/>
+                </a:solidFill>
+                <a:latin typeface="G마켓 산스 Medium" panose="02000000000000000000" pitchFamily="50" charset="-127"/>
+                <a:ea typeface="G마켓 산스 Medium" panose="02000000000000000000" pitchFamily="50" charset="-127"/>
+              </a:rPr>
+              <a:t>ch</a:t>
+            </a:r>
+            <a:r>
+              <a:rPr lang="ko-KR" altLang="en-US" sz="3200" dirty="0">
+                <a:solidFill>
+                  <a:srgbClr val="4C50BB"/>
+                </a:solidFill>
+                <a:latin typeface="G마켓 산스 Medium" panose="02000000000000000000" pitchFamily="50" charset="-127"/>
+                <a:ea typeface="G마켓 산스 Medium" panose="02000000000000000000" pitchFamily="50" charset="-127"/>
+              </a:rPr>
+              <a:t>변수는 </a:t>
+            </a:r>
+            <a:r>
+              <a:rPr lang="en-US" altLang="ko-KR" sz="3200" dirty="0">
+                <a:solidFill>
+                  <a:srgbClr val="4C50BB"/>
+                </a:solidFill>
+                <a:latin typeface="G마켓 산스 Medium" panose="02000000000000000000" pitchFamily="50" charset="-127"/>
+                <a:ea typeface="G마켓 산스 Medium" panose="02000000000000000000" pitchFamily="50" charset="-127"/>
+              </a:rPr>
+              <a:t>char </a:t>
+            </a:r>
+            <a:r>
+              <a:rPr lang="ko-KR" altLang="en-US" sz="3200" dirty="0">
+                <a:solidFill>
+                  <a:srgbClr val="4C50BB"/>
+                </a:solidFill>
+                <a:latin typeface="G마켓 산스 Medium" panose="02000000000000000000" pitchFamily="50" charset="-127"/>
+                <a:ea typeface="G마켓 산스 Medium" panose="02000000000000000000" pitchFamily="50" charset="-127"/>
+              </a:rPr>
+              <a:t>타입이며 사칙연산과 마찬가지로 대소비교 연산시에도 </a:t>
+            </a:r>
+            <a:r>
+              <a:rPr lang="en-US" altLang="ko-KR" sz="3200" dirty="0">
+                <a:solidFill>
+                  <a:srgbClr val="4C50BB"/>
+                </a:solidFill>
+                <a:latin typeface="G마켓 산스 Medium" panose="02000000000000000000" pitchFamily="50" charset="-127"/>
+                <a:ea typeface="G마켓 산스 Medium" panose="02000000000000000000" pitchFamily="50" charset="-127"/>
+              </a:rPr>
+              <a:t>int</a:t>
+            </a:r>
+            <a:r>
+              <a:rPr lang="ko-KR" altLang="en-US" sz="3200" dirty="0">
+                <a:solidFill>
+                  <a:srgbClr val="4C50BB"/>
+                </a:solidFill>
+                <a:latin typeface="G마켓 산스 Medium" panose="02000000000000000000" pitchFamily="50" charset="-127"/>
+                <a:ea typeface="G마켓 산스 Medium" panose="02000000000000000000" pitchFamily="50" charset="-127"/>
+              </a:rPr>
+              <a:t>로 변경 </a:t>
+            </a:r>
+            <a:r>
+              <a:rPr lang="ko-KR" altLang="en-US" sz="3200" dirty="0" err="1">
+                <a:solidFill>
+                  <a:srgbClr val="4C50BB"/>
+                </a:solidFill>
+                <a:latin typeface="G마켓 산스 Medium" panose="02000000000000000000" pitchFamily="50" charset="-127"/>
+                <a:ea typeface="G마켓 산스 Medium" panose="02000000000000000000" pitchFamily="50" charset="-127"/>
+              </a:rPr>
+              <a:t>된후</a:t>
+            </a:r>
+            <a:r>
+              <a:rPr lang="ko-KR" altLang="en-US" sz="3200" dirty="0">
+                <a:solidFill>
+                  <a:srgbClr val="4C50BB"/>
+                </a:solidFill>
+                <a:latin typeface="G마켓 산스 Medium" panose="02000000000000000000" pitchFamily="50" charset="-127"/>
+                <a:ea typeface="G마켓 산스 Medium" panose="02000000000000000000" pitchFamily="50" charset="-127"/>
+              </a:rPr>
+              <a:t> 계산된다</a:t>
+            </a:r>
+            <a:r>
+              <a:rPr lang="en-US" altLang="ko-KR" sz="3200" dirty="0">
+                <a:solidFill>
+                  <a:srgbClr val="4C50BB"/>
+                </a:solidFill>
+                <a:latin typeface="G마켓 산스 Medium" panose="02000000000000000000" pitchFamily="50" charset="-127"/>
+                <a:ea typeface="G마켓 산스 Medium" panose="02000000000000000000" pitchFamily="50" charset="-127"/>
+              </a:rPr>
+              <a:t>.</a:t>
+            </a:r>
+          </a:p>
+          <a:p>
+            <a:pPr marL="742950" indent="-742950">
+              <a:buAutoNum type="arabicPeriod"/>
+            </a:pPr>
+            <a:r>
+              <a:rPr lang="en-US" altLang="ko-KR" sz="3200" dirty="0" err="1">
+                <a:solidFill>
+                  <a:srgbClr val="4C50BB"/>
+                </a:solidFill>
+                <a:latin typeface="G마켓 산스 Medium" panose="02000000000000000000" pitchFamily="50" charset="-127"/>
+                <a:ea typeface="G마켓 산스 Medium" panose="02000000000000000000" pitchFamily="50" charset="-127"/>
+              </a:rPr>
+              <a:t>ch</a:t>
+            </a:r>
+            <a:r>
+              <a:rPr lang="ko-KR" altLang="en-US" sz="3200" dirty="0">
+                <a:solidFill>
+                  <a:srgbClr val="4C50BB"/>
+                </a:solidFill>
+                <a:latin typeface="G마켓 산스 Medium" panose="02000000000000000000" pitchFamily="50" charset="-127"/>
+                <a:ea typeface="G마켓 산스 Medium" panose="02000000000000000000" pitchFamily="50" charset="-127"/>
+              </a:rPr>
+              <a:t>에 담긴 문자의 유니코드표와 매칭되는 숫자로 변경되고 </a:t>
+            </a:r>
+            <a:r>
+              <a:rPr lang="en-US" altLang="ko-KR" sz="3200" dirty="0">
+                <a:solidFill>
+                  <a:srgbClr val="4C50BB"/>
+                </a:solidFill>
+                <a:latin typeface="G마켓 산스 Medium" panose="02000000000000000000" pitchFamily="50" charset="-127"/>
+                <a:ea typeface="G마켓 산스 Medium" panose="02000000000000000000" pitchFamily="50" charset="-127"/>
+              </a:rPr>
+              <a:t>‘A’ </a:t>
+            </a:r>
+            <a:r>
+              <a:rPr lang="ko-KR" altLang="en-US" sz="3200" dirty="0">
+                <a:solidFill>
+                  <a:srgbClr val="4C50BB"/>
+                </a:solidFill>
+                <a:latin typeface="G마켓 산스 Medium" panose="02000000000000000000" pitchFamily="50" charset="-127"/>
+                <a:ea typeface="G마켓 산스 Medium" panose="02000000000000000000" pitchFamily="50" charset="-127"/>
+              </a:rPr>
+              <a:t>와 </a:t>
+            </a:r>
+            <a:r>
+              <a:rPr lang="en-US" altLang="ko-KR" sz="3200" dirty="0">
+                <a:solidFill>
+                  <a:srgbClr val="4C50BB"/>
+                </a:solidFill>
+                <a:latin typeface="G마켓 산스 Medium" panose="02000000000000000000" pitchFamily="50" charset="-127"/>
+                <a:ea typeface="G마켓 산스 Medium" panose="02000000000000000000" pitchFamily="50" charset="-127"/>
+              </a:rPr>
+              <a:t>‘z’</a:t>
+            </a:r>
+            <a:r>
+              <a:rPr lang="ko-KR" altLang="en-US" sz="3200" dirty="0">
+                <a:solidFill>
+                  <a:srgbClr val="4C50BB"/>
+                </a:solidFill>
+                <a:latin typeface="G마켓 산스 Medium" panose="02000000000000000000" pitchFamily="50" charset="-127"/>
+                <a:ea typeface="G마켓 산스 Medium" panose="02000000000000000000" pitchFamily="50" charset="-127"/>
+              </a:rPr>
+              <a:t>역시 마찬가지로 숫자로 변경된다</a:t>
+            </a:r>
+            <a:r>
+              <a:rPr lang="en-US" altLang="ko-KR" sz="3200" dirty="0">
+                <a:solidFill>
+                  <a:srgbClr val="4C50BB"/>
+                </a:solidFill>
+                <a:latin typeface="G마켓 산스 Medium" panose="02000000000000000000" pitchFamily="50" charset="-127"/>
+                <a:ea typeface="G마켓 산스 Medium" panose="02000000000000000000" pitchFamily="50" charset="-127"/>
+              </a:rPr>
+              <a:t>.</a:t>
+            </a:r>
+          </a:p>
+          <a:p>
+            <a:pPr marL="742950" indent="-742950">
+              <a:buAutoNum type="arabicPeriod"/>
+            </a:pPr>
+            <a:r>
+              <a:rPr lang="en-US" altLang="ko-KR" sz="3200" dirty="0" err="1">
+                <a:solidFill>
+                  <a:srgbClr val="4C50BB"/>
+                </a:solidFill>
+                <a:latin typeface="G마켓 산스 Medium" panose="02000000000000000000" pitchFamily="50" charset="-127"/>
+                <a:ea typeface="G마켓 산스 Medium" panose="02000000000000000000" pitchFamily="50" charset="-127"/>
+              </a:rPr>
+              <a:t>ch</a:t>
+            </a:r>
+            <a:r>
+              <a:rPr lang="ko-KR" altLang="en-US" sz="3200" dirty="0">
+                <a:solidFill>
+                  <a:srgbClr val="4C50BB"/>
+                </a:solidFill>
+                <a:latin typeface="G마켓 산스 Medium" panose="02000000000000000000" pitchFamily="50" charset="-127"/>
+                <a:ea typeface="G마켓 산스 Medium" panose="02000000000000000000" pitchFamily="50" charset="-127"/>
+              </a:rPr>
+              <a:t>가 만약 </a:t>
+            </a:r>
+            <a:r>
+              <a:rPr lang="en-US" altLang="ko-KR" sz="3200" dirty="0">
+                <a:solidFill>
+                  <a:srgbClr val="4C50BB"/>
+                </a:solidFill>
+                <a:latin typeface="G마켓 산스 Medium" panose="02000000000000000000" pitchFamily="50" charset="-127"/>
+                <a:ea typeface="G마켓 산스 Medium" panose="02000000000000000000" pitchFamily="50" charset="-127"/>
+              </a:rPr>
+              <a:t>‘D’</a:t>
+            </a:r>
+            <a:r>
+              <a:rPr lang="ko-KR" altLang="en-US" sz="3200" dirty="0">
+                <a:solidFill>
+                  <a:srgbClr val="4C50BB"/>
+                </a:solidFill>
+                <a:latin typeface="G마켓 산스 Medium" panose="02000000000000000000" pitchFamily="50" charset="-127"/>
+                <a:ea typeface="G마켓 산스 Medium" panose="02000000000000000000" pitchFamily="50" charset="-127"/>
+              </a:rPr>
+              <a:t>를 입력했다면 다음과 같이 수식이 변경된다</a:t>
+            </a:r>
+            <a:r>
+              <a:rPr lang="en-US" altLang="ko-KR" sz="3200" dirty="0">
+                <a:solidFill>
+                  <a:srgbClr val="4C50BB"/>
+                </a:solidFill>
+                <a:latin typeface="G마켓 산스 Medium" panose="02000000000000000000" pitchFamily="50" charset="-127"/>
+                <a:ea typeface="G마켓 산스 Medium" panose="02000000000000000000" pitchFamily="50" charset="-127"/>
+              </a:rPr>
+              <a:t>.</a:t>
+            </a:r>
+          </a:p>
+          <a:p>
+            <a:r>
+              <a:rPr lang="en-US" altLang="ko-KR" sz="3200" dirty="0">
+                <a:solidFill>
+                  <a:srgbClr val="4C50BB"/>
+                </a:solidFill>
+                <a:latin typeface="G마켓 산스 Medium" panose="02000000000000000000" pitchFamily="50" charset="-127"/>
+                <a:ea typeface="G마켓 산스 Medium" panose="02000000000000000000" pitchFamily="50" charset="-127"/>
+              </a:rPr>
+              <a:t>     68&gt;=65 &amp;&amp; 68&lt;=90</a:t>
+            </a:r>
+          </a:p>
+        </p:txBody>
+      </p:sp>
+      <p:sp>
+        <p:nvSpPr>
+          <p:cNvPr id="6" name="TextBox 5">
+            <a:extLst>
+              <a:ext uri="{FF2B5EF4-FFF2-40B4-BE49-F238E27FC236}">
+                <a16:creationId xmlns:a16="http://schemas.microsoft.com/office/drawing/2014/main" id="{4EB38533-5A2F-727F-F892-8AEDCEF79790}"/>
+              </a:ext>
+            </a:extLst>
+          </p:cNvPr>
+          <p:cNvSpPr txBox="1"/>
+          <p:nvPr/>
+        </p:nvSpPr>
+        <p:spPr>
+          <a:xfrm>
+            <a:off x="919679" y="114300"/>
+            <a:ext cx="1665841" cy="1015663"/>
+          </a:xfrm>
+          <a:prstGeom prst="rect">
+            <a:avLst/>
+          </a:prstGeom>
+          <a:noFill/>
+        </p:spPr>
+        <p:txBody>
+          <a:bodyPr wrap="none" rtlCol="0">
+            <a:spAutoFit/>
+          </a:bodyPr>
+          <a:lstStyle/>
+          <a:p>
+            <a:r>
+              <a:rPr lang="ko-KR" altLang="en-US" sz="6000" dirty="0">
+                <a:solidFill>
+                  <a:srgbClr val="4C50BB"/>
+                </a:solidFill>
+                <a:latin typeface="G마켓 산스 TTF Bold" panose="02000000000000000000" pitchFamily="2" charset="-127"/>
+                <a:ea typeface="G마켓 산스 TTF Bold" panose="02000000000000000000" pitchFamily="2" charset="-127"/>
+              </a:rPr>
+              <a:t>해설</a:t>
+            </a:r>
+            <a:endParaRPr lang="ko-KR" altLang="en-US" sz="800" dirty="0">
+              <a:solidFill>
+                <a:srgbClr val="4C50BB"/>
+              </a:solidFill>
+              <a:latin typeface="G마켓 산스 TTF Bold" panose="02000000000000000000" pitchFamily="2" charset="-127"/>
+              <a:ea typeface="G마켓 산스 TTF Bold" panose="02000000000000000000" pitchFamily="2" charset="-127"/>
+            </a:endParaRPr>
+          </a:p>
+        </p:txBody>
+      </p:sp>
+      <p:pic>
+        <p:nvPicPr>
+          <p:cNvPr id="8" name="그림 7">
+            <a:extLst>
+              <a:ext uri="{FF2B5EF4-FFF2-40B4-BE49-F238E27FC236}">
+                <a16:creationId xmlns:a16="http://schemas.microsoft.com/office/drawing/2014/main" id="{B7EB462A-3FBA-82C1-7458-3BC8E1395D34}"/>
+              </a:ext>
+            </a:extLst>
+          </p:cNvPr>
+          <p:cNvPicPr>
+            <a:picLocks noChangeAspect="1"/>
+          </p:cNvPicPr>
+          <p:nvPr/>
+        </p:nvPicPr>
+        <p:blipFill>
+          <a:blip r:embed="rId2"/>
+          <a:stretch>
+            <a:fillRect/>
+          </a:stretch>
+        </p:blipFill>
+        <p:spPr>
+          <a:xfrm>
+            <a:off x="2667000" y="860056"/>
+            <a:ext cx="9633990" cy="1154700"/>
+          </a:xfrm>
+          <a:prstGeom prst="rect">
+            <a:avLst/>
+          </a:prstGeom>
+        </p:spPr>
+      </p:pic>
+      <p:pic>
+        <p:nvPicPr>
+          <p:cNvPr id="10" name="그림 9">
+            <a:extLst>
+              <a:ext uri="{FF2B5EF4-FFF2-40B4-BE49-F238E27FC236}">
+                <a16:creationId xmlns:a16="http://schemas.microsoft.com/office/drawing/2014/main" id="{4E8645DC-66EB-35EF-DE5B-4D395ABEBFC3}"/>
+              </a:ext>
+            </a:extLst>
+          </p:cNvPr>
+          <p:cNvPicPr>
+            <a:picLocks noChangeAspect="1"/>
+          </p:cNvPicPr>
+          <p:nvPr/>
+        </p:nvPicPr>
+        <p:blipFill>
+          <a:blip r:embed="rId3"/>
+          <a:stretch>
+            <a:fillRect/>
+          </a:stretch>
+        </p:blipFill>
+        <p:spPr>
+          <a:xfrm>
+            <a:off x="1905000" y="6066728"/>
+            <a:ext cx="6400800" cy="3847990"/>
+          </a:xfrm>
+          <a:prstGeom prst="rect">
+            <a:avLst/>
+          </a:prstGeom>
+        </p:spPr>
+      </p:pic>
+      <p:cxnSp>
+        <p:nvCxnSpPr>
+          <p:cNvPr id="11" name="직선 화살표 연결선 10">
+            <a:extLst>
+              <a:ext uri="{FF2B5EF4-FFF2-40B4-BE49-F238E27FC236}">
+                <a16:creationId xmlns:a16="http://schemas.microsoft.com/office/drawing/2014/main" id="{843D43C3-A9FA-5AFC-6C19-569F9532E578}"/>
+              </a:ext>
+            </a:extLst>
+          </p:cNvPr>
+          <p:cNvCxnSpPr>
+            <a:cxnSpLocks/>
+          </p:cNvCxnSpPr>
+          <p:nvPr/>
+        </p:nvCxnSpPr>
+        <p:spPr>
+          <a:xfrm>
+            <a:off x="4648200" y="7102543"/>
+            <a:ext cx="1219200" cy="0"/>
+          </a:xfrm>
+          <a:prstGeom prst="straightConnector1">
+            <a:avLst/>
+          </a:prstGeom>
+          <a:ln w="38100">
+            <a:tailEnd type="triangle"/>
+          </a:ln>
+        </p:spPr>
+        <p:style>
+          <a:lnRef idx="1">
+            <a:schemeClr val="accent2"/>
+          </a:lnRef>
+          <a:fillRef idx="0">
+            <a:schemeClr val="accent2"/>
+          </a:fillRef>
+          <a:effectRef idx="0">
+            <a:schemeClr val="accent2"/>
+          </a:effectRef>
+          <a:fontRef idx="minor">
+            <a:schemeClr val="tx1"/>
+          </a:fontRef>
+        </p:style>
+      </p:cxnSp>
+      <p:sp>
+        <p:nvSpPr>
+          <p:cNvPr id="12" name="직사각형 11">
+            <a:extLst>
+              <a:ext uri="{FF2B5EF4-FFF2-40B4-BE49-F238E27FC236}">
+                <a16:creationId xmlns:a16="http://schemas.microsoft.com/office/drawing/2014/main" id="{A770ED28-6D54-80EE-D525-AB6A001ED2EF}"/>
+              </a:ext>
+            </a:extLst>
+          </p:cNvPr>
+          <p:cNvSpPr/>
+          <p:nvPr/>
+        </p:nvSpPr>
+        <p:spPr>
+          <a:xfrm>
+            <a:off x="1752600" y="6797743"/>
+            <a:ext cx="2895600" cy="457200"/>
+          </a:xfrm>
+          <a:prstGeom prst="rect">
+            <a:avLst/>
+          </a:prstGeom>
+          <a:noFill/>
+          <a:ln>
+            <a:solidFill>
+              <a:srgbClr val="FF0000"/>
+            </a:solidFill>
+          </a:ln>
+        </p:spPr>
+        <p:style>
+          <a:lnRef idx="2">
+            <a:schemeClr val="accent2">
+              <a:shade val="50000"/>
+            </a:schemeClr>
+          </a:lnRef>
+          <a:fillRef idx="1">
+            <a:schemeClr val="accent2"/>
+          </a:fillRef>
+          <a:effectRef idx="0">
+            <a:schemeClr val="accent2"/>
+          </a:effectRef>
+          <a:fontRef idx="minor">
+            <a:schemeClr val="lt1"/>
+          </a:fontRef>
+        </p:style>
+        <p:txBody>
+          <a:bodyPr rtlCol="0" anchor="ctr"/>
+          <a:lstStyle/>
+          <a:p>
+            <a:pPr algn="ctr"/>
+            <a:endParaRPr lang="ko-KR" altLang="en-US"/>
+          </a:p>
+        </p:txBody>
+      </p:sp>
+      <p:sp>
+        <p:nvSpPr>
+          <p:cNvPr id="13" name="TextBox 12">
+            <a:extLst>
+              <a:ext uri="{FF2B5EF4-FFF2-40B4-BE49-F238E27FC236}">
+                <a16:creationId xmlns:a16="http://schemas.microsoft.com/office/drawing/2014/main" id="{83B392DD-3B65-4A68-D5F0-3094F412FECC}"/>
+              </a:ext>
+            </a:extLst>
+          </p:cNvPr>
+          <p:cNvSpPr txBox="1"/>
+          <p:nvPr/>
+        </p:nvSpPr>
+        <p:spPr>
+          <a:xfrm>
+            <a:off x="5749352" y="7026343"/>
+            <a:ext cx="7551297" cy="646331"/>
+          </a:xfrm>
+          <a:prstGeom prst="rect">
+            <a:avLst/>
+          </a:prstGeom>
+          <a:noFill/>
+        </p:spPr>
+        <p:txBody>
+          <a:bodyPr wrap="square" rtlCol="0">
+            <a:spAutoFit/>
+          </a:bodyPr>
+          <a:lstStyle/>
+          <a:p>
+            <a:r>
+              <a:rPr lang="ko-KR" altLang="en-US" sz="3600" dirty="0">
+                <a:solidFill>
+                  <a:srgbClr val="FF0000"/>
+                </a:solidFill>
+                <a:latin typeface="G마켓 산스 Medium" panose="02000000000000000000" pitchFamily="50" charset="-127"/>
+                <a:ea typeface="G마켓 산스 Medium" panose="02000000000000000000" pitchFamily="50" charset="-127"/>
+              </a:rPr>
+              <a:t>대문자 </a:t>
+            </a:r>
+            <a:r>
+              <a:rPr lang="en-US" altLang="ko-KR" sz="3600" dirty="0">
+                <a:solidFill>
+                  <a:srgbClr val="FF0000"/>
+                </a:solidFill>
+                <a:latin typeface="G마켓 산스 Medium" panose="02000000000000000000" pitchFamily="50" charset="-127"/>
+                <a:ea typeface="G마켓 산스 Medium" panose="02000000000000000000" pitchFamily="50" charset="-127"/>
+              </a:rPr>
+              <a:t>A</a:t>
+            </a:r>
+            <a:r>
+              <a:rPr lang="ko-KR" altLang="en-US" sz="3600" dirty="0">
+                <a:solidFill>
+                  <a:srgbClr val="FF0000"/>
+                </a:solidFill>
+                <a:latin typeface="G마켓 산스 Medium" panose="02000000000000000000" pitchFamily="50" charset="-127"/>
+                <a:ea typeface="G마켓 산스 Medium" panose="02000000000000000000" pitchFamily="50" charset="-127"/>
+              </a:rPr>
+              <a:t>에 </a:t>
+            </a:r>
+            <a:r>
+              <a:rPr lang="ko-KR" altLang="en-US" sz="3600" dirty="0" err="1">
+                <a:solidFill>
+                  <a:srgbClr val="FF0000"/>
+                </a:solidFill>
+                <a:latin typeface="G마켓 산스 Medium" panose="02000000000000000000" pitchFamily="50" charset="-127"/>
+                <a:ea typeface="G마켓 산스 Medium" panose="02000000000000000000" pitchFamily="50" charset="-127"/>
+              </a:rPr>
+              <a:t>해당하는숫자는</a:t>
+            </a:r>
+            <a:r>
+              <a:rPr lang="ko-KR" altLang="en-US" sz="3600" dirty="0">
+                <a:solidFill>
+                  <a:srgbClr val="FF0000"/>
+                </a:solidFill>
+                <a:latin typeface="G마켓 산스 Medium" panose="02000000000000000000" pitchFamily="50" charset="-127"/>
+                <a:ea typeface="G마켓 산스 Medium" panose="02000000000000000000" pitchFamily="50" charset="-127"/>
+              </a:rPr>
+              <a:t> </a:t>
+            </a:r>
+            <a:r>
+              <a:rPr lang="en-US" altLang="ko-KR" sz="3600" dirty="0">
+                <a:solidFill>
+                  <a:srgbClr val="FF0000"/>
+                </a:solidFill>
+                <a:latin typeface="G마켓 산스 Medium" panose="02000000000000000000" pitchFamily="50" charset="-127"/>
+                <a:ea typeface="G마켓 산스 Medium" panose="02000000000000000000" pitchFamily="50" charset="-127"/>
+              </a:rPr>
+              <a:t>65</a:t>
+            </a:r>
+            <a:r>
+              <a:rPr lang="ko-KR" altLang="en-US" sz="3600" dirty="0">
+                <a:solidFill>
+                  <a:srgbClr val="FF0000"/>
+                </a:solidFill>
+                <a:latin typeface="G마켓 산스 Medium" panose="02000000000000000000" pitchFamily="50" charset="-127"/>
+                <a:ea typeface="G마켓 산스 Medium" panose="02000000000000000000" pitchFamily="50" charset="-127"/>
+              </a:rPr>
+              <a:t>이다</a:t>
+            </a:r>
+            <a:r>
+              <a:rPr lang="en-US" altLang="ko-KR" sz="3600" dirty="0">
+                <a:solidFill>
+                  <a:srgbClr val="FF0000"/>
+                </a:solidFill>
+                <a:latin typeface="G마켓 산스 Medium" panose="02000000000000000000" pitchFamily="50" charset="-127"/>
+                <a:ea typeface="G마켓 산스 Medium" panose="02000000000000000000" pitchFamily="50" charset="-127"/>
+              </a:rPr>
+              <a:t>.</a:t>
+            </a:r>
+          </a:p>
+        </p:txBody>
+      </p:sp>
+    </p:spTree>
+    <p:extLst>
+      <p:ext uri="{BB962C8B-B14F-4D97-AF65-F5344CB8AC3E}">
+        <p14:creationId xmlns:p14="http://schemas.microsoft.com/office/powerpoint/2010/main" val="4055560193"/>
+      </p:ext>
+    </p:extLst>
+  </p:cSld>
+  <p:clrMapOvr>
+    <a:masterClrMapping/>
+  </p:clrMapOvr>
+</p:sld>
+</file>
+
+<file path=ppt/slides/slide7.xml><?xml version="1.0" encoding="utf-8"?>
 <p:sld xmlns:a="http://schemas.openxmlformats.org/drawingml/2006/main" xmlns:r="http://schemas.openxmlformats.org/officeDocument/2006/relationships" xmlns:p="http://schemas.openxmlformats.org/presentationml/2006/main">
   <p:cSld>
     <p:spTree>
@@ -7291,8 +9276,8 @@
         </p:nvSpPr>
         <p:spPr>
           <a:xfrm>
-            <a:off x="1528688" y="419100"/>
-            <a:ext cx="14930511" cy="2800767"/>
+            <a:off x="1528688" y="266700"/>
+            <a:ext cx="14930511" cy="2246769"/>
           </a:xfrm>
           <a:prstGeom prst="rect">
             <a:avLst/>
@@ -7306,7 +9291,7 @@
           <a:lstStyle/>
           <a:p>
             <a:r>
-              <a:rPr lang="en-US" altLang="ko-KR" sz="3600" smtClean="0">
+              <a:rPr lang="en-US" altLang="ko-KR" sz="3600" dirty="0">
                 <a:solidFill>
                   <a:srgbClr val="4C50BC"/>
                 </a:solidFill>
@@ -7316,7 +9301,7 @@
               <a:t>5. 65</a:t>
             </a:r>
             <a:r>
-              <a:rPr lang="ko-KR" altLang="en-US" sz="3600" smtClean="0">
+              <a:rPr lang="ko-KR" altLang="en-US" sz="3600" dirty="0">
                 <a:solidFill>
                   <a:srgbClr val="4C50BC"/>
                 </a:solidFill>
@@ -7326,7 +9311,7 @@
               <a:t>명의 사람이 있고 한번에 </a:t>
             </a:r>
             <a:r>
-              <a:rPr lang="en-US" altLang="ko-KR" sz="3600" smtClean="0">
+              <a:rPr lang="en-US" altLang="ko-KR" sz="3600" dirty="0">
                 <a:solidFill>
                   <a:srgbClr val="4C50BC"/>
                 </a:solidFill>
@@ -7336,7 +9321,7 @@
               <a:t>4</a:t>
             </a:r>
             <a:r>
-              <a:rPr lang="ko-KR" altLang="en-US" sz="3600" smtClean="0">
+              <a:rPr lang="ko-KR" altLang="en-US" sz="3600" dirty="0">
                 <a:solidFill>
                   <a:srgbClr val="4C50BC"/>
                 </a:solidFill>
@@ -7345,7 +9330,7 @@
               </a:rPr>
               <a:t>명이 탈수 있는 차가 있다면</a:t>
             </a:r>
-            <a:endParaRPr lang="en-US" altLang="ko-KR" sz="3600" smtClean="0">
+            <a:endParaRPr lang="en-US" altLang="ko-KR" sz="3600" dirty="0">
               <a:solidFill>
                 <a:srgbClr val="4C50BC"/>
               </a:solidFill>
@@ -7355,16 +9340,36 @@
           </a:p>
           <a:p>
             <a:r>
-              <a:rPr lang="ko-KR" altLang="en-US" sz="3600" smtClean="0">
+              <a:rPr lang="ko-KR" altLang="en-US" sz="3600" dirty="0">
                 <a:solidFill>
                   <a:srgbClr val="4C50BC"/>
                 </a:solidFill>
                 <a:latin typeface="G마켓 산스 Medium" panose="02000000000000000000" pitchFamily="50" charset="-127"/>
                 <a:ea typeface="G마켓 산스 Medium" panose="02000000000000000000" pitchFamily="50" charset="-127"/>
               </a:rPr>
-              <a:t>모든 사람이 한번에 이동하기 위해서 몇대의 차가 필요한지 </a:t>
-            </a:r>
-            <a:endParaRPr lang="en-US" altLang="ko-KR" sz="3600" smtClean="0">
+              <a:t>모든 사람이 한번에 이동하기 위해서 </a:t>
+            </a:r>
+            <a:r>
+              <a:rPr lang="ko-KR" altLang="en-US" sz="3600" dirty="0" err="1">
+                <a:solidFill>
+                  <a:srgbClr val="4C50BC"/>
+                </a:solidFill>
+                <a:latin typeface="G마켓 산스 Medium" panose="02000000000000000000" pitchFamily="50" charset="-127"/>
+                <a:ea typeface="G마켓 산스 Medium" panose="02000000000000000000" pitchFamily="50" charset="-127"/>
+              </a:rPr>
+              <a:t>몇대의</a:t>
+            </a:r>
+            <a:r>
+              <a:rPr lang="ko-KR" altLang="en-US" sz="3600" dirty="0">
+                <a:solidFill>
+                  <a:srgbClr val="4C50BC"/>
+                </a:solidFill>
+                <a:latin typeface="G마켓 산스 Medium" panose="02000000000000000000" pitchFamily="50" charset="-127"/>
+                <a:ea typeface="G마켓 산스 Medium" panose="02000000000000000000" pitchFamily="50" charset="-127"/>
+              </a:rPr>
+              <a:t> 차가 필요한지 </a:t>
+            </a:r>
+            <a:endParaRPr lang="en-US" altLang="ko-KR" sz="3600" dirty="0">
               <a:solidFill>
                 <a:srgbClr val="4C50BC"/>
               </a:solidFill>
@@ -7374,16 +9379,26 @@
           </a:p>
           <a:p>
             <a:r>
-              <a:rPr lang="ko-KR" altLang="en-US" sz="3600" smtClean="0">
+              <a:rPr lang="ko-KR" altLang="en-US" sz="3600" dirty="0">
                 <a:solidFill>
                   <a:srgbClr val="4C50BC"/>
                 </a:solidFill>
                 <a:latin typeface="G마켓 산스 Medium" panose="02000000000000000000" pitchFamily="50" charset="-127"/>
                 <a:ea typeface="G마켓 산스 Medium" panose="02000000000000000000" pitchFamily="50" charset="-127"/>
               </a:rPr>
-              <a:t>계산하는 프로그램을 만드시오</a:t>
-            </a:r>
-            <a:endParaRPr lang="en-US" altLang="ko-KR" sz="3600" smtClean="0">
+              <a:t>계산하는 프로그램을 </a:t>
+            </a:r>
+            <a:r>
+              <a:rPr lang="ko-KR" altLang="en-US" sz="3600" dirty="0" err="1">
+                <a:solidFill>
+                  <a:srgbClr val="4C50BC"/>
+                </a:solidFill>
+                <a:latin typeface="G마켓 산스 Medium" panose="02000000000000000000" pitchFamily="50" charset="-127"/>
+                <a:ea typeface="G마켓 산스 Medium" panose="02000000000000000000" pitchFamily="50" charset="-127"/>
+              </a:rPr>
+              <a:t>만드시오</a:t>
+            </a:r>
+            <a:endParaRPr lang="en-US" altLang="ko-KR" sz="3600" dirty="0">
               <a:solidFill>
                 <a:srgbClr val="4C50BC"/>
               </a:solidFill>
@@ -7392,17 +9407,8 @@
             </a:endParaRPr>
           </a:p>
           <a:p>
-            <a:endParaRPr lang="en-US" altLang="ko-KR" sz="3600" smtClean="0">
-              <a:solidFill>
-                <a:srgbClr val="4C50BC"/>
-              </a:solidFill>
-              <a:latin typeface="G마켓 산스 Medium" panose="02000000000000000000" pitchFamily="50" charset="-127"/>
-              <a:ea typeface="G마켓 산스 Medium" panose="02000000000000000000" pitchFamily="50" charset="-127"/>
-            </a:endParaRPr>
-          </a:p>
-          <a:p>
-            <a:r>
-              <a:rPr lang="en-US" altLang="ko-KR" sz="3200" smtClean="0">
+            <a:r>
+              <a:rPr lang="en-US" altLang="ko-KR" sz="3200" dirty="0">
                 <a:solidFill>
                   <a:schemeClr val="bg1">
                     <a:lumMod val="50000"/>
@@ -7411,10 +9417,10 @@
                 <a:latin typeface="G마켓 산스 Medium" panose="02000000000000000000" pitchFamily="50" charset="-127"/>
                 <a:ea typeface="G마켓 산스 Medium" panose="02000000000000000000" pitchFamily="50" charset="-127"/>
               </a:rPr>
-              <a:t>- people , carPassengers</a:t>
-            </a:r>
-            <a:r>
-              <a:rPr lang="ko-KR" altLang="en-US" sz="3200" smtClean="0">
+              <a:t>- people , </a:t>
+            </a:r>
+            <a:r>
+              <a:rPr lang="en-US" altLang="ko-KR" sz="3200" dirty="0" err="1">
                 <a:solidFill>
                   <a:schemeClr val="bg1">
                     <a:lumMod val="50000"/>
@@ -7423,10 +9429,22 @@
                 <a:latin typeface="G마켓 산스 Medium" panose="02000000000000000000" pitchFamily="50" charset="-127"/>
                 <a:ea typeface="G마켓 산스 Medium" panose="02000000000000000000" pitchFamily="50" charset="-127"/>
               </a:rPr>
+              <a:t>carPassengers</a:t>
+            </a:r>
+            <a:r>
+              <a:rPr lang="ko-KR" altLang="en-US" sz="3200" dirty="0">
+                <a:solidFill>
+                  <a:schemeClr val="bg1">
+                    <a:lumMod val="50000"/>
+                  </a:schemeClr>
+                </a:solidFill>
+                <a:latin typeface="G마켓 산스 Medium" panose="02000000000000000000" pitchFamily="50" charset="-127"/>
+                <a:ea typeface="G마켓 산스 Medium" panose="02000000000000000000" pitchFamily="50" charset="-127"/>
+              </a:rPr>
               <a:t>의 수가 바뀌어도 작동이 되어야 한다</a:t>
             </a:r>
             <a:r>
-              <a:rPr lang="en-US" altLang="ko-KR" sz="3200" smtClean="0">
+              <a:rPr lang="en-US" altLang="ko-KR" sz="3200" dirty="0">
                 <a:solidFill>
                   <a:schemeClr val="bg1">
                     <a:lumMod val="50000"/>
@@ -7465,7 +9483,7 @@
         </p:blipFill>
         <p:spPr>
           <a:xfrm>
-            <a:off x="1528689" y="4152900"/>
+            <a:off x="1528689" y="2857500"/>
             <a:ext cx="14235546" cy="2514600"/>
           </a:xfrm>
           <a:prstGeom prst="rect">
@@ -7473,30 +9491,340 @@
           </a:prstGeom>
         </p:spPr>
       </p:pic>
-      <p:pic>
-        <p:nvPicPr>
-          <p:cNvPr id="2" name="그림 1"/>
-          <p:cNvPicPr>
-            <a:picLocks noChangeAspect="1"/>
-          </p:cNvPicPr>
+      <p:sp>
+        <p:nvSpPr>
+          <p:cNvPr id="7" name="TextBox 6">
+            <a:extLst>
+              <a:ext uri="{FF2B5EF4-FFF2-40B4-BE49-F238E27FC236}">
+                <a16:creationId xmlns:a16="http://schemas.microsoft.com/office/drawing/2014/main" id="{3262C3DA-DD49-16E3-A2BB-4E6C7565B6AE}"/>
+              </a:ext>
+            </a:extLst>
+          </p:cNvPr>
+          <p:cNvSpPr txBox="1"/>
           <p:nvPr/>
-        </p:nvPicPr>
-        <p:blipFill>
-          <a:blip r:embed="rId3"/>
-          <a:stretch>
-            <a:fillRect/>
-          </a:stretch>
-        </p:blipFill>
-        <p:spPr>
-          <a:xfrm>
-            <a:off x="6705600" y="5829300"/>
-            <a:ext cx="8382000" cy="664234"/>
-          </a:xfrm>
-          <a:prstGeom prst="rect">
-            <a:avLst/>
-          </a:prstGeom>
-        </p:spPr>
-      </p:pic>
+        </p:nvSpPr>
+        <p:spPr>
+          <a:xfrm>
+            <a:off x="1508700" y="6955678"/>
+            <a:ext cx="16002000" cy="2554545"/>
+          </a:xfrm>
+          <a:prstGeom prst="rect">
+            <a:avLst/>
+          </a:prstGeom>
+          <a:noFill/>
+        </p:spPr>
+        <p:txBody>
+          <a:bodyPr wrap="square" rtlCol="0">
+            <a:spAutoFit/>
+          </a:bodyPr>
+          <a:lstStyle/>
+          <a:p>
+            <a:pPr marL="514350" indent="-514350">
+              <a:buAutoNum type="arabicPeriod"/>
+            </a:pPr>
+            <a:r>
+              <a:rPr lang="en-US" altLang="ko-KR" sz="3200" dirty="0">
+                <a:solidFill>
+                  <a:srgbClr val="4C50BB"/>
+                </a:solidFill>
+                <a:latin typeface="G마켓 산스 Medium" panose="02000000000000000000" pitchFamily="50" charset="-127"/>
+                <a:ea typeface="G마켓 산스 Medium" panose="02000000000000000000" pitchFamily="50" charset="-127"/>
+              </a:rPr>
+              <a:t>people/</a:t>
+            </a:r>
+            <a:r>
+              <a:rPr lang="en-US" altLang="ko-KR" sz="3200" dirty="0" err="1">
+                <a:solidFill>
+                  <a:srgbClr val="4C50BB"/>
+                </a:solidFill>
+                <a:latin typeface="G마켓 산스 Medium" panose="02000000000000000000" pitchFamily="50" charset="-127"/>
+                <a:ea typeface="G마켓 산스 Medium" panose="02000000000000000000" pitchFamily="50" charset="-127"/>
+              </a:rPr>
+              <a:t>carPassengers</a:t>
+            </a:r>
+            <a:r>
+              <a:rPr lang="ko-KR" altLang="en-US" sz="3200" dirty="0">
+                <a:solidFill>
+                  <a:srgbClr val="4C50BB"/>
+                </a:solidFill>
+                <a:latin typeface="G마켓 산스 Medium" panose="02000000000000000000" pitchFamily="50" charset="-127"/>
+                <a:ea typeface="G마켓 산스 Medium" panose="02000000000000000000" pitchFamily="50" charset="-127"/>
+              </a:rPr>
+              <a:t> 를 계산하여 탑승인원최대로 채워지는 차의 개수를 구한다</a:t>
+            </a:r>
+            <a:r>
+              <a:rPr lang="en-US" altLang="ko-KR" sz="3200" dirty="0">
+                <a:solidFill>
+                  <a:srgbClr val="4C50BB"/>
+                </a:solidFill>
+                <a:latin typeface="G마켓 산스 Medium" panose="02000000000000000000" pitchFamily="50" charset="-127"/>
+                <a:ea typeface="G마켓 산스 Medium" panose="02000000000000000000" pitchFamily="50" charset="-127"/>
+              </a:rPr>
+              <a:t>.</a:t>
+            </a:r>
+            <a:r>
+              <a:rPr lang="ko-KR" altLang="en-US" sz="3200" dirty="0">
+                <a:solidFill>
+                  <a:srgbClr val="4C50BB"/>
+                </a:solidFill>
+                <a:latin typeface="G마켓 산스 Medium" panose="02000000000000000000" pitchFamily="50" charset="-127"/>
+                <a:ea typeface="G마켓 산스 Medium" panose="02000000000000000000" pitchFamily="50" charset="-127"/>
+              </a:rPr>
+              <a:t> </a:t>
+            </a:r>
+            <a:endParaRPr lang="en-US" altLang="ko-KR" sz="3200" dirty="0">
+              <a:solidFill>
+                <a:srgbClr val="4C50BB"/>
+              </a:solidFill>
+              <a:latin typeface="G마켓 산스 Medium" panose="02000000000000000000" pitchFamily="50" charset="-127"/>
+              <a:ea typeface="G마켓 산스 Medium" panose="02000000000000000000" pitchFamily="50" charset="-127"/>
+            </a:endParaRPr>
+          </a:p>
+          <a:p>
+            <a:pPr marL="514350" indent="-514350">
+              <a:buAutoNum type="arabicPeriod"/>
+            </a:pPr>
+            <a:r>
+              <a:rPr lang="en-US" altLang="ko-KR" sz="3200" dirty="0">
+                <a:solidFill>
+                  <a:srgbClr val="4C50BB"/>
+                </a:solidFill>
+                <a:latin typeface="G마켓 산스 Medium" panose="02000000000000000000" pitchFamily="50" charset="-127"/>
+                <a:ea typeface="G마켓 산스 Medium" panose="02000000000000000000" pitchFamily="50" charset="-127"/>
+              </a:rPr>
+              <a:t>1</a:t>
+            </a:r>
+            <a:r>
+              <a:rPr lang="ko-KR" altLang="en-US" sz="3200" dirty="0">
+                <a:solidFill>
+                  <a:srgbClr val="4C50BB"/>
+                </a:solidFill>
+                <a:latin typeface="G마켓 산스 Medium" panose="02000000000000000000" pitchFamily="50" charset="-127"/>
+                <a:ea typeface="G마켓 산스 Medium" panose="02000000000000000000" pitchFamily="50" charset="-127"/>
+              </a:rPr>
+              <a:t>번의 과정에서 차를 태우고 나머지 남는 인원 역시 태워 가려면 차를 </a:t>
+            </a:r>
+            <a:r>
+              <a:rPr lang="en-US" altLang="ko-KR" sz="3200" dirty="0">
+                <a:solidFill>
+                  <a:srgbClr val="4C50BB"/>
+                </a:solidFill>
+                <a:latin typeface="G마켓 산스 Medium" panose="02000000000000000000" pitchFamily="50" charset="-127"/>
+                <a:ea typeface="G마켓 산스 Medium" panose="02000000000000000000" pitchFamily="50" charset="-127"/>
+              </a:rPr>
+              <a:t>1</a:t>
+            </a:r>
+            <a:r>
+              <a:rPr lang="ko-KR" altLang="en-US" sz="3200" dirty="0">
+                <a:solidFill>
+                  <a:srgbClr val="4C50BB"/>
+                </a:solidFill>
+                <a:latin typeface="G마켓 산스 Medium" panose="02000000000000000000" pitchFamily="50" charset="-127"/>
+                <a:ea typeface="G마켓 산스 Medium" panose="02000000000000000000" pitchFamily="50" charset="-127"/>
+              </a:rPr>
+              <a:t>대 추가 해야 한다</a:t>
+            </a:r>
+            <a:r>
+              <a:rPr lang="en-US" altLang="ko-KR" sz="3200" dirty="0">
+                <a:solidFill>
+                  <a:srgbClr val="4C50BB"/>
+                </a:solidFill>
+                <a:latin typeface="G마켓 산스 Medium" panose="02000000000000000000" pitchFamily="50" charset="-127"/>
+                <a:ea typeface="G마켓 산스 Medium" panose="02000000000000000000" pitchFamily="50" charset="-127"/>
+              </a:rPr>
+              <a:t>. </a:t>
+            </a:r>
+            <a:r>
+              <a:rPr lang="ko-KR" altLang="en-US" sz="3200" dirty="0">
+                <a:solidFill>
+                  <a:srgbClr val="4C50BB"/>
+                </a:solidFill>
+                <a:latin typeface="G마켓 산스 Medium" panose="02000000000000000000" pitchFamily="50" charset="-127"/>
+                <a:ea typeface="G마켓 산스 Medium" panose="02000000000000000000" pitchFamily="50" charset="-127"/>
+              </a:rPr>
+              <a:t>하지만 남는 인원이 없다면 추가하지 않아야 한다</a:t>
+            </a:r>
+            <a:r>
+              <a:rPr lang="en-US" altLang="ko-KR" sz="3200" dirty="0">
+                <a:solidFill>
+                  <a:srgbClr val="4C50BB"/>
+                </a:solidFill>
+                <a:latin typeface="G마켓 산스 Medium" panose="02000000000000000000" pitchFamily="50" charset="-127"/>
+                <a:ea typeface="G마켓 산스 Medium" panose="02000000000000000000" pitchFamily="50" charset="-127"/>
+              </a:rPr>
+              <a:t>.</a:t>
+            </a:r>
+          </a:p>
+          <a:p>
+            <a:pPr marL="514350" indent="-514350">
+              <a:buAutoNum type="arabicPeriod"/>
+            </a:pPr>
+            <a:r>
+              <a:rPr lang="ko-KR" altLang="en-US" sz="3200" dirty="0">
+                <a:solidFill>
+                  <a:srgbClr val="4C50BB"/>
+                </a:solidFill>
+                <a:latin typeface="G마켓 산스 Medium" panose="02000000000000000000" pitchFamily="50" charset="-127"/>
+                <a:ea typeface="G마켓 산스 Medium" panose="02000000000000000000" pitchFamily="50" charset="-127"/>
+              </a:rPr>
+              <a:t>나머지연산을 이용하여 </a:t>
+            </a:r>
+            <a:r>
+              <a:rPr lang="en-US" altLang="ko-KR" sz="3200" dirty="0">
+                <a:solidFill>
+                  <a:srgbClr val="4C50BB"/>
+                </a:solidFill>
+                <a:latin typeface="G마켓 산스 Medium" panose="02000000000000000000" pitchFamily="50" charset="-127"/>
+                <a:ea typeface="G마켓 산스 Medium" panose="02000000000000000000" pitchFamily="50" charset="-127"/>
+              </a:rPr>
+              <a:t>1</a:t>
+            </a:r>
+            <a:r>
+              <a:rPr lang="ko-KR" altLang="en-US" sz="3200" dirty="0">
+                <a:solidFill>
+                  <a:srgbClr val="4C50BB"/>
+                </a:solidFill>
+                <a:latin typeface="G마켓 산스 Medium" panose="02000000000000000000" pitchFamily="50" charset="-127"/>
+                <a:ea typeface="G마켓 산스 Medium" panose="02000000000000000000" pitchFamily="50" charset="-127"/>
+              </a:rPr>
+              <a:t>번 과정에서 차에 타지 못한 남는 인원이 있는지 확인한다</a:t>
+            </a:r>
+            <a:r>
+              <a:rPr lang="en-US" altLang="ko-KR" sz="3200" dirty="0">
+                <a:solidFill>
+                  <a:srgbClr val="4C50BB"/>
+                </a:solidFill>
+                <a:latin typeface="G마켓 산스 Medium" panose="02000000000000000000" pitchFamily="50" charset="-127"/>
+                <a:ea typeface="G마켓 산스 Medium" panose="02000000000000000000" pitchFamily="50" charset="-127"/>
+              </a:rPr>
+              <a:t>.</a:t>
+            </a:r>
+          </a:p>
+          <a:p>
+            <a:pPr marL="514350" indent="-514350">
+              <a:buAutoNum type="arabicPeriod"/>
+            </a:pPr>
+            <a:r>
+              <a:rPr lang="ko-KR" altLang="en-US" sz="3200" dirty="0" err="1">
+                <a:solidFill>
+                  <a:srgbClr val="4C50BB"/>
+                </a:solidFill>
+                <a:latin typeface="G마켓 산스 Medium" panose="02000000000000000000" pitchFamily="50" charset="-127"/>
+                <a:ea typeface="G마켓 산스 Medium" panose="02000000000000000000" pitchFamily="50" charset="-127"/>
+              </a:rPr>
+              <a:t>삼항연산자를</a:t>
+            </a:r>
+            <a:r>
+              <a:rPr lang="ko-KR" altLang="en-US" sz="3200" dirty="0">
+                <a:solidFill>
+                  <a:srgbClr val="4C50BB"/>
+                </a:solidFill>
+                <a:latin typeface="G마켓 산스 Medium" panose="02000000000000000000" pitchFamily="50" charset="-127"/>
+                <a:ea typeface="G마켓 산스 Medium" panose="02000000000000000000" pitchFamily="50" charset="-127"/>
+              </a:rPr>
+              <a:t> 이용하여 나머지가 있다면 </a:t>
+            </a:r>
+            <a:r>
+              <a:rPr lang="en-US" altLang="ko-KR" sz="3200" dirty="0">
+                <a:solidFill>
+                  <a:srgbClr val="4C50BB"/>
+                </a:solidFill>
+                <a:latin typeface="G마켓 산스 Medium" panose="02000000000000000000" pitchFamily="50" charset="-127"/>
+                <a:ea typeface="G마켓 산스 Medium" panose="02000000000000000000" pitchFamily="50" charset="-127"/>
+              </a:rPr>
+              <a:t>1 </a:t>
+            </a:r>
+            <a:r>
+              <a:rPr lang="ko-KR" altLang="en-US" sz="3200" dirty="0">
+                <a:solidFill>
+                  <a:srgbClr val="4C50BB"/>
+                </a:solidFill>
+                <a:latin typeface="G마켓 산스 Medium" panose="02000000000000000000" pitchFamily="50" charset="-127"/>
+                <a:ea typeface="G마켓 산스 Medium" panose="02000000000000000000" pitchFamily="50" charset="-127"/>
+              </a:rPr>
+              <a:t>없다면 </a:t>
+            </a:r>
+            <a:r>
+              <a:rPr lang="en-US" altLang="ko-KR" sz="3200" dirty="0">
+                <a:solidFill>
+                  <a:srgbClr val="4C50BB"/>
+                </a:solidFill>
+                <a:latin typeface="G마켓 산스 Medium" panose="02000000000000000000" pitchFamily="50" charset="-127"/>
+                <a:ea typeface="G마켓 산스 Medium" panose="02000000000000000000" pitchFamily="50" charset="-127"/>
+              </a:rPr>
+              <a:t>0</a:t>
+            </a:r>
+            <a:r>
+              <a:rPr lang="ko-KR" altLang="en-US" sz="3200" dirty="0">
+                <a:solidFill>
+                  <a:srgbClr val="4C50BB"/>
+                </a:solidFill>
+                <a:latin typeface="G마켓 산스 Medium" panose="02000000000000000000" pitchFamily="50" charset="-127"/>
+                <a:ea typeface="G마켓 산스 Medium" panose="02000000000000000000" pitchFamily="50" charset="-127"/>
+              </a:rPr>
+              <a:t>을 더한다</a:t>
+            </a:r>
+            <a:r>
+              <a:rPr lang="en-US" altLang="ko-KR" sz="3200" dirty="0">
+                <a:solidFill>
+                  <a:srgbClr val="4C50BB"/>
+                </a:solidFill>
+                <a:latin typeface="G마켓 산스 Medium" panose="02000000000000000000" pitchFamily="50" charset="-127"/>
+                <a:ea typeface="G마켓 산스 Medium" panose="02000000000000000000" pitchFamily="50" charset="-127"/>
+              </a:rPr>
+              <a:t>.</a:t>
+            </a:r>
+          </a:p>
+        </p:txBody>
+      </p:sp>
+      <p:sp>
+        <p:nvSpPr>
+          <p:cNvPr id="9" name="TextBox 8">
+            <a:extLst>
+              <a:ext uri="{FF2B5EF4-FFF2-40B4-BE49-F238E27FC236}">
+                <a16:creationId xmlns:a16="http://schemas.microsoft.com/office/drawing/2014/main" id="{5809EE9F-8E4A-3866-CB17-9531181C75BC}"/>
+              </a:ext>
+            </a:extLst>
+          </p:cNvPr>
+          <p:cNvSpPr txBox="1"/>
+          <p:nvPr/>
+        </p:nvSpPr>
+        <p:spPr>
+          <a:xfrm>
+            <a:off x="695767" y="5714317"/>
+            <a:ext cx="1665841" cy="1015663"/>
+          </a:xfrm>
+          <a:prstGeom prst="rect">
+            <a:avLst/>
+          </a:prstGeom>
+          <a:noFill/>
+        </p:spPr>
+        <p:txBody>
+          <a:bodyPr wrap="none" rtlCol="0">
+            <a:spAutoFit/>
+          </a:bodyPr>
+          <a:lstStyle/>
+          <a:p>
+            <a:r>
+              <a:rPr lang="ko-KR" altLang="en-US" sz="6000" dirty="0">
+                <a:solidFill>
+                  <a:srgbClr val="4C50BB"/>
+                </a:solidFill>
+                <a:latin typeface="G마켓 산스 TTF Bold" panose="02000000000000000000" pitchFamily="2" charset="-127"/>
+                <a:ea typeface="G마켓 산스 TTF Bold" panose="02000000000000000000" pitchFamily="2" charset="-127"/>
+              </a:rPr>
+              <a:t>해설</a:t>
+            </a:r>
+            <a:endParaRPr lang="ko-KR" altLang="en-US" sz="800" dirty="0">
+              <a:solidFill>
+                <a:srgbClr val="4C50BB"/>
+              </a:solidFill>
+              <a:latin typeface="G마켓 산스 TTF Bold" panose="02000000000000000000" pitchFamily="2" charset="-127"/>
+              <a:ea typeface="G마켓 산스 TTF Bold" panose="02000000000000000000" pitchFamily="2" charset="-127"/>
+            </a:endParaRPr>
+          </a:p>
+        </p:txBody>
+      </p:sp>
     </p:spTree>
     <p:extLst>
       <p:ext uri="{BB962C8B-B14F-4D97-AF65-F5344CB8AC3E}">
@@ -7507,408 +9835,6 @@
   <p:clrMapOvr>
     <a:masterClrMapping/>
   </p:clrMapOvr>
-  <p:timing>
-    <p:tnLst>
-      <p:par>
-        <p:cTn id="1" dur="indefinite" restart="never" nodeType="tmRoot">
-          <p:childTnLst>
-            <p:seq concurrent="1" nextAc="seek">
-              <p:cTn id="2" dur="indefinite" nodeType="mainSeq">
-                <p:childTnLst>
-                  <p:par>
-                    <p:cTn id="3" fill="hold">
-                      <p:stCondLst>
-                        <p:cond delay="indefinite"/>
-                      </p:stCondLst>
-                      <p:childTnLst>
-                        <p:par>
-                          <p:cTn id="4" fill="hold">
-                            <p:stCondLst>
-                              <p:cond delay="0"/>
-                            </p:stCondLst>
-                            <p:childTnLst>
-                              <p:par>
-                                <p:cTn id="5" presetID="1" presetClass="exit" presetSubtype="0" fill="hold" nodeType="clickEffect">
-                                  <p:stCondLst>
-                                    <p:cond delay="0"/>
-                                  </p:stCondLst>
-                                  <p:childTnLst>
-                                    <p:set>
-                                      <p:cBhvr>
-                                        <p:cTn id="6" dur="1" fill="hold">
-                                          <p:stCondLst>
-                                            <p:cond delay="0"/>
-                                          </p:stCondLst>
-                                        </p:cTn>
-                                        <p:tgtEl>
-                                          <p:spTgt spid="2"/>
-                                        </p:tgtEl>
-                                        <p:attrNameLst>
-                                          <p:attrName>style.visibility</p:attrName>
-                                        </p:attrNameLst>
-                                      </p:cBhvr>
-                                      <p:to>
-                                        <p:strVal val="hidden"/>
-                                      </p:to>
-                                    </p:set>
-                                  </p:childTnLst>
-                                </p:cTn>
-                              </p:par>
-                            </p:childTnLst>
-                          </p:cTn>
-                        </p:par>
-                      </p:childTnLst>
-                    </p:cTn>
-                  </p:par>
-                </p:childTnLst>
-              </p:cTn>
-              <p:prevCondLst>
-                <p:cond evt="onPrev" delay="0">
-                  <p:tgtEl>
-                    <p:sldTgt/>
-                  </p:tgtEl>
-                </p:cond>
-              </p:prevCondLst>
-              <p:nextCondLst>
-                <p:cond evt="onNext" delay="0">
-                  <p:tgtEl>
-                    <p:sldTgt/>
-                  </p:tgtEl>
-                </p:cond>
-              </p:nextCondLst>
-            </p:seq>
-          </p:childTnLst>
-        </p:cTn>
-      </p:par>
-    </p:tnLst>
-  </p:timing>
-</p:sld>
-</file>
-
-<file path=ppt/slides/slide7.xml><?xml version="1.0" encoding="utf-8"?>
-<p:sld xmlns:a="http://schemas.openxmlformats.org/drawingml/2006/main" xmlns:r="http://schemas.openxmlformats.org/officeDocument/2006/relationships" xmlns:p="http://schemas.openxmlformats.org/presentationml/2006/main">
-  <p:cSld>
-    <p:bg>
-      <p:bgPr>
-        <a:solidFill>
-          <a:srgbClr val="4C50BC"/>
-        </a:solidFill>
-        <a:effectLst/>
-      </p:bgPr>
-    </p:bg>
-    <p:spTree>
-      <p:nvGrpSpPr>
-        <p:cNvPr id="1" name=""/>
-        <p:cNvGrpSpPr/>
-        <p:nvPr/>
-      </p:nvGrpSpPr>
-      <p:grpSpPr>
-        <a:xfrm>
-          <a:off x="0" y="0"/>
-          <a:ext cx="0" cy="0"/>
-          <a:chOff x="0" y="0"/>
-          <a:chExt cx="0" cy="0"/>
-        </a:xfrm>
-      </p:grpSpPr>
-      <p:pic>
-        <p:nvPicPr>
-          <p:cNvPr id="4" name="Object 1">
-            <a:extLst>
-              <a:ext uri="{FF2B5EF4-FFF2-40B4-BE49-F238E27FC236}">
-                <a16:creationId xmlns:a16="http://schemas.microsoft.com/office/drawing/2014/main" id="{B0329035-BE76-33A8-0F2E-44624FCC1DED}"/>
-              </a:ext>
-            </a:extLst>
-          </p:cNvPr>
-          <p:cNvPicPr>
-            <a:picLocks noChangeAspect="1"/>
-          </p:cNvPicPr>
-          <p:nvPr/>
-        </p:nvPicPr>
-        <p:blipFill>
-          <a:blip r:embed="rId2" cstate="print"/>
-          <a:stretch>
-            <a:fillRect/>
-          </a:stretch>
-        </p:blipFill>
-        <p:spPr>
-          <a:xfrm>
-            <a:off x="13669052" y="2416536"/>
-            <a:ext cx="3677289" cy="3284880"/>
-          </a:xfrm>
-          <a:prstGeom prst="rect">
-            <a:avLst/>
-          </a:prstGeom>
-        </p:spPr>
-      </p:pic>
-      <p:grpSp>
-        <p:nvGrpSpPr>
-          <p:cNvPr id="7" name="그룹 1001">
-            <a:extLst>
-              <a:ext uri="{FF2B5EF4-FFF2-40B4-BE49-F238E27FC236}">
-                <a16:creationId xmlns:a16="http://schemas.microsoft.com/office/drawing/2014/main" id="{CD24CE9D-AC18-B6CD-F397-7E8E03D6FE26}"/>
-              </a:ext>
-            </a:extLst>
-          </p:cNvPr>
-          <p:cNvGrpSpPr/>
-          <p:nvPr/>
-        </p:nvGrpSpPr>
-        <p:grpSpPr>
-          <a:xfrm>
-            <a:off x="1466667" y="-1273641"/>
-            <a:ext cx="4883301" cy="4835933"/>
-            <a:chOff x="1466667" y="-1273641"/>
-            <a:chExt cx="4883301" cy="4835933"/>
-          </a:xfrm>
-        </p:grpSpPr>
-        <p:pic>
-          <p:nvPicPr>
-            <p:cNvPr id="8" name="Object 5">
-              <a:extLst>
-                <a:ext uri="{FF2B5EF4-FFF2-40B4-BE49-F238E27FC236}">
-                  <a16:creationId xmlns:a16="http://schemas.microsoft.com/office/drawing/2014/main" id="{0EEF25E8-3BA8-EBAA-6DC2-66D70C3F9F4D}"/>
-                </a:ext>
-              </a:extLst>
-            </p:cNvPr>
-            <p:cNvPicPr>
-              <a:picLocks noChangeAspect="1"/>
-            </p:cNvPicPr>
-            <p:nvPr/>
-          </p:nvPicPr>
-          <p:blipFill>
-            <a:blip r:embed="rId3" cstate="print"/>
-            <a:stretch>
-              <a:fillRect/>
-            </a:stretch>
-          </p:blipFill>
-          <p:spPr>
-            <a:xfrm>
-              <a:off x="1466667" y="-1273641"/>
-              <a:ext cx="4883301" cy="4835933"/>
-            </a:xfrm>
-            <a:prstGeom prst="rect">
-              <a:avLst/>
-            </a:prstGeom>
-          </p:spPr>
-        </p:pic>
-      </p:grpSp>
-      <p:grpSp>
-        <p:nvGrpSpPr>
-          <p:cNvPr id="9" name="그룹 1002">
-            <a:extLst>
-              <a:ext uri="{FF2B5EF4-FFF2-40B4-BE49-F238E27FC236}">
-                <a16:creationId xmlns:a16="http://schemas.microsoft.com/office/drawing/2014/main" id="{0F281BC9-DE1F-D1FE-E64C-C4640398F00C}"/>
-              </a:ext>
-            </a:extLst>
-          </p:cNvPr>
-          <p:cNvGrpSpPr/>
-          <p:nvPr/>
-        </p:nvGrpSpPr>
-        <p:grpSpPr>
-          <a:xfrm>
-            <a:off x="-1875296" y="7034297"/>
-            <a:ext cx="3902974" cy="3971928"/>
-            <a:chOff x="-1875296" y="7034297"/>
-            <a:chExt cx="3902974" cy="3971928"/>
-          </a:xfrm>
-        </p:grpSpPr>
-        <p:pic>
-          <p:nvPicPr>
-            <p:cNvPr id="10" name="Object 8">
-              <a:extLst>
-                <a:ext uri="{FF2B5EF4-FFF2-40B4-BE49-F238E27FC236}">
-                  <a16:creationId xmlns:a16="http://schemas.microsoft.com/office/drawing/2014/main" id="{F669DCEF-04BB-7046-3F7F-5B513213556E}"/>
-                </a:ext>
-              </a:extLst>
-            </p:cNvPr>
-            <p:cNvPicPr>
-              <a:picLocks noChangeAspect="1"/>
-            </p:cNvPicPr>
-            <p:nvPr/>
-          </p:nvPicPr>
-          <p:blipFill>
-            <a:blip r:embed="rId4" cstate="print"/>
-            <a:stretch>
-              <a:fillRect/>
-            </a:stretch>
-          </p:blipFill>
-          <p:spPr>
-            <a:xfrm rot="-2700000">
-              <a:off x="-1875296" y="7034297"/>
-              <a:ext cx="3902974" cy="3971928"/>
-            </a:xfrm>
-            <a:prstGeom prst="rect">
-              <a:avLst/>
-            </a:prstGeom>
-          </p:spPr>
-        </p:pic>
-      </p:grpSp>
-      <p:grpSp>
-        <p:nvGrpSpPr>
-          <p:cNvPr id="11" name="그룹 1003">
-            <a:extLst>
-              <a:ext uri="{FF2B5EF4-FFF2-40B4-BE49-F238E27FC236}">
-                <a16:creationId xmlns:a16="http://schemas.microsoft.com/office/drawing/2014/main" id="{1F91EEF9-13EA-BB7F-B056-D35E7DB989AC}"/>
-              </a:ext>
-            </a:extLst>
-          </p:cNvPr>
-          <p:cNvGrpSpPr/>
-          <p:nvPr/>
-        </p:nvGrpSpPr>
-        <p:grpSpPr>
-          <a:xfrm>
-            <a:off x="15132166" y="7617758"/>
-            <a:ext cx="3708387" cy="3672416"/>
-            <a:chOff x="15132166" y="7617758"/>
-            <a:chExt cx="3708387" cy="3672416"/>
-          </a:xfrm>
-        </p:grpSpPr>
-        <p:pic>
-          <p:nvPicPr>
-            <p:cNvPr id="12" name="Object 11">
-              <a:extLst>
-                <a:ext uri="{FF2B5EF4-FFF2-40B4-BE49-F238E27FC236}">
-                  <a16:creationId xmlns:a16="http://schemas.microsoft.com/office/drawing/2014/main" id="{2CFFB217-AEFB-2C9E-5F86-6EE19510FFC6}"/>
-                </a:ext>
-              </a:extLst>
-            </p:cNvPr>
-            <p:cNvPicPr>
-              <a:picLocks noChangeAspect="1"/>
-            </p:cNvPicPr>
-            <p:nvPr/>
-          </p:nvPicPr>
-          <p:blipFill>
-            <a:blip r:embed="rId5" cstate="print"/>
-            <a:stretch>
-              <a:fillRect/>
-            </a:stretch>
-          </p:blipFill>
-          <p:spPr>
-            <a:xfrm>
-              <a:off x="15132166" y="7617758"/>
-              <a:ext cx="3708387" cy="3672416"/>
-            </a:xfrm>
-            <a:prstGeom prst="rect">
-              <a:avLst/>
-            </a:prstGeom>
-          </p:spPr>
-        </p:pic>
-      </p:grpSp>
-      <p:grpSp>
-        <p:nvGrpSpPr>
-          <p:cNvPr id="13" name="그룹 1004">
-            <a:extLst>
-              <a:ext uri="{FF2B5EF4-FFF2-40B4-BE49-F238E27FC236}">
-                <a16:creationId xmlns:a16="http://schemas.microsoft.com/office/drawing/2014/main" id="{123B9C7E-94E8-E7E1-81BE-D59EA0299187}"/>
-              </a:ext>
-            </a:extLst>
-          </p:cNvPr>
-          <p:cNvGrpSpPr/>
-          <p:nvPr/>
-        </p:nvGrpSpPr>
-        <p:grpSpPr>
-          <a:xfrm>
-            <a:off x="16986360" y="3561542"/>
-            <a:ext cx="1432688" cy="191978"/>
-            <a:chOff x="16986360" y="3561542"/>
-            <a:chExt cx="1432688" cy="191978"/>
-          </a:xfrm>
-        </p:grpSpPr>
-        <p:pic>
-          <p:nvPicPr>
-            <p:cNvPr id="14" name="Object 14">
-              <a:extLst>
-                <a:ext uri="{FF2B5EF4-FFF2-40B4-BE49-F238E27FC236}">
-                  <a16:creationId xmlns:a16="http://schemas.microsoft.com/office/drawing/2014/main" id="{B6291552-2D89-A79F-7ACD-EA0EF9A4C389}"/>
-                </a:ext>
-              </a:extLst>
-            </p:cNvPr>
-            <p:cNvPicPr>
-              <a:picLocks noChangeAspect="1"/>
-            </p:cNvPicPr>
-            <p:nvPr/>
-          </p:nvPicPr>
-          <p:blipFill>
-            <a:blip r:embed="rId6" cstate="print"/>
-            <a:stretch>
-              <a:fillRect/>
-            </a:stretch>
-          </p:blipFill>
-          <p:spPr>
-            <a:xfrm>
-              <a:off x="16986360" y="3561542"/>
-              <a:ext cx="1432688" cy="191978"/>
-            </a:xfrm>
-            <a:prstGeom prst="rect">
-              <a:avLst/>
-            </a:prstGeom>
-          </p:spPr>
-        </p:pic>
-      </p:grpSp>
-      <p:sp>
-        <p:nvSpPr>
-          <p:cNvPr id="15" name="TextBox 14">
-            <a:extLst>
-              <a:ext uri="{FF2B5EF4-FFF2-40B4-BE49-F238E27FC236}">
-                <a16:creationId xmlns:a16="http://schemas.microsoft.com/office/drawing/2014/main" id="{7D99763A-FC24-23F5-5BA9-D7B042E0F323}"/>
-              </a:ext>
-            </a:extLst>
-          </p:cNvPr>
-          <p:cNvSpPr txBox="1"/>
-          <p:nvPr/>
-        </p:nvSpPr>
-        <p:spPr>
-          <a:xfrm>
-            <a:off x="11734800" y="5254704"/>
-            <a:ext cx="6122189" cy="1107996"/>
-          </a:xfrm>
-          <a:prstGeom prst="rect">
-            <a:avLst/>
-          </a:prstGeom>
-          <a:noFill/>
-        </p:spPr>
-        <p:txBody>
-          <a:bodyPr wrap="none" rtlCol="0">
-            <a:spAutoFit/>
-          </a:bodyPr>
-          <a:lstStyle/>
-          <a:p>
-            <a:r>
-              <a:rPr lang="ko-KR" altLang="en-US" sz="6600" smtClean="0">
-                <a:solidFill>
-                  <a:schemeClr val="bg1"/>
-                </a:solidFill>
-                <a:latin typeface="G마켓 산스 Medium" panose="02000000000000000000" pitchFamily="50" charset="-127"/>
-                <a:ea typeface="G마켓 산스 Medium" panose="02000000000000000000" pitchFamily="50" charset="-127"/>
-              </a:rPr>
-              <a:t>연산자 우선순위</a:t>
-            </a:r>
-            <a:endParaRPr lang="ko-KR" altLang="en-US" sz="2800" dirty="0">
-              <a:solidFill>
-                <a:schemeClr val="bg1"/>
-              </a:solidFill>
-              <a:latin typeface="G마켓 산스 Medium" panose="02000000000000000000" pitchFamily="50" charset="-127"/>
-              <a:ea typeface="G마켓 산스 Medium" panose="02000000000000000000" pitchFamily="50" charset="-127"/>
-            </a:endParaRPr>
-          </a:p>
-        </p:txBody>
-      </p:sp>
-    </p:spTree>
-    <p:extLst>
-      <p:ext uri="{BB962C8B-B14F-4D97-AF65-F5344CB8AC3E}">
-        <p14:creationId xmlns:p14="http://schemas.microsoft.com/office/powerpoint/2010/main" val="4010059195"/>
-      </p:ext>
-    </p:extLst>
-  </p:cSld>
-  <p:clrMapOvr>
-    <a:masterClrMapping/>
-  </p:clrMapOvr>
-  <p:timing>
-    <p:tnLst>
-      <p:par>
-        <p:cTn id="1" dur="indefinite" restart="never" nodeType="tmRoot"/>
-      </p:par>
-    </p:tnLst>
-  </p:timing>
 </p:sld>
 </file>
 
@@ -7931,7 +9857,7 @@
       </p:grpSpPr>
       <p:sp>
         <p:nvSpPr>
-          <p:cNvPr id="4" name="TextBox 3">
+          <p:cNvPr id="2" name="TextBox 1">
             <a:extLst>
               <a:ext uri="{FF2B5EF4-FFF2-40B4-BE49-F238E27FC236}">
                 <a16:creationId xmlns:a16="http://schemas.microsoft.com/office/drawing/2014/main" id="{5ADC00B6-990A-40DC-3CEA-505258F5E8DA}"/>
@@ -7943,8 +9869,8 @@
         </p:nvSpPr>
         <p:spPr>
           <a:xfrm>
-            <a:off x="2895600" y="1409700"/>
-            <a:ext cx="15240000" cy="7478970"/>
+            <a:off x="609600" y="190500"/>
+            <a:ext cx="4419600" cy="830997"/>
           </a:xfrm>
           <a:prstGeom prst="rect">
             <a:avLst/>
@@ -7958,30 +9884,129 @@
           <a:lstStyle/>
           <a:p>
             <a:r>
-              <a:rPr lang="ko-KR" altLang="en-US" sz="6000" smtClean="0">
+              <a:rPr lang="ko-KR" altLang="en-US" sz="4800">
                 <a:solidFill>
                   <a:srgbClr val="4C50BC"/>
                 </a:solidFill>
-                <a:latin typeface="G마켓 산스 Medium" panose="02000000000000000000" pitchFamily="50" charset="-127"/>
-                <a:ea typeface="G마켓 산스 Medium" panose="02000000000000000000" pitchFamily="50" charset="-127"/>
-              </a:rPr>
-              <a:t>사칙연산</a:t>
-            </a:r>
-            <a:r>
-              <a:rPr lang="en-US" altLang="ko-KR" sz="6000" smtClean="0">
+                <a:latin typeface="G마켓 산스 Bold" panose="02000000000000000000" pitchFamily="50" charset="-127"/>
+                <a:ea typeface="G마켓 산스 Bold" panose="02000000000000000000" pitchFamily="50" charset="-127"/>
+              </a:rPr>
+              <a:t>실습 문제 </a:t>
+            </a:r>
+            <a:r>
+              <a:rPr lang="en-US" altLang="ko-KR" sz="4800">
                 <a:solidFill>
                   <a:srgbClr val="4C50BC"/>
                 </a:solidFill>
-                <a:latin typeface="G마켓 산스 Medium" panose="02000000000000000000" pitchFamily="50" charset="-127"/>
-                <a:ea typeface="G마켓 산스 Medium" panose="02000000000000000000" pitchFamily="50" charset="-127"/>
-              </a:rPr>
-              <a:t>: X+3*y</a:t>
-            </a:r>
-          </a:p>
-          <a:p>
-            <a:endParaRPr lang="en-US" altLang="ko-KR" sz="6000" smtClean="0">
+                <a:latin typeface="G마켓 산스 Bold" panose="02000000000000000000" pitchFamily="50" charset="-127"/>
+                <a:ea typeface="G마켓 산스 Bold" panose="02000000000000000000" pitchFamily="50" charset="-127"/>
+              </a:rPr>
+              <a:t>2</a:t>
+            </a:r>
+            <a:endParaRPr lang="en-US" altLang="ko-KR" sz="4800" dirty="0">
               <a:solidFill>
                 <a:srgbClr val="4C50BC"/>
+              </a:solidFill>
+              <a:latin typeface="G마켓 산스 Bold" panose="02000000000000000000" pitchFamily="50" charset="-127"/>
+              <a:ea typeface="G마켓 산스 Bold" panose="02000000000000000000" pitchFamily="50" charset="-127"/>
+            </a:endParaRPr>
+          </a:p>
+        </p:txBody>
+      </p:sp>
+      <p:sp>
+        <p:nvSpPr>
+          <p:cNvPr id="3" name="TextBox 2">
+            <a:extLst>
+              <a:ext uri="{FF2B5EF4-FFF2-40B4-BE49-F238E27FC236}">
+                <a16:creationId xmlns:a16="http://schemas.microsoft.com/office/drawing/2014/main" id="{4EDAA912-8FA0-0F11-119B-EA9F8B36A489}"/>
+              </a:ext>
+            </a:extLst>
+          </p:cNvPr>
+          <p:cNvSpPr txBox="1"/>
+          <p:nvPr/>
+        </p:nvSpPr>
+        <p:spPr>
+          <a:xfrm>
+            <a:off x="1143000" y="1104900"/>
+            <a:ext cx="19583400" cy="1077218"/>
+          </a:xfrm>
+          <a:prstGeom prst="rect">
+            <a:avLst/>
+          </a:prstGeom>
+          <a:noFill/>
+        </p:spPr>
+        <p:txBody>
+          <a:bodyPr wrap="square" rtlCol="0">
+            <a:spAutoFit/>
+          </a:bodyPr>
+          <a:lstStyle/>
+          <a:p>
+            <a:pPr marL="742950" indent="-742950">
+              <a:buAutoNum type="arabicPeriod"/>
+            </a:pPr>
+            <a:r>
+              <a:rPr lang="en-US" altLang="ko-KR" sz="3200">
+                <a:solidFill>
+                  <a:srgbClr val="4C50BB"/>
+                </a:solidFill>
+                <a:latin typeface="G마켓 산스 Medium" panose="02000000000000000000" pitchFamily="50" charset="-127"/>
+                <a:ea typeface="G마켓 산스 Medium" panose="02000000000000000000" pitchFamily="50" charset="-127"/>
+              </a:rPr>
+              <a:t>Int</a:t>
+            </a:r>
+            <a:r>
+              <a:rPr lang="ko-KR" altLang="en-US" sz="3200">
+                <a:solidFill>
+                  <a:srgbClr val="4C50BB"/>
+                </a:solidFill>
+                <a:latin typeface="G마켓 산스 Medium" panose="02000000000000000000" pitchFamily="50" charset="-127"/>
+                <a:ea typeface="G마켓 산스 Medium" panose="02000000000000000000" pitchFamily="50" charset="-127"/>
+              </a:rPr>
+              <a:t>형 변수 </a:t>
+            </a:r>
+            <a:r>
+              <a:rPr lang="en-US" altLang="ko-KR" sz="3200">
+                <a:solidFill>
+                  <a:srgbClr val="4C50BB"/>
+                </a:solidFill>
+                <a:latin typeface="G마켓 산스 Medium" panose="02000000000000000000" pitchFamily="50" charset="-127"/>
+                <a:ea typeface="G마켓 산스 Medium" panose="02000000000000000000" pitchFamily="50" charset="-127"/>
+              </a:rPr>
+              <a:t>num</a:t>
+            </a:r>
+            <a:r>
+              <a:rPr lang="ko-KR" altLang="en-US" sz="3200">
+                <a:solidFill>
+                  <a:srgbClr val="4C50BB"/>
+                </a:solidFill>
+                <a:latin typeface="G마켓 산스 Medium" panose="02000000000000000000" pitchFamily="50" charset="-127"/>
+                <a:ea typeface="G마켓 산스 Medium" panose="02000000000000000000" pitchFamily="50" charset="-127"/>
+              </a:rPr>
+              <a:t>에  </a:t>
+            </a:r>
+            <a:r>
+              <a:rPr lang="en-US" altLang="ko-KR" sz="3200">
+                <a:solidFill>
+                  <a:srgbClr val="4C50BB"/>
+                </a:solidFill>
+                <a:latin typeface="G마켓 산스 Medium" panose="02000000000000000000" pitchFamily="50" charset="-127"/>
+                <a:ea typeface="G마켓 산스 Medium" panose="02000000000000000000" pitchFamily="50" charset="-127"/>
+              </a:rPr>
+              <a:t>100</a:t>
+            </a:r>
+            <a:r>
+              <a:rPr lang="ko-KR" altLang="en-US" sz="3200">
+                <a:solidFill>
+                  <a:srgbClr val="4C50BB"/>
+                </a:solidFill>
+                <a:latin typeface="G마켓 산스 Medium" panose="02000000000000000000" pitchFamily="50" charset="-127"/>
+                <a:ea typeface="G마켓 산스 Medium" panose="02000000000000000000" pitchFamily="50" charset="-127"/>
+              </a:rPr>
+              <a:t>이상의 숫자를 저장후 백의자리 이하는 버리고 출력하시오</a:t>
+            </a:r>
+            <a:endParaRPr lang="en-US" altLang="ko-KR" sz="3200">
+              <a:solidFill>
+                <a:srgbClr val="4C50BB"/>
               </a:solidFill>
               <a:latin typeface="G마켓 산스 Medium" panose="02000000000000000000" pitchFamily="50" charset="-127"/>
               <a:ea typeface="G마켓 산스 Medium" panose="02000000000000000000" pitchFamily="50" charset="-127"/>
@@ -7989,95 +10014,375 @@
           </a:p>
           <a:p>
             <a:r>
-              <a:rPr lang="ko-KR" altLang="en-US" sz="6000" smtClean="0">
-                <a:solidFill>
-                  <a:srgbClr val="4C50BC"/>
-                </a:solidFill>
-                <a:latin typeface="G마켓 산스 Medium" panose="02000000000000000000" pitchFamily="50" charset="-127"/>
-                <a:ea typeface="G마켓 산스 Medium" panose="02000000000000000000" pitchFamily="50" charset="-127"/>
-              </a:rPr>
-              <a:t>비교연산자</a:t>
-            </a:r>
-            <a:r>
-              <a:rPr lang="en-US" altLang="ko-KR" sz="6000" smtClean="0">
-                <a:solidFill>
-                  <a:srgbClr val="4C50BC"/>
-                </a:solidFill>
-                <a:latin typeface="G마켓 산스 Medium" panose="02000000000000000000" pitchFamily="50" charset="-127"/>
-                <a:ea typeface="G마켓 산스 Medium" panose="02000000000000000000" pitchFamily="50" charset="-127"/>
-              </a:rPr>
-              <a:t>: X+3 &gt; y-2</a:t>
-            </a:r>
-          </a:p>
-          <a:p>
-            <a:endParaRPr lang="en-US" altLang="ko-KR" sz="6000" smtClean="0">
+              <a:rPr lang="en-US" altLang="ko-KR" sz="3200">
+                <a:solidFill>
+                  <a:srgbClr val="FF0000"/>
+                </a:solidFill>
+                <a:latin typeface="G마켓 산스 Medium" panose="02000000000000000000" pitchFamily="50" charset="-127"/>
+                <a:ea typeface="G마켓 산스 Medium" panose="02000000000000000000" pitchFamily="50" charset="-127"/>
+              </a:rPr>
+              <a:t>*</a:t>
+            </a:r>
+            <a:r>
+              <a:rPr lang="ko-KR" altLang="en-US" sz="3200">
+                <a:solidFill>
+                  <a:srgbClr val="FF0000"/>
+                </a:solidFill>
+                <a:latin typeface="G마켓 산스 Medium" panose="02000000000000000000" pitchFamily="50" charset="-127"/>
+                <a:ea typeface="G마켓 산스 Medium" panose="02000000000000000000" pitchFamily="50" charset="-127"/>
+              </a:rPr>
+              <a:t>숫자를 </a:t>
+            </a:r>
+            <a:r>
+              <a:rPr lang="en-US" altLang="ko-KR" sz="3200">
+                <a:solidFill>
+                  <a:srgbClr val="FF0000"/>
+                </a:solidFill>
+                <a:latin typeface="G마켓 산스 Medium" panose="02000000000000000000" pitchFamily="50" charset="-127"/>
+                <a:ea typeface="G마켓 산스 Medium" panose="02000000000000000000" pitchFamily="50" charset="-127"/>
+              </a:rPr>
+              <a:t>100</a:t>
+            </a:r>
+            <a:r>
+              <a:rPr lang="ko-KR" altLang="en-US" sz="3200">
+                <a:solidFill>
+                  <a:srgbClr val="FF0000"/>
+                </a:solidFill>
+                <a:latin typeface="G마켓 산스 Medium" panose="02000000000000000000" pitchFamily="50" charset="-127"/>
+                <a:ea typeface="G마켓 산스 Medium" panose="02000000000000000000" pitchFamily="50" charset="-127"/>
+              </a:rPr>
+              <a:t>으로 나누면 </a:t>
+            </a:r>
+            <a:r>
+              <a:rPr lang="en-US" altLang="ko-KR" sz="3200">
+                <a:solidFill>
+                  <a:srgbClr val="FF0000"/>
+                </a:solidFill>
+                <a:latin typeface="G마켓 산스 Medium" panose="02000000000000000000" pitchFamily="50" charset="-127"/>
+                <a:ea typeface="G마켓 산스 Medium" panose="02000000000000000000" pitchFamily="50" charset="-127"/>
+              </a:rPr>
+              <a:t>1</a:t>
+            </a:r>
+            <a:r>
+              <a:rPr lang="ko-KR" altLang="en-US" sz="3200">
+                <a:solidFill>
+                  <a:srgbClr val="FF0000"/>
+                </a:solidFill>
+                <a:latin typeface="G마켓 산스 Medium" panose="02000000000000000000" pitchFamily="50" charset="-127"/>
+                <a:ea typeface="G마켓 산스 Medium" panose="02000000000000000000" pitchFamily="50" charset="-127"/>
+              </a:rPr>
+              <a:t>의자리와 </a:t>
+            </a:r>
+            <a:r>
+              <a:rPr lang="en-US" altLang="ko-KR" sz="3200">
+                <a:solidFill>
+                  <a:srgbClr val="FF0000"/>
+                </a:solidFill>
+                <a:latin typeface="G마켓 산스 Medium" panose="02000000000000000000" pitchFamily="50" charset="-127"/>
+                <a:ea typeface="G마켓 산스 Medium" panose="02000000000000000000" pitchFamily="50" charset="-127"/>
+              </a:rPr>
+              <a:t>10</a:t>
+            </a:r>
+            <a:r>
+              <a:rPr lang="ko-KR" altLang="en-US" sz="3200">
+                <a:solidFill>
+                  <a:srgbClr val="FF0000"/>
+                </a:solidFill>
+                <a:latin typeface="G마켓 산스 Medium" panose="02000000000000000000" pitchFamily="50" charset="-127"/>
+                <a:ea typeface="G마켓 산스 Medium" panose="02000000000000000000" pitchFamily="50" charset="-127"/>
+              </a:rPr>
+              <a:t>의 자리가 없어진다</a:t>
+            </a:r>
+            <a:r>
+              <a:rPr lang="en-US" altLang="ko-KR" sz="3200">
+                <a:solidFill>
+                  <a:srgbClr val="FF0000"/>
+                </a:solidFill>
+                <a:latin typeface="G마켓 산스 Medium" panose="02000000000000000000" pitchFamily="50" charset="-127"/>
+                <a:ea typeface="G마켓 산스 Medium" panose="02000000000000000000" pitchFamily="50" charset="-127"/>
+              </a:rPr>
+              <a:t>.</a:t>
+            </a:r>
+          </a:p>
+        </p:txBody>
+      </p:sp>
+      <p:pic>
+        <p:nvPicPr>
+          <p:cNvPr id="4" name="그림 3"/>
+          <p:cNvPicPr>
+            <a:picLocks noChangeAspect="1"/>
+          </p:cNvPicPr>
+          <p:nvPr/>
+        </p:nvPicPr>
+        <p:blipFill>
+          <a:blip r:embed="rId2"/>
+          <a:stretch>
+            <a:fillRect/>
+          </a:stretch>
+        </p:blipFill>
+        <p:spPr>
+          <a:xfrm>
+            <a:off x="1197342" y="2484175"/>
+            <a:ext cx="7870458" cy="2583125"/>
+          </a:xfrm>
+          <a:prstGeom prst="rect">
+            <a:avLst/>
+          </a:prstGeom>
+        </p:spPr>
+      </p:pic>
+      <p:sp>
+        <p:nvSpPr>
+          <p:cNvPr id="6" name="TextBox 5">
+            <a:extLst>
+              <a:ext uri="{FF2B5EF4-FFF2-40B4-BE49-F238E27FC236}">
+                <a16:creationId xmlns:a16="http://schemas.microsoft.com/office/drawing/2014/main" id="{6C50912D-A011-99A0-E9DB-7F89ED23AE56}"/>
+              </a:ext>
+            </a:extLst>
+          </p:cNvPr>
+          <p:cNvSpPr txBox="1"/>
+          <p:nvPr/>
+        </p:nvSpPr>
+        <p:spPr>
+          <a:xfrm>
+            <a:off x="1600200" y="7569356"/>
+            <a:ext cx="16002000" cy="1077218"/>
+          </a:xfrm>
+          <a:prstGeom prst="rect">
+            <a:avLst/>
+          </a:prstGeom>
+          <a:noFill/>
+        </p:spPr>
+        <p:txBody>
+          <a:bodyPr wrap="square" rtlCol="0">
+            <a:spAutoFit/>
+          </a:bodyPr>
+          <a:lstStyle/>
+          <a:p>
+            <a:pPr marL="742950" indent="-742950">
+              <a:buAutoNum type="arabicPeriod"/>
+            </a:pPr>
+            <a:r>
+              <a:rPr lang="en-US" altLang="ko-KR" sz="3200" dirty="0">
+                <a:solidFill>
+                  <a:srgbClr val="4C50BB"/>
+                </a:solidFill>
+                <a:latin typeface="G마켓 산스 Medium" panose="02000000000000000000" pitchFamily="50" charset="-127"/>
+                <a:ea typeface="G마켓 산스 Medium" panose="02000000000000000000" pitchFamily="50" charset="-127"/>
+              </a:rPr>
+              <a:t>100</a:t>
+            </a:r>
+            <a:r>
+              <a:rPr lang="ko-KR" altLang="en-US" sz="3200" dirty="0">
+                <a:solidFill>
+                  <a:srgbClr val="4C50BB"/>
+                </a:solidFill>
+                <a:latin typeface="G마켓 산스 Medium" panose="02000000000000000000" pitchFamily="50" charset="-127"/>
+                <a:ea typeface="G마켓 산스 Medium" panose="02000000000000000000" pitchFamily="50" charset="-127"/>
+              </a:rPr>
+              <a:t>으로 나누면 </a:t>
+            </a:r>
+            <a:r>
+              <a:rPr lang="en-US" altLang="ko-KR" sz="3200" dirty="0">
+                <a:solidFill>
+                  <a:srgbClr val="4C50BB"/>
+                </a:solidFill>
+                <a:latin typeface="G마켓 산스 Medium" panose="02000000000000000000" pitchFamily="50" charset="-127"/>
+                <a:ea typeface="G마켓 산스 Medium" panose="02000000000000000000" pitchFamily="50" charset="-127"/>
+              </a:rPr>
+              <a:t>1</a:t>
+            </a:r>
+            <a:r>
+              <a:rPr lang="ko-KR" altLang="en-US" sz="3200" dirty="0">
+                <a:solidFill>
+                  <a:srgbClr val="4C50BB"/>
+                </a:solidFill>
+                <a:latin typeface="G마켓 산스 Medium" panose="02000000000000000000" pitchFamily="50" charset="-127"/>
+                <a:ea typeface="G마켓 산스 Medium" panose="02000000000000000000" pitchFamily="50" charset="-127"/>
+              </a:rPr>
+              <a:t>의자리와 </a:t>
+            </a:r>
+            <a:r>
+              <a:rPr lang="en-US" altLang="ko-KR" sz="3200" dirty="0">
+                <a:solidFill>
+                  <a:srgbClr val="4C50BB"/>
+                </a:solidFill>
+                <a:latin typeface="G마켓 산스 Medium" panose="02000000000000000000" pitchFamily="50" charset="-127"/>
+                <a:ea typeface="G마켓 산스 Medium" panose="02000000000000000000" pitchFamily="50" charset="-127"/>
+              </a:rPr>
+              <a:t>10</a:t>
+            </a:r>
+            <a:r>
+              <a:rPr lang="ko-KR" altLang="en-US" sz="3200" dirty="0">
+                <a:solidFill>
+                  <a:srgbClr val="4C50BB"/>
+                </a:solidFill>
+                <a:latin typeface="G마켓 산스 Medium" panose="02000000000000000000" pitchFamily="50" charset="-127"/>
+                <a:ea typeface="G마켓 산스 Medium" panose="02000000000000000000" pitchFamily="50" charset="-127"/>
+              </a:rPr>
+              <a:t>의 자리가 제거된다</a:t>
+            </a:r>
+            <a:r>
+              <a:rPr lang="en-US" altLang="ko-KR" sz="3200" dirty="0">
+                <a:solidFill>
+                  <a:srgbClr val="4C50BB"/>
+                </a:solidFill>
+                <a:latin typeface="G마켓 산스 Medium" panose="02000000000000000000" pitchFamily="50" charset="-127"/>
+                <a:ea typeface="G마켓 산스 Medium" panose="02000000000000000000" pitchFamily="50" charset="-127"/>
+              </a:rPr>
+              <a:t>.</a:t>
+            </a:r>
+          </a:p>
+          <a:p>
+            <a:pPr marL="742950" indent="-742950">
+              <a:buAutoNum type="arabicPeriod"/>
+            </a:pPr>
+            <a:r>
+              <a:rPr lang="ko-KR" altLang="en-US" sz="3200" dirty="0">
+                <a:solidFill>
+                  <a:srgbClr val="4C50BB"/>
+                </a:solidFill>
+                <a:latin typeface="G마켓 산스 Medium" panose="02000000000000000000" pitchFamily="50" charset="-127"/>
+                <a:ea typeface="G마켓 산스 Medium" panose="02000000000000000000" pitchFamily="50" charset="-127"/>
+              </a:rPr>
+              <a:t>다시 </a:t>
+            </a:r>
+            <a:r>
+              <a:rPr lang="en-US" altLang="ko-KR" sz="3200" dirty="0">
+                <a:solidFill>
+                  <a:srgbClr val="4C50BB"/>
+                </a:solidFill>
+                <a:latin typeface="G마켓 산스 Medium" panose="02000000000000000000" pitchFamily="50" charset="-127"/>
+                <a:ea typeface="G마켓 산스 Medium" panose="02000000000000000000" pitchFamily="50" charset="-127"/>
+              </a:rPr>
+              <a:t>100</a:t>
+            </a:r>
+            <a:r>
+              <a:rPr lang="ko-KR" altLang="en-US" sz="3200" dirty="0">
+                <a:solidFill>
+                  <a:srgbClr val="4C50BB"/>
+                </a:solidFill>
+                <a:latin typeface="G마켓 산스 Medium" panose="02000000000000000000" pitchFamily="50" charset="-127"/>
+                <a:ea typeface="G마켓 산스 Medium" panose="02000000000000000000" pitchFamily="50" charset="-127"/>
+              </a:rPr>
+              <a:t>을 곱하면 </a:t>
+            </a:r>
+            <a:r>
+              <a:rPr lang="en-US" altLang="ko-KR" sz="3200" dirty="0">
+                <a:solidFill>
+                  <a:srgbClr val="4C50BB"/>
+                </a:solidFill>
+                <a:latin typeface="G마켓 산스 Medium" panose="02000000000000000000" pitchFamily="50" charset="-127"/>
+                <a:ea typeface="G마켓 산스 Medium" panose="02000000000000000000" pitchFamily="50" charset="-127"/>
+              </a:rPr>
+              <a:t>1</a:t>
+            </a:r>
+            <a:r>
+              <a:rPr lang="ko-KR" altLang="en-US" sz="3200" dirty="0">
+                <a:solidFill>
+                  <a:srgbClr val="4C50BB"/>
+                </a:solidFill>
+                <a:latin typeface="G마켓 산스 Medium" panose="02000000000000000000" pitchFamily="50" charset="-127"/>
+                <a:ea typeface="G마켓 산스 Medium" panose="02000000000000000000" pitchFamily="50" charset="-127"/>
+              </a:rPr>
+              <a:t>의 자리와 </a:t>
+            </a:r>
+            <a:r>
+              <a:rPr lang="en-US" altLang="ko-KR" sz="3200" dirty="0">
+                <a:solidFill>
+                  <a:srgbClr val="4C50BB"/>
+                </a:solidFill>
+                <a:latin typeface="G마켓 산스 Medium" panose="02000000000000000000" pitchFamily="50" charset="-127"/>
+                <a:ea typeface="G마켓 산스 Medium" panose="02000000000000000000" pitchFamily="50" charset="-127"/>
+              </a:rPr>
+              <a:t>10</a:t>
+            </a:r>
+            <a:r>
+              <a:rPr lang="ko-KR" altLang="en-US" sz="3200" dirty="0">
+                <a:solidFill>
+                  <a:srgbClr val="4C50BB"/>
+                </a:solidFill>
+                <a:latin typeface="G마켓 산스 Medium" panose="02000000000000000000" pitchFamily="50" charset="-127"/>
+                <a:ea typeface="G마켓 산스 Medium" panose="02000000000000000000" pitchFamily="50" charset="-127"/>
+              </a:rPr>
+              <a:t>의 자리가 </a:t>
+            </a:r>
+            <a:r>
+              <a:rPr lang="en-US" altLang="ko-KR" sz="3200" dirty="0">
+                <a:solidFill>
+                  <a:srgbClr val="4C50BB"/>
+                </a:solidFill>
+                <a:latin typeface="G마켓 산스 Medium" panose="02000000000000000000" pitchFamily="50" charset="-127"/>
+                <a:ea typeface="G마켓 산스 Medium" panose="02000000000000000000" pitchFamily="50" charset="-127"/>
+              </a:rPr>
+              <a:t>00</a:t>
+            </a:r>
+            <a:r>
+              <a:rPr lang="ko-KR" altLang="en-US" sz="3200" dirty="0">
+                <a:solidFill>
+                  <a:srgbClr val="4C50BB"/>
+                </a:solidFill>
+                <a:latin typeface="G마켓 산스 Medium" panose="02000000000000000000" pitchFamily="50" charset="-127"/>
+                <a:ea typeface="G마켓 산스 Medium" panose="02000000000000000000" pitchFamily="50" charset="-127"/>
+              </a:rPr>
+              <a:t>으로 메꿔진다</a:t>
+            </a:r>
+            <a:r>
+              <a:rPr lang="en-US" altLang="ko-KR" sz="3200" dirty="0">
+                <a:solidFill>
+                  <a:srgbClr val="4C50BB"/>
+                </a:solidFill>
+                <a:latin typeface="G마켓 산스 Medium" panose="02000000000000000000" pitchFamily="50" charset="-127"/>
+                <a:ea typeface="G마켓 산스 Medium" panose="02000000000000000000" pitchFamily="50" charset="-127"/>
+              </a:rPr>
+              <a:t>.</a:t>
+            </a:r>
+          </a:p>
+        </p:txBody>
+      </p:sp>
+      <p:sp>
+        <p:nvSpPr>
+          <p:cNvPr id="9" name="TextBox 8">
+            <a:extLst>
+              <a:ext uri="{FF2B5EF4-FFF2-40B4-BE49-F238E27FC236}">
+                <a16:creationId xmlns:a16="http://schemas.microsoft.com/office/drawing/2014/main" id="{DB7AAC91-A986-C43B-CCA0-96F41CA26966}"/>
+              </a:ext>
+            </a:extLst>
+          </p:cNvPr>
+          <p:cNvSpPr txBox="1"/>
+          <p:nvPr/>
+        </p:nvSpPr>
+        <p:spPr>
+          <a:xfrm>
+            <a:off x="1143000" y="6568525"/>
+            <a:ext cx="1665841" cy="1015663"/>
+          </a:xfrm>
+          <a:prstGeom prst="rect">
+            <a:avLst/>
+          </a:prstGeom>
+          <a:noFill/>
+        </p:spPr>
+        <p:txBody>
+          <a:bodyPr wrap="none" rtlCol="0">
+            <a:spAutoFit/>
+          </a:bodyPr>
+          <a:lstStyle/>
+          <a:p>
+            <a:r>
+              <a:rPr lang="ko-KR" altLang="en-US" sz="6000" dirty="0">
+                <a:solidFill>
+                  <a:srgbClr val="4C50BB"/>
+                </a:solidFill>
+                <a:latin typeface="G마켓 산스 TTF Bold" panose="02000000000000000000" pitchFamily="2" charset="-127"/>
+                <a:ea typeface="G마켓 산스 TTF Bold" panose="02000000000000000000" pitchFamily="2" charset="-127"/>
+              </a:rPr>
+              <a:t>해설</a:t>
+            </a:r>
+            <a:endParaRPr lang="ko-KR" altLang="en-US" sz="800" dirty="0">
               <a:solidFill>
-                <a:srgbClr val="4C50BC"/>
+                <a:srgbClr val="4C50BB"/>
               </a:solidFill>
-              <a:latin typeface="G마켓 산스 Medium" panose="02000000000000000000" pitchFamily="50" charset="-127"/>
-              <a:ea typeface="G마켓 산스 Medium" panose="02000000000000000000" pitchFamily="50" charset="-127"/>
-            </a:endParaRPr>
-          </a:p>
-          <a:p>
-            <a:r>
-              <a:rPr lang="ko-KR" altLang="en-US" sz="6000" smtClean="0">
-                <a:solidFill>
-                  <a:srgbClr val="4C50BC"/>
-                </a:solidFill>
-                <a:latin typeface="G마켓 산스 Medium" panose="02000000000000000000" pitchFamily="50" charset="-127"/>
-                <a:ea typeface="G마켓 산스 Medium" panose="02000000000000000000" pitchFamily="50" charset="-127"/>
-              </a:rPr>
-              <a:t>논리연산자</a:t>
-            </a:r>
-            <a:r>
-              <a:rPr lang="en-US" altLang="ko-KR" sz="6000" smtClean="0">
-                <a:solidFill>
-                  <a:srgbClr val="4C50BC"/>
-                </a:solidFill>
-                <a:latin typeface="G마켓 산스 Medium" panose="02000000000000000000" pitchFamily="50" charset="-127"/>
-                <a:ea typeface="G마켓 산스 Medium" panose="02000000000000000000" pitchFamily="50" charset="-127"/>
-              </a:rPr>
-              <a:t>: X&gt;3 &amp;&amp; x&lt;5</a:t>
-            </a:r>
-          </a:p>
-          <a:p>
-            <a:endParaRPr lang="en-US" altLang="ko-KR" sz="6000" smtClean="0">
-              <a:solidFill>
-                <a:srgbClr val="4C50BC"/>
-              </a:solidFill>
-              <a:latin typeface="G마켓 산스 Medium" panose="02000000000000000000" pitchFamily="50" charset="-127"/>
-              <a:ea typeface="G마켓 산스 Medium" panose="02000000000000000000" pitchFamily="50" charset="-127"/>
-            </a:endParaRPr>
-          </a:p>
-          <a:p>
-            <a:r>
-              <a:rPr lang="ko-KR" altLang="en-US" sz="6000" smtClean="0">
-                <a:solidFill>
-                  <a:srgbClr val="4C50BC"/>
-                </a:solidFill>
-                <a:latin typeface="G마켓 산스 Medium" panose="02000000000000000000" pitchFamily="50" charset="-127"/>
-                <a:ea typeface="G마켓 산스 Medium" panose="02000000000000000000" pitchFamily="50" charset="-127"/>
-              </a:rPr>
-              <a:t>논리연산자</a:t>
-            </a:r>
-            <a:r>
-              <a:rPr lang="en-US" altLang="ko-KR" sz="6000" smtClean="0">
-                <a:solidFill>
-                  <a:srgbClr val="4C50BC"/>
-                </a:solidFill>
-                <a:latin typeface="G마켓 산스 Medium" panose="02000000000000000000" pitchFamily="50" charset="-127"/>
-                <a:ea typeface="G마켓 산스 Medium" panose="02000000000000000000" pitchFamily="50" charset="-127"/>
-              </a:rPr>
-              <a:t>:true || true &amp;&amp; false</a:t>
-            </a:r>
-          </a:p>
-          <a:p>
-            <a:endParaRPr lang="en-US" altLang="ko-KR" sz="6000" smtClean="0">
-              <a:solidFill>
-                <a:srgbClr val="4C50BC"/>
-              </a:solidFill>
-              <a:latin typeface="G마켓 산스 Medium" panose="02000000000000000000" pitchFamily="50" charset="-127"/>
-              <a:ea typeface="G마켓 산스 Medium" panose="02000000000000000000" pitchFamily="50" charset="-127"/>
+              <a:latin typeface="G마켓 산스 TTF Bold" panose="02000000000000000000" pitchFamily="2" charset="-127"/>
+              <a:ea typeface="G마켓 산스 TTF Bold" panose="02000000000000000000" pitchFamily="2" charset="-127"/>
             </a:endParaRPr>
           </a:p>
         </p:txBody>
@@ -8085,34 +10390,19 @@
     </p:spTree>
     <p:extLst>
       <p:ext uri="{BB962C8B-B14F-4D97-AF65-F5344CB8AC3E}">
-        <p14:creationId xmlns:p14="http://schemas.microsoft.com/office/powerpoint/2010/main" val="2399000673"/>
+        <p14:creationId xmlns:p14="http://schemas.microsoft.com/office/powerpoint/2010/main" val="1059915031"/>
       </p:ext>
     </p:extLst>
   </p:cSld>
   <p:clrMapOvr>
     <a:masterClrMapping/>
   </p:clrMapOvr>
-  <p:timing>
-    <p:tnLst>
-      <p:par>
-        <p:cTn id="1" dur="indefinite" restart="never" nodeType="tmRoot"/>
-      </p:par>
-    </p:tnLst>
-  </p:timing>
 </p:sld>
 </file>
 
 <file path=ppt/slides/slide9.xml><?xml version="1.0" encoding="utf-8"?>
 <p:sld xmlns:a="http://schemas.openxmlformats.org/drawingml/2006/main" xmlns:r="http://schemas.openxmlformats.org/officeDocument/2006/relationships" xmlns:p="http://schemas.openxmlformats.org/presentationml/2006/main">
   <p:cSld>
-    <p:bg>
-      <p:bgPr>
-        <a:solidFill>
-          <a:srgbClr val="4C50BC"/>
-        </a:solidFill>
-        <a:effectLst/>
-      </p:bgPr>
-    </p:bg>
     <p:spTree>
       <p:nvGrpSpPr>
         <p:cNvPr id="1" name=""/>
@@ -8127,12 +10417,170 @@
           <a:chExt cx="0" cy="0"/>
         </a:xfrm>
       </p:grpSpPr>
+      <p:sp>
+        <p:nvSpPr>
+          <p:cNvPr id="4" name="TextBox 3">
+            <a:extLst>
+              <a:ext uri="{FF2B5EF4-FFF2-40B4-BE49-F238E27FC236}">
+                <a16:creationId xmlns:a16="http://schemas.microsoft.com/office/drawing/2014/main" id="{27DC3C5B-287D-35AB-2EE7-95E279610386}"/>
+              </a:ext>
+            </a:extLst>
+          </p:cNvPr>
+          <p:cNvSpPr txBox="1"/>
+          <p:nvPr/>
+        </p:nvSpPr>
+        <p:spPr>
+          <a:xfrm>
+            <a:off x="1219200" y="419100"/>
+            <a:ext cx="14935200" cy="1631216"/>
+          </a:xfrm>
+          <a:prstGeom prst="rect">
+            <a:avLst/>
+          </a:prstGeom>
+          <a:noFill/>
+        </p:spPr>
+        <p:txBody>
+          <a:bodyPr wrap="square" rtlCol="0">
+            <a:spAutoFit/>
+          </a:bodyPr>
+          <a:lstStyle/>
+          <a:p>
+            <a:r>
+              <a:rPr lang="en-US" altLang="ko-KR" sz="3600">
+                <a:solidFill>
+                  <a:srgbClr val="4C50BB"/>
+                </a:solidFill>
+                <a:latin typeface="G마켓 산스 Medium" panose="02000000000000000000" pitchFamily="50" charset="-127"/>
+                <a:ea typeface="G마켓 산스 Medium" panose="02000000000000000000" pitchFamily="50" charset="-127"/>
+              </a:rPr>
+              <a:t>2. Int</a:t>
+            </a:r>
+            <a:r>
+              <a:rPr lang="ko-KR" altLang="en-US" sz="3600">
+                <a:solidFill>
+                  <a:srgbClr val="4C50BB"/>
+                </a:solidFill>
+                <a:latin typeface="G마켓 산스 Medium" panose="02000000000000000000" pitchFamily="50" charset="-127"/>
+                <a:ea typeface="G마켓 산스 Medium" panose="02000000000000000000" pitchFamily="50" charset="-127"/>
+              </a:rPr>
+              <a:t>형 변수 </a:t>
+            </a:r>
+            <a:r>
+              <a:rPr lang="en-US" altLang="ko-KR" sz="3600">
+                <a:solidFill>
+                  <a:srgbClr val="4C50BB"/>
+                </a:solidFill>
+                <a:latin typeface="G마켓 산스 Medium" panose="02000000000000000000" pitchFamily="50" charset="-127"/>
+                <a:ea typeface="G마켓 산스 Medium" panose="02000000000000000000" pitchFamily="50" charset="-127"/>
+              </a:rPr>
+              <a:t>num</a:t>
+            </a:r>
+            <a:r>
+              <a:rPr lang="ko-KR" altLang="en-US" sz="3600">
+                <a:solidFill>
+                  <a:srgbClr val="4C50BB"/>
+                </a:solidFill>
+                <a:latin typeface="G마켓 산스 Medium" panose="02000000000000000000" pitchFamily="50" charset="-127"/>
+                <a:ea typeface="G마켓 산스 Medium" panose="02000000000000000000" pitchFamily="50" charset="-127"/>
+              </a:rPr>
+              <a:t>의 숫자가 홀수</a:t>
+            </a:r>
+            <a:r>
+              <a:rPr lang="en-US" altLang="ko-KR" sz="3600">
+                <a:solidFill>
+                  <a:srgbClr val="4C50BB"/>
+                </a:solidFill>
+                <a:latin typeface="G마켓 산스 Medium" panose="02000000000000000000" pitchFamily="50" charset="-127"/>
+                <a:ea typeface="G마켓 산스 Medium" panose="02000000000000000000" pitchFamily="50" charset="-127"/>
+              </a:rPr>
+              <a:t>, </a:t>
+            </a:r>
+            <a:r>
+              <a:rPr lang="ko-KR" altLang="en-US" sz="3600">
+                <a:solidFill>
+                  <a:srgbClr val="4C50BB"/>
+                </a:solidFill>
+                <a:latin typeface="G마켓 산스 Medium" panose="02000000000000000000" pitchFamily="50" charset="-127"/>
+                <a:ea typeface="G마켓 산스 Medium" panose="02000000000000000000" pitchFamily="50" charset="-127"/>
+              </a:rPr>
+              <a:t>짝수인지 출력 하시오</a:t>
+            </a:r>
+            <a:endParaRPr lang="en-US" altLang="ko-KR" sz="3600">
+              <a:solidFill>
+                <a:srgbClr val="4C50BB"/>
+              </a:solidFill>
+              <a:latin typeface="G마켓 산스 Medium" panose="02000000000000000000" pitchFamily="50" charset="-127"/>
+              <a:ea typeface="G마켓 산스 Medium" panose="02000000000000000000" pitchFamily="50" charset="-127"/>
+            </a:endParaRPr>
+          </a:p>
+          <a:p>
+            <a:pPr marL="571500" indent="-571500">
+              <a:buFontTx/>
+              <a:buChar char="-"/>
+            </a:pPr>
+            <a:r>
+              <a:rPr lang="ko-KR" altLang="en-US" sz="3200">
+                <a:solidFill>
+                  <a:schemeClr val="bg1">
+                    <a:lumMod val="50000"/>
+                  </a:schemeClr>
+                </a:solidFill>
+                <a:latin typeface="G마켓 산스 Medium" panose="02000000000000000000" pitchFamily="50" charset="-127"/>
+                <a:ea typeface="G마켓 산스 Medium" panose="02000000000000000000" pitchFamily="50" charset="-127"/>
+              </a:rPr>
+              <a:t>짝수 </a:t>
+            </a:r>
+            <a:r>
+              <a:rPr lang="en-US" altLang="ko-KR" sz="3200">
+                <a:solidFill>
+                  <a:schemeClr val="bg1">
+                    <a:lumMod val="50000"/>
+                  </a:schemeClr>
+                </a:solidFill>
+                <a:latin typeface="G마켓 산스 Medium" panose="02000000000000000000" pitchFamily="50" charset="-127"/>
+                <a:ea typeface="G마켓 산스 Medium" panose="02000000000000000000" pitchFamily="50" charset="-127"/>
+              </a:rPr>
+              <a:t>: 0, 2, 4, 6, 8 …</a:t>
+            </a:r>
+          </a:p>
+          <a:p>
+            <a:pPr marL="571500" indent="-571500">
+              <a:buFontTx/>
+              <a:buChar char="-"/>
+            </a:pPr>
+            <a:r>
+              <a:rPr lang="ko-KR" altLang="en-US" sz="3200">
+                <a:solidFill>
+                  <a:schemeClr val="bg1">
+                    <a:lumMod val="50000"/>
+                  </a:schemeClr>
+                </a:solidFill>
+                <a:latin typeface="G마켓 산스 Medium" panose="02000000000000000000" pitchFamily="50" charset="-127"/>
+                <a:ea typeface="G마켓 산스 Medium" panose="02000000000000000000" pitchFamily="50" charset="-127"/>
+              </a:rPr>
+              <a:t>홀수 </a:t>
+            </a:r>
+            <a:r>
+              <a:rPr lang="en-US" altLang="ko-KR" sz="3200">
+                <a:solidFill>
+                  <a:schemeClr val="bg1">
+                    <a:lumMod val="50000"/>
+                  </a:schemeClr>
+                </a:solidFill>
+                <a:latin typeface="G마켓 산스 Medium" panose="02000000000000000000" pitchFamily="50" charset="-127"/>
+                <a:ea typeface="G마켓 산스 Medium" panose="02000000000000000000" pitchFamily="50" charset="-127"/>
+              </a:rPr>
+              <a:t>: 1, 3, 5, 7, 9 …</a:t>
+            </a:r>
+          </a:p>
+        </p:txBody>
+      </p:sp>
       <p:pic>
         <p:nvPicPr>
-          <p:cNvPr id="5" name="Object 2">
+          <p:cNvPr id="5" name="그림 4">
             <a:extLst>
               <a:ext uri="{FF2B5EF4-FFF2-40B4-BE49-F238E27FC236}">
-                <a16:creationId xmlns:a16="http://schemas.microsoft.com/office/drawing/2014/main" id="{EB9768FE-76B0-709F-3C4D-0ECBB41147CD}"/>
+                <a16:creationId xmlns:a16="http://schemas.microsoft.com/office/drawing/2014/main" id="{B3A1BA38-1F84-ACC5-4E38-EE47D0091F9A}"/>
               </a:ext>
             </a:extLst>
           </p:cNvPr>
@@ -8142,231 +10590,27 @@
           <p:nvPr/>
         </p:nvPicPr>
         <p:blipFill>
-          <a:blip r:embed="rId2" cstate="print"/>
+          <a:blip r:embed="rId2"/>
           <a:stretch>
             <a:fillRect/>
           </a:stretch>
         </p:blipFill>
         <p:spPr>
           <a:xfrm>
-            <a:off x="1468058" y="2416536"/>
-            <a:ext cx="3183528" cy="3284880"/>
+            <a:off x="1256712" y="2050316"/>
+            <a:ext cx="9696151" cy="2559784"/>
           </a:xfrm>
           <a:prstGeom prst="rect">
             <a:avLst/>
           </a:prstGeom>
         </p:spPr>
       </p:pic>
-      <p:grpSp>
-        <p:nvGrpSpPr>
-          <p:cNvPr id="7" name="그룹 1001">
+      <p:sp>
+        <p:nvSpPr>
+          <p:cNvPr id="7" name="TextBox 6">
             <a:extLst>
               <a:ext uri="{FF2B5EF4-FFF2-40B4-BE49-F238E27FC236}">
-                <a16:creationId xmlns:a16="http://schemas.microsoft.com/office/drawing/2014/main" id="{0637F47C-891C-2B90-8647-32B84C264D42}"/>
-              </a:ext>
-            </a:extLst>
-          </p:cNvPr>
-          <p:cNvGrpSpPr/>
-          <p:nvPr/>
-        </p:nvGrpSpPr>
-        <p:grpSpPr>
-          <a:xfrm>
-            <a:off x="13074845" y="-1224069"/>
-            <a:ext cx="3388803" cy="3355932"/>
-            <a:chOff x="13074845" y="-1224069"/>
-            <a:chExt cx="3388803" cy="3355932"/>
-          </a:xfrm>
-        </p:grpSpPr>
-        <p:pic>
-          <p:nvPicPr>
-            <p:cNvPr id="8" name="Object 5">
-              <a:extLst>
-                <a:ext uri="{FF2B5EF4-FFF2-40B4-BE49-F238E27FC236}">
-                  <a16:creationId xmlns:a16="http://schemas.microsoft.com/office/drawing/2014/main" id="{710F969D-8259-9328-33C3-C6DB500C60D4}"/>
-                </a:ext>
-              </a:extLst>
-            </p:cNvPr>
-            <p:cNvPicPr>
-              <a:picLocks noChangeAspect="1"/>
-            </p:cNvPicPr>
-            <p:nvPr/>
-          </p:nvPicPr>
-          <p:blipFill>
-            <a:blip r:embed="rId3" cstate="print"/>
-            <a:stretch>
-              <a:fillRect/>
-            </a:stretch>
-          </p:blipFill>
-          <p:spPr>
-            <a:xfrm>
-              <a:off x="13074845" y="-1224069"/>
-              <a:ext cx="3388803" cy="3355932"/>
-            </a:xfrm>
-            <a:prstGeom prst="rect">
-              <a:avLst/>
-            </a:prstGeom>
-          </p:spPr>
-        </p:pic>
-      </p:grpSp>
-      <p:grpSp>
-        <p:nvGrpSpPr>
-          <p:cNvPr id="9" name="그룹 1002">
-            <a:extLst>
-              <a:ext uri="{FF2B5EF4-FFF2-40B4-BE49-F238E27FC236}">
-                <a16:creationId xmlns:a16="http://schemas.microsoft.com/office/drawing/2014/main" id="{A87796A8-251B-F38A-5AE9-11F8D847B25D}"/>
-              </a:ext>
-            </a:extLst>
-          </p:cNvPr>
-          <p:cNvGrpSpPr/>
-          <p:nvPr/>
-        </p:nvGrpSpPr>
-        <p:grpSpPr>
-          <a:xfrm>
-            <a:off x="15502230" y="-877556"/>
-            <a:ext cx="3902974" cy="3971928"/>
-            <a:chOff x="15502230" y="-877556"/>
-            <a:chExt cx="3902974" cy="3971928"/>
-          </a:xfrm>
-        </p:grpSpPr>
-        <p:pic>
-          <p:nvPicPr>
-            <p:cNvPr id="10" name="Object 8">
-              <a:extLst>
-                <a:ext uri="{FF2B5EF4-FFF2-40B4-BE49-F238E27FC236}">
-                  <a16:creationId xmlns:a16="http://schemas.microsoft.com/office/drawing/2014/main" id="{9E806C19-D323-E705-F3B8-EEABB39F0993}"/>
-                </a:ext>
-              </a:extLst>
-            </p:cNvPr>
-            <p:cNvPicPr>
-              <a:picLocks noChangeAspect="1"/>
-            </p:cNvPicPr>
-            <p:nvPr/>
-          </p:nvPicPr>
-          <p:blipFill>
-            <a:blip r:embed="rId4" cstate="print"/>
-            <a:stretch>
-              <a:fillRect/>
-            </a:stretch>
-          </p:blipFill>
-          <p:spPr>
-            <a:xfrm rot="-2700000">
-              <a:off x="15502230" y="-877556"/>
-              <a:ext cx="3902974" cy="3971928"/>
-            </a:xfrm>
-            <a:prstGeom prst="rect">
-              <a:avLst/>
-            </a:prstGeom>
-          </p:spPr>
-        </p:pic>
-      </p:grpSp>
-      <p:grpSp>
-        <p:nvGrpSpPr>
-          <p:cNvPr id="11" name="그룹 1003">
-            <a:extLst>
-              <a:ext uri="{FF2B5EF4-FFF2-40B4-BE49-F238E27FC236}">
-                <a16:creationId xmlns:a16="http://schemas.microsoft.com/office/drawing/2014/main" id="{701795E0-24B6-38E6-7308-FED7AD2B6900}"/>
-              </a:ext>
-            </a:extLst>
-          </p:cNvPr>
-          <p:cNvGrpSpPr/>
-          <p:nvPr/>
-        </p:nvGrpSpPr>
-        <p:grpSpPr>
-          <a:xfrm>
-            <a:off x="14137208" y="6930045"/>
-            <a:ext cx="4652881" cy="4607748"/>
-            <a:chOff x="14137208" y="6930045"/>
-            <a:chExt cx="4652881" cy="4607748"/>
-          </a:xfrm>
-        </p:grpSpPr>
-        <p:pic>
-          <p:nvPicPr>
-            <p:cNvPr id="12" name="Object 11">
-              <a:extLst>
-                <a:ext uri="{FF2B5EF4-FFF2-40B4-BE49-F238E27FC236}">
-                  <a16:creationId xmlns:a16="http://schemas.microsoft.com/office/drawing/2014/main" id="{D8C68167-7FB5-1F8E-D53C-DEA682F465F5}"/>
-                </a:ext>
-              </a:extLst>
-            </p:cNvPr>
-            <p:cNvPicPr>
-              <a:picLocks noChangeAspect="1"/>
-            </p:cNvPicPr>
-            <p:nvPr/>
-          </p:nvPicPr>
-          <p:blipFill>
-            <a:blip r:embed="rId5" cstate="print"/>
-            <a:stretch>
-              <a:fillRect/>
-            </a:stretch>
-          </p:blipFill>
-          <p:spPr>
-            <a:xfrm>
-              <a:off x="14137208" y="6930045"/>
-              <a:ext cx="4652881" cy="4607748"/>
-            </a:xfrm>
-            <a:prstGeom prst="rect">
-              <a:avLst/>
-            </a:prstGeom>
-          </p:spPr>
-        </p:pic>
-      </p:grpSp>
-      <p:grpSp>
-        <p:nvGrpSpPr>
-          <p:cNvPr id="13" name="그룹 1004">
-            <a:extLst>
-              <a:ext uri="{FF2B5EF4-FFF2-40B4-BE49-F238E27FC236}">
-                <a16:creationId xmlns:a16="http://schemas.microsoft.com/office/drawing/2014/main" id="{03226A72-764D-99F3-A14F-47C351CB448B}"/>
-              </a:ext>
-            </a:extLst>
-          </p:cNvPr>
-          <p:cNvGrpSpPr/>
-          <p:nvPr/>
-        </p:nvGrpSpPr>
-        <p:grpSpPr>
-          <a:xfrm>
-            <a:off x="-159165" y="3685351"/>
-            <a:ext cx="1432688" cy="191978"/>
-            <a:chOff x="-159165" y="3685351"/>
-            <a:chExt cx="1432688" cy="191978"/>
-          </a:xfrm>
-        </p:grpSpPr>
-        <p:pic>
-          <p:nvPicPr>
-            <p:cNvPr id="14" name="Object 14">
-              <a:extLst>
-                <a:ext uri="{FF2B5EF4-FFF2-40B4-BE49-F238E27FC236}">
-                  <a16:creationId xmlns:a16="http://schemas.microsoft.com/office/drawing/2014/main" id="{77C5B9A8-AEBA-093B-4CD6-4F1ECF519068}"/>
-                </a:ext>
-              </a:extLst>
-            </p:cNvPr>
-            <p:cNvPicPr>
-              <a:picLocks noChangeAspect="1"/>
-            </p:cNvPicPr>
-            <p:nvPr/>
-          </p:nvPicPr>
-          <p:blipFill>
-            <a:blip r:embed="rId6" cstate="print"/>
-            <a:stretch>
-              <a:fillRect/>
-            </a:stretch>
-          </p:blipFill>
-          <p:spPr>
-            <a:xfrm rot="-10800000">
-              <a:off x="-159165" y="3685351"/>
-              <a:ext cx="1432688" cy="191978"/>
-            </a:xfrm>
-            <a:prstGeom prst="rect">
-              <a:avLst/>
-            </a:prstGeom>
-          </p:spPr>
-        </p:pic>
-      </p:grpSp>
-      <p:sp>
-        <p:nvSpPr>
-          <p:cNvPr id="15" name="TextBox 14">
-            <a:extLst>
-              <a:ext uri="{FF2B5EF4-FFF2-40B4-BE49-F238E27FC236}">
-                <a16:creationId xmlns:a16="http://schemas.microsoft.com/office/drawing/2014/main" id="{E44AB10B-96D7-19D1-5C7A-D2761E62F16E}"/>
+                <a16:creationId xmlns:a16="http://schemas.microsoft.com/office/drawing/2014/main" id="{38B68DD3-5D3C-4ED4-5DF5-AD73DFDF5D18}"/>
               </a:ext>
             </a:extLst>
           </p:cNvPr>
@@ -8375,8 +10619,269 @@
         </p:nvSpPr>
         <p:spPr>
           <a:xfrm>
-            <a:off x="2172958" y="5295900"/>
-            <a:ext cx="3441968" cy="1107996"/>
+            <a:off x="1600200" y="7569356"/>
+            <a:ext cx="16002000" cy="2554545"/>
+          </a:xfrm>
+          <a:prstGeom prst="rect">
+            <a:avLst/>
+          </a:prstGeom>
+          <a:noFill/>
+        </p:spPr>
+        <p:txBody>
+          <a:bodyPr wrap="square" rtlCol="0">
+            <a:spAutoFit/>
+          </a:bodyPr>
+          <a:lstStyle/>
+          <a:p>
+            <a:pPr marL="742950" indent="-742950">
+              <a:buAutoNum type="arabicPeriod"/>
+            </a:pPr>
+            <a:r>
+              <a:rPr lang="ko-KR" altLang="en-US" sz="3200" dirty="0">
+                <a:solidFill>
+                  <a:srgbClr val="4C50BB"/>
+                </a:solidFill>
+                <a:latin typeface="G마켓 산스 Medium" panose="02000000000000000000" pitchFamily="50" charset="-127"/>
+                <a:ea typeface="G마켓 산스 Medium" panose="02000000000000000000" pitchFamily="50" charset="-127"/>
+              </a:rPr>
+              <a:t>특정 수가 홀수인지 짝수인지 구분하려면 </a:t>
+            </a:r>
+            <a:r>
+              <a:rPr lang="en-US" altLang="ko-KR" sz="3200" dirty="0">
+                <a:solidFill>
+                  <a:srgbClr val="4C50BB"/>
+                </a:solidFill>
+                <a:latin typeface="G마켓 산스 Medium" panose="02000000000000000000" pitchFamily="50" charset="-127"/>
+                <a:ea typeface="G마켓 산스 Medium" panose="02000000000000000000" pitchFamily="50" charset="-127"/>
+              </a:rPr>
+              <a:t>2</a:t>
+            </a:r>
+            <a:r>
+              <a:rPr lang="ko-KR" altLang="en-US" sz="3200" dirty="0">
+                <a:solidFill>
+                  <a:srgbClr val="4C50BB"/>
+                </a:solidFill>
+                <a:latin typeface="G마켓 산스 Medium" panose="02000000000000000000" pitchFamily="50" charset="-127"/>
+                <a:ea typeface="G마켓 산스 Medium" panose="02000000000000000000" pitchFamily="50" charset="-127"/>
+              </a:rPr>
+              <a:t>로 </a:t>
+            </a:r>
+            <a:r>
+              <a:rPr lang="ko-KR" altLang="en-US" sz="3200" dirty="0" err="1">
+                <a:solidFill>
+                  <a:srgbClr val="4C50BB"/>
+                </a:solidFill>
+                <a:latin typeface="G마켓 산스 Medium" panose="02000000000000000000" pitchFamily="50" charset="-127"/>
+                <a:ea typeface="G마켓 산스 Medium" panose="02000000000000000000" pitchFamily="50" charset="-127"/>
+              </a:rPr>
+              <a:t>나누었을때</a:t>
+            </a:r>
+            <a:r>
+              <a:rPr lang="ko-KR" altLang="en-US" sz="3200" dirty="0">
+                <a:solidFill>
+                  <a:srgbClr val="4C50BB"/>
+                </a:solidFill>
+                <a:latin typeface="G마켓 산스 Medium" panose="02000000000000000000" pitchFamily="50" charset="-127"/>
+                <a:ea typeface="G마켓 산스 Medium" panose="02000000000000000000" pitchFamily="50" charset="-127"/>
+              </a:rPr>
+              <a:t> 나머지가 없다면 짝수 이며 나머지가 있다면 홀수 이다</a:t>
+            </a:r>
+            <a:r>
+              <a:rPr lang="en-US" altLang="ko-KR" sz="3200" dirty="0">
+                <a:solidFill>
+                  <a:srgbClr val="4C50BB"/>
+                </a:solidFill>
+                <a:latin typeface="G마켓 산스 Medium" panose="02000000000000000000" pitchFamily="50" charset="-127"/>
+                <a:ea typeface="G마켓 산스 Medium" panose="02000000000000000000" pitchFamily="50" charset="-127"/>
+              </a:rPr>
+              <a:t>.</a:t>
+            </a:r>
+          </a:p>
+          <a:p>
+            <a:pPr marL="742950" indent="-742950">
+              <a:buAutoNum type="arabicPeriod"/>
+            </a:pPr>
+            <a:endParaRPr lang="en-US" altLang="ko-KR" sz="3200" dirty="0">
+              <a:solidFill>
+                <a:srgbClr val="4C50BB"/>
+              </a:solidFill>
+              <a:latin typeface="G마켓 산스 Medium" panose="02000000000000000000" pitchFamily="50" charset="-127"/>
+              <a:ea typeface="G마켓 산스 Medium" panose="02000000000000000000" pitchFamily="50" charset="-127"/>
+            </a:endParaRPr>
+          </a:p>
+          <a:p>
+            <a:pPr marL="742950" indent="-742950">
+              <a:buAutoNum type="arabicPeriod"/>
+            </a:pPr>
+            <a:r>
+              <a:rPr lang="en-US" altLang="ko-KR" sz="3200" dirty="0">
+                <a:solidFill>
+                  <a:srgbClr val="4C50BB"/>
+                </a:solidFill>
+                <a:latin typeface="G마켓 산스 Medium" panose="02000000000000000000" pitchFamily="50" charset="-127"/>
+                <a:ea typeface="G마켓 산스 Medium" panose="02000000000000000000" pitchFamily="50" charset="-127"/>
+              </a:rPr>
+              <a:t>% </a:t>
+            </a:r>
+            <a:r>
+              <a:rPr lang="ko-KR" altLang="en-US" sz="3200" dirty="0">
+                <a:solidFill>
+                  <a:srgbClr val="4C50BB"/>
+                </a:solidFill>
+                <a:latin typeface="G마켓 산스 Medium" panose="02000000000000000000" pitchFamily="50" charset="-127"/>
+                <a:ea typeface="G마켓 산스 Medium" panose="02000000000000000000" pitchFamily="50" charset="-127"/>
+              </a:rPr>
+              <a:t>나머지 연산을 이용하여 나머지를 구하고 </a:t>
+            </a:r>
+            <a:r>
+              <a:rPr lang="ko-KR" altLang="en-US" sz="3200" dirty="0" err="1">
+                <a:solidFill>
+                  <a:srgbClr val="4C50BB"/>
+                </a:solidFill>
+                <a:latin typeface="G마켓 산스 Medium" panose="02000000000000000000" pitchFamily="50" charset="-127"/>
+                <a:ea typeface="G마켓 산스 Medium" panose="02000000000000000000" pitchFamily="50" charset="-127"/>
+              </a:rPr>
+              <a:t>삼항연산자를</a:t>
+            </a:r>
+            <a:r>
+              <a:rPr lang="ko-KR" altLang="en-US" sz="3200" dirty="0">
+                <a:solidFill>
+                  <a:srgbClr val="4C50BB"/>
+                </a:solidFill>
+                <a:latin typeface="G마켓 산스 Medium" panose="02000000000000000000" pitchFamily="50" charset="-127"/>
+                <a:ea typeface="G마켓 산스 Medium" panose="02000000000000000000" pitchFamily="50" charset="-127"/>
+              </a:rPr>
+              <a:t> 이용하여  나머지가 </a:t>
+            </a:r>
+            <a:r>
+              <a:rPr lang="en-US" altLang="ko-KR" sz="3200" dirty="0">
+                <a:solidFill>
+                  <a:srgbClr val="4C50BB"/>
+                </a:solidFill>
+                <a:latin typeface="G마켓 산스 Medium" panose="02000000000000000000" pitchFamily="50" charset="-127"/>
+                <a:ea typeface="G마켓 산스 Medium" panose="02000000000000000000" pitchFamily="50" charset="-127"/>
+              </a:rPr>
+              <a:t>0</a:t>
+            </a:r>
+            <a:r>
+              <a:rPr lang="ko-KR" altLang="en-US" sz="3200" dirty="0">
+                <a:solidFill>
+                  <a:srgbClr val="4C50BB"/>
+                </a:solidFill>
+                <a:latin typeface="G마켓 산스 Medium" panose="02000000000000000000" pitchFamily="50" charset="-127"/>
+                <a:ea typeface="G마켓 산스 Medium" panose="02000000000000000000" pitchFamily="50" charset="-127"/>
+              </a:rPr>
+              <a:t>이라면 </a:t>
+            </a:r>
+            <a:r>
+              <a:rPr lang="en-US" altLang="ko-KR" sz="3200" dirty="0">
+                <a:solidFill>
+                  <a:srgbClr val="4C50BB"/>
+                </a:solidFill>
+                <a:latin typeface="G마켓 산스 Medium" panose="02000000000000000000" pitchFamily="50" charset="-127"/>
+                <a:ea typeface="G마켓 산스 Medium" panose="02000000000000000000" pitchFamily="50" charset="-127"/>
+              </a:rPr>
+              <a:t>“</a:t>
+            </a:r>
+            <a:r>
+              <a:rPr lang="ko-KR" altLang="en-US" sz="3200" dirty="0">
+                <a:solidFill>
+                  <a:srgbClr val="4C50BB"/>
+                </a:solidFill>
+                <a:latin typeface="G마켓 산스 Medium" panose="02000000000000000000" pitchFamily="50" charset="-127"/>
+                <a:ea typeface="G마켓 산스 Medium" panose="02000000000000000000" pitchFamily="50" charset="-127"/>
+              </a:rPr>
+              <a:t>짝수</a:t>
+            </a:r>
+            <a:r>
+              <a:rPr lang="en-US" altLang="ko-KR" sz="3200" dirty="0">
+                <a:solidFill>
+                  <a:srgbClr val="4C50BB"/>
+                </a:solidFill>
+                <a:latin typeface="G마켓 산스 Medium" panose="02000000000000000000" pitchFamily="50" charset="-127"/>
+                <a:ea typeface="G마켓 산스 Medium" panose="02000000000000000000" pitchFamily="50" charset="-127"/>
+              </a:rPr>
+              <a:t>” </a:t>
+            </a:r>
+            <a:r>
+              <a:rPr lang="ko-KR" altLang="en-US" sz="3200" dirty="0">
+                <a:solidFill>
+                  <a:srgbClr val="4C50BB"/>
+                </a:solidFill>
+                <a:latin typeface="G마켓 산스 Medium" panose="02000000000000000000" pitchFamily="50" charset="-127"/>
+                <a:ea typeface="G마켓 산스 Medium" panose="02000000000000000000" pitchFamily="50" charset="-127"/>
+              </a:rPr>
+              <a:t>아니면 </a:t>
+            </a:r>
+            <a:r>
+              <a:rPr lang="en-US" altLang="ko-KR" sz="3200" dirty="0">
+                <a:solidFill>
+                  <a:srgbClr val="4C50BB"/>
+                </a:solidFill>
+                <a:latin typeface="G마켓 산스 Medium" panose="02000000000000000000" pitchFamily="50" charset="-127"/>
+                <a:ea typeface="G마켓 산스 Medium" panose="02000000000000000000" pitchFamily="50" charset="-127"/>
+              </a:rPr>
+              <a:t>“</a:t>
+            </a:r>
+            <a:r>
+              <a:rPr lang="ko-KR" altLang="en-US" sz="3200" dirty="0">
+                <a:solidFill>
+                  <a:srgbClr val="4C50BB"/>
+                </a:solidFill>
+                <a:latin typeface="G마켓 산스 Medium" panose="02000000000000000000" pitchFamily="50" charset="-127"/>
+                <a:ea typeface="G마켓 산스 Medium" panose="02000000000000000000" pitchFamily="50" charset="-127"/>
+              </a:rPr>
+              <a:t>홀수</a:t>
+            </a:r>
+            <a:r>
+              <a:rPr lang="en-US" altLang="ko-KR" sz="3200" dirty="0">
+                <a:solidFill>
+                  <a:srgbClr val="4C50BB"/>
+                </a:solidFill>
+                <a:latin typeface="G마켓 산스 Medium" panose="02000000000000000000" pitchFamily="50" charset="-127"/>
+                <a:ea typeface="G마켓 산스 Medium" panose="02000000000000000000" pitchFamily="50" charset="-127"/>
+              </a:rPr>
+              <a:t>“ </a:t>
+            </a:r>
+            <a:r>
+              <a:rPr lang="ko-KR" altLang="en-US" sz="3200" dirty="0">
+                <a:solidFill>
+                  <a:srgbClr val="4C50BB"/>
+                </a:solidFill>
+                <a:latin typeface="G마켓 산스 Medium" panose="02000000000000000000" pitchFamily="50" charset="-127"/>
+                <a:ea typeface="G마켓 산스 Medium" panose="02000000000000000000" pitchFamily="50" charset="-127"/>
+              </a:rPr>
+              <a:t>문자열을 출력 하도록 한다</a:t>
+            </a:r>
+            <a:r>
+              <a:rPr lang="en-US" altLang="ko-KR" sz="3200" dirty="0">
+                <a:solidFill>
+                  <a:srgbClr val="4C50BB"/>
+                </a:solidFill>
+                <a:latin typeface="G마켓 산스 Medium" panose="02000000000000000000" pitchFamily="50" charset="-127"/>
+                <a:ea typeface="G마켓 산스 Medium" panose="02000000000000000000" pitchFamily="50" charset="-127"/>
+              </a:rPr>
+              <a:t>.</a:t>
+            </a:r>
+          </a:p>
+        </p:txBody>
+      </p:sp>
+      <p:sp>
+        <p:nvSpPr>
+          <p:cNvPr id="9" name="TextBox 8">
+            <a:extLst>
+              <a:ext uri="{FF2B5EF4-FFF2-40B4-BE49-F238E27FC236}">
+                <a16:creationId xmlns:a16="http://schemas.microsoft.com/office/drawing/2014/main" id="{12EC14EF-0A0F-16FE-54EA-BF319DA267B2}"/>
+              </a:ext>
+            </a:extLst>
+          </p:cNvPr>
+          <p:cNvSpPr txBox="1"/>
+          <p:nvPr/>
+        </p:nvSpPr>
+        <p:spPr>
+          <a:xfrm>
+            <a:off x="1153559" y="6794837"/>
+            <a:ext cx="1665841" cy="1015663"/>
           </a:xfrm>
           <a:prstGeom prst="rect">
             <a:avLst/>
@@ -8390,21 +10895,21 @@
           <a:lstStyle/>
           <a:p>
             <a:r>
-              <a:rPr lang="ko-KR" altLang="en-US" sz="6600" smtClean="0">
-                <a:solidFill>
-                  <a:schemeClr val="bg1"/>
-                </a:solidFill>
-                <a:latin typeface="G마켓 산스 Medium" panose="02000000000000000000" pitchFamily="50" charset="-127"/>
-                <a:ea typeface="G마켓 산스 Medium" panose="02000000000000000000" pitchFamily="50" charset="-127"/>
-              </a:rPr>
-              <a:t>실습문제</a:t>
-            </a:r>
-            <a:endParaRPr lang="ko-KR" altLang="en-US" sz="2800" dirty="0">
+              <a:rPr lang="ko-KR" altLang="en-US" sz="6000" dirty="0">
+                <a:solidFill>
+                  <a:srgbClr val="4C50BB"/>
+                </a:solidFill>
+                <a:latin typeface="G마켓 산스 TTF Bold" panose="02000000000000000000" pitchFamily="2" charset="-127"/>
+                <a:ea typeface="G마켓 산스 TTF Bold" panose="02000000000000000000" pitchFamily="2" charset="-127"/>
+              </a:rPr>
+              <a:t>해설</a:t>
+            </a:r>
+            <a:endParaRPr lang="ko-KR" altLang="en-US" sz="800" dirty="0">
               <a:solidFill>
-                <a:schemeClr val="bg1"/>
+                <a:srgbClr val="4C50BB"/>
               </a:solidFill>
-              <a:latin typeface="G마켓 산스 Medium" panose="02000000000000000000" pitchFamily="50" charset="-127"/>
-              <a:ea typeface="G마켓 산스 Medium" panose="02000000000000000000" pitchFamily="50" charset="-127"/>
+              <a:latin typeface="G마켓 산스 TTF Bold" panose="02000000000000000000" pitchFamily="2" charset="-127"/>
+              <a:ea typeface="G마켓 산스 TTF Bold" panose="02000000000000000000" pitchFamily="2" charset="-127"/>
             </a:endParaRPr>
           </a:p>
         </p:txBody>
@@ -8412,20 +10917,13 @@
     </p:spTree>
     <p:extLst>
       <p:ext uri="{BB962C8B-B14F-4D97-AF65-F5344CB8AC3E}">
-        <p14:creationId xmlns:p14="http://schemas.microsoft.com/office/powerpoint/2010/main" val="3979785349"/>
+        <p14:creationId xmlns:p14="http://schemas.microsoft.com/office/powerpoint/2010/main" val="899177250"/>
       </p:ext>
     </p:extLst>
   </p:cSld>
   <p:clrMapOvr>
     <a:masterClrMapping/>
   </p:clrMapOvr>
-  <p:timing>
-    <p:tnLst>
-      <p:par>
-        <p:cTn id="1" dur="indefinite" restart="never" nodeType="tmRoot"/>
-      </p:par>
-    </p:tnLst>
-  </p:timing>
 </p:sld>
 </file>
 
